--- a/P/doc/동물원 시스템 구현.pptx
+++ b/P/doc/동물원 시스템 구현.pptx
@@ -11,9 +11,13 @@
     <p:sldId id="259" r:id="rId5"/>
     <p:sldId id="260" r:id="rId6"/>
     <p:sldId id="261" r:id="rId7"/>
-    <p:sldId id="262" r:id="rId8"/>
-    <p:sldId id="263" r:id="rId9"/>
-    <p:sldId id="264" r:id="rId10"/>
+    <p:sldId id="270" r:id="rId8"/>
+    <p:sldId id="266" r:id="rId9"/>
+    <p:sldId id="267" r:id="rId10"/>
+    <p:sldId id="268" r:id="rId11"/>
+    <p:sldId id="269" r:id="rId12"/>
+    <p:sldId id="262" r:id="rId13"/>
+    <p:sldId id="264" r:id="rId14"/>
   </p:sldIdLst>
   <p:sldSz cx="12192000" cy="6858000"/>
   <p:notesSz cx="6858000" cy="9144000"/>
@@ -112,6 +116,11 @@
       </a:defRPr>
     </a:lvl9pPr>
   </p:defaultTextStyle>
+  <p:extLst>
+    <p:ext uri="{EFAFB233-063F-42B5-8137-9DF3F51BA10A}">
+      <p15:sldGuideLst xmlns:p15="http://schemas.microsoft.com/office/powerpoint/2012/main"/>
+    </p:ext>
+  </p:extLst>
 </p:presentation>
 </file>
 
@@ -246,7 +255,7 @@
           <a:p>
             <a:fld id="{756FA364-CA54-4AE5-B200-E037B4594108}" type="datetimeFigureOut">
               <a:rPr lang="ko-KR" altLang="en-US" smtClean="0"/>
-              <a:t>2023-06-14</a:t>
+              <a:t>2023-06-15</a:t>
             </a:fld>
             <a:endParaRPr lang="ko-KR" altLang="en-US"/>
           </a:p>
@@ -416,7 +425,7 @@
           <a:p>
             <a:fld id="{756FA364-CA54-4AE5-B200-E037B4594108}" type="datetimeFigureOut">
               <a:rPr lang="ko-KR" altLang="en-US" smtClean="0"/>
-              <a:t>2023-06-14</a:t>
+              <a:t>2023-06-15</a:t>
             </a:fld>
             <a:endParaRPr lang="ko-KR" altLang="en-US"/>
           </a:p>
@@ -596,7 +605,7 @@
           <a:p>
             <a:fld id="{756FA364-CA54-4AE5-B200-E037B4594108}" type="datetimeFigureOut">
               <a:rPr lang="ko-KR" altLang="en-US" smtClean="0"/>
-              <a:t>2023-06-14</a:t>
+              <a:t>2023-06-15</a:t>
             </a:fld>
             <a:endParaRPr lang="ko-KR" altLang="en-US"/>
           </a:p>
@@ -766,7 +775,7 @@
           <a:p>
             <a:fld id="{756FA364-CA54-4AE5-B200-E037B4594108}" type="datetimeFigureOut">
               <a:rPr lang="ko-KR" altLang="en-US" smtClean="0"/>
-              <a:t>2023-06-14</a:t>
+              <a:t>2023-06-15</a:t>
             </a:fld>
             <a:endParaRPr lang="ko-KR" altLang="en-US"/>
           </a:p>
@@ -1012,7 +1021,7 @@
           <a:p>
             <a:fld id="{756FA364-CA54-4AE5-B200-E037B4594108}" type="datetimeFigureOut">
               <a:rPr lang="ko-KR" altLang="en-US" smtClean="0"/>
-              <a:t>2023-06-14</a:t>
+              <a:t>2023-06-15</a:t>
             </a:fld>
             <a:endParaRPr lang="ko-KR" altLang="en-US"/>
           </a:p>
@@ -1244,7 +1253,7 @@
           <a:p>
             <a:fld id="{756FA364-CA54-4AE5-B200-E037B4594108}" type="datetimeFigureOut">
               <a:rPr lang="ko-KR" altLang="en-US" smtClean="0"/>
-              <a:t>2023-06-14</a:t>
+              <a:t>2023-06-15</a:t>
             </a:fld>
             <a:endParaRPr lang="ko-KR" altLang="en-US"/>
           </a:p>
@@ -1611,7 +1620,7 @@
           <a:p>
             <a:fld id="{756FA364-CA54-4AE5-B200-E037B4594108}" type="datetimeFigureOut">
               <a:rPr lang="ko-KR" altLang="en-US" smtClean="0"/>
-              <a:t>2023-06-14</a:t>
+              <a:t>2023-06-15</a:t>
             </a:fld>
             <a:endParaRPr lang="ko-KR" altLang="en-US"/>
           </a:p>
@@ -1729,7 +1738,7 @@
           <a:p>
             <a:fld id="{756FA364-CA54-4AE5-B200-E037B4594108}" type="datetimeFigureOut">
               <a:rPr lang="ko-KR" altLang="en-US" smtClean="0"/>
-              <a:t>2023-06-14</a:t>
+              <a:t>2023-06-15</a:t>
             </a:fld>
             <a:endParaRPr lang="ko-KR" altLang="en-US"/>
           </a:p>
@@ -1824,7 +1833,7 @@
           <a:p>
             <a:fld id="{756FA364-CA54-4AE5-B200-E037B4594108}" type="datetimeFigureOut">
               <a:rPr lang="ko-KR" altLang="en-US" smtClean="0"/>
-              <a:t>2023-06-14</a:t>
+              <a:t>2023-06-15</a:t>
             </a:fld>
             <a:endParaRPr lang="ko-KR" altLang="en-US"/>
           </a:p>
@@ -2101,7 +2110,7 @@
           <a:p>
             <a:fld id="{756FA364-CA54-4AE5-B200-E037B4594108}" type="datetimeFigureOut">
               <a:rPr lang="ko-KR" altLang="en-US" smtClean="0"/>
-              <a:t>2023-06-14</a:t>
+              <a:t>2023-06-15</a:t>
             </a:fld>
             <a:endParaRPr lang="ko-KR" altLang="en-US"/>
           </a:p>
@@ -2354,7 +2363,7 @@
           <a:p>
             <a:fld id="{756FA364-CA54-4AE5-B200-E037B4594108}" type="datetimeFigureOut">
               <a:rPr lang="ko-KR" altLang="en-US" smtClean="0"/>
-              <a:t>2023-06-14</a:t>
+              <a:t>2023-06-15</a:t>
             </a:fld>
             <a:endParaRPr lang="ko-KR" altLang="en-US"/>
           </a:p>
@@ -2567,7 +2576,7 @@
           <a:p>
             <a:fld id="{756FA364-CA54-4AE5-B200-E037B4594108}" type="datetimeFigureOut">
               <a:rPr lang="ko-KR" altLang="en-US" smtClean="0"/>
-              <a:t>2023-06-14</a:t>
+              <a:t>2023-06-15</a:t>
             </a:fld>
             <a:endParaRPr lang="ko-KR" altLang="en-US"/>
           </a:p>
@@ -3028,6 +3037,1318 @@
   <p:clrMapOvr>
     <a:masterClrMapping/>
   </p:clrMapOvr>
+  <p:timing>
+    <p:tnLst>
+      <p:par>
+        <p:cTn id="1" dur="indefinite" restart="never" nodeType="tmRoot"/>
+      </p:par>
+    </p:tnLst>
+  </p:timing>
+</p:sld>
+</file>
+
+<file path=ppt/slides/slide10.xml><?xml version="1.0" encoding="utf-8"?>
+<p:sld xmlns:a="http://schemas.openxmlformats.org/drawingml/2006/main" xmlns:r="http://schemas.openxmlformats.org/officeDocument/2006/relationships" xmlns:p="http://schemas.openxmlformats.org/presentationml/2006/main">
+  <p:cSld>
+    <p:spTree>
+      <p:nvGrpSpPr>
+        <p:cNvPr id="1" name=""/>
+        <p:cNvGrpSpPr/>
+        <p:nvPr/>
+      </p:nvGrpSpPr>
+      <p:grpSpPr>
+        <a:xfrm>
+          <a:off x="0" y="0"/>
+          <a:ext cx="0" cy="0"/>
+          <a:chOff x="0" y="0"/>
+          <a:chExt cx="0" cy="0"/>
+        </a:xfrm>
+      </p:grpSpPr>
+      <p:sp>
+        <p:nvSpPr>
+          <p:cNvPr id="6" name="제목 1"/>
+          <p:cNvSpPr txBox="1">
+            <a:spLocks/>
+          </p:cNvSpPr>
+          <p:nvPr/>
+        </p:nvSpPr>
+        <p:spPr>
+          <a:xfrm>
+            <a:off x="0" y="1"/>
+            <a:ext cx="7086599" cy="816428"/>
+          </a:xfrm>
+          <a:prstGeom prst="rect">
+            <a:avLst/>
+          </a:prstGeom>
+        </p:spPr>
+        <p:txBody>
+          <a:bodyPr vert="horz" lIns="91440" tIns="45720" rIns="91440" bIns="45720" rtlCol="0" anchor="ctr">
+            <a:normAutofit fontScale="97500"/>
+          </a:bodyPr>
+          <a:lstStyle>
+            <a:lvl1pPr algn="l" defTabSz="914400" rtl="0" eaLnBrk="1" latinLnBrk="1" hangingPunct="1">
+              <a:lnSpc>
+                <a:spcPct val="90000"/>
+              </a:lnSpc>
+              <a:spcBef>
+                <a:spcPct val="0"/>
+              </a:spcBef>
+              <a:buNone/>
+              <a:defRPr sz="4400" kern="1200">
+                <a:solidFill>
+                  <a:schemeClr val="tx1"/>
+                </a:solidFill>
+                <a:latin typeface="+mj-lt"/>
+                <a:ea typeface="+mj-ea"/>
+                <a:cs typeface="+mj-cs"/>
+              </a:defRPr>
+            </a:lvl1pPr>
+          </a:lstStyle>
+          <a:p>
+            <a:r>
+              <a:rPr lang="en-US" altLang="ko-KR" dirty="0" smtClean="0"/>
+              <a:t>UI </a:t>
+            </a:r>
+            <a:r>
+              <a:rPr lang="ko-KR" altLang="en-US" dirty="0" smtClean="0"/>
+              <a:t>정의서</a:t>
+            </a:r>
+            <a:r>
+              <a:rPr lang="en-US" altLang="ko-KR" dirty="0" smtClean="0"/>
+              <a:t>(</a:t>
+            </a:r>
+            <a:r>
+              <a:rPr lang="ko-KR" altLang="en-US" dirty="0" smtClean="0"/>
+              <a:t>온도 측정</a:t>
+            </a:r>
+            <a:r>
+              <a:rPr lang="en-US" altLang="ko-KR" dirty="0" smtClean="0"/>
+              <a:t>)</a:t>
+            </a:r>
+            <a:endParaRPr lang="ko-KR" altLang="en-US" dirty="0"/>
+          </a:p>
+        </p:txBody>
+      </p:sp>
+      <p:pic>
+        <p:nvPicPr>
+          <p:cNvPr id="7" name="그림 6"/>
+          <p:cNvPicPr>
+            <a:picLocks noChangeAspect="1"/>
+          </p:cNvPicPr>
+          <p:nvPr/>
+        </p:nvPicPr>
+        <p:blipFill>
+          <a:blip r:embed="rId2">
+            <a:extLst>
+              <a:ext uri="{28A0092B-C50C-407E-A947-70E740481C1C}">
+                <a14:useLocalDpi xmlns:a14="http://schemas.microsoft.com/office/drawing/2010/main" val="0"/>
+              </a:ext>
+            </a:extLst>
+          </a:blip>
+          <a:stretch>
+            <a:fillRect/>
+          </a:stretch>
+        </p:blipFill>
+        <p:spPr>
+          <a:xfrm>
+            <a:off x="0" y="2323385"/>
+            <a:ext cx="3439005" cy="2543530"/>
+          </a:xfrm>
+          <a:prstGeom prst="rect">
+            <a:avLst/>
+          </a:prstGeom>
+        </p:spPr>
+      </p:pic>
+      <p:pic>
+        <p:nvPicPr>
+          <p:cNvPr id="8" name="그림 7"/>
+          <p:cNvPicPr>
+            <a:picLocks noChangeAspect="1"/>
+          </p:cNvPicPr>
+          <p:nvPr/>
+        </p:nvPicPr>
+        <p:blipFill>
+          <a:blip r:embed="rId2">
+            <a:extLst>
+              <a:ext uri="{28A0092B-C50C-407E-A947-70E740481C1C}">
+                <a14:useLocalDpi xmlns:a14="http://schemas.microsoft.com/office/drawing/2010/main" val="0"/>
+              </a:ext>
+            </a:extLst>
+          </a:blip>
+          <a:stretch>
+            <a:fillRect/>
+          </a:stretch>
+        </p:blipFill>
+        <p:spPr>
+          <a:xfrm>
+            <a:off x="7645562" y="115462"/>
+            <a:ext cx="3439005" cy="2543530"/>
+          </a:xfrm>
+          <a:prstGeom prst="rect">
+            <a:avLst/>
+          </a:prstGeom>
+        </p:spPr>
+      </p:pic>
+      <p:pic>
+        <p:nvPicPr>
+          <p:cNvPr id="9" name="그림 8"/>
+          <p:cNvPicPr>
+            <a:picLocks noChangeAspect="1"/>
+          </p:cNvPicPr>
+          <p:nvPr/>
+        </p:nvPicPr>
+        <p:blipFill>
+          <a:blip r:embed="rId3">
+            <a:extLst>
+              <a:ext uri="{28A0092B-C50C-407E-A947-70E740481C1C}">
+                <a14:useLocalDpi xmlns:a14="http://schemas.microsoft.com/office/drawing/2010/main" val="0"/>
+              </a:ext>
+            </a:extLst>
+          </a:blip>
+          <a:stretch>
+            <a:fillRect/>
+          </a:stretch>
+        </p:blipFill>
+        <p:spPr>
+          <a:xfrm>
+            <a:off x="7645562" y="3880644"/>
+            <a:ext cx="3083166" cy="2767914"/>
+          </a:xfrm>
+          <a:prstGeom prst="rect">
+            <a:avLst/>
+          </a:prstGeom>
+        </p:spPr>
+      </p:pic>
+      <p:pic>
+        <p:nvPicPr>
+          <p:cNvPr id="10" name="그림 9"/>
+          <p:cNvPicPr>
+            <a:picLocks noChangeAspect="1"/>
+          </p:cNvPicPr>
+          <p:nvPr/>
+        </p:nvPicPr>
+        <p:blipFill>
+          <a:blip r:embed="rId4">
+            <a:extLst>
+              <a:ext uri="{28A0092B-C50C-407E-A947-70E740481C1C}">
+                <a14:useLocalDpi xmlns:a14="http://schemas.microsoft.com/office/drawing/2010/main" val="0"/>
+              </a:ext>
+            </a:extLst>
+          </a:blip>
+          <a:stretch>
+            <a:fillRect/>
+          </a:stretch>
+        </p:blipFill>
+        <p:spPr>
+          <a:xfrm>
+            <a:off x="3925552" y="2421606"/>
+            <a:ext cx="2143125" cy="2143125"/>
+          </a:xfrm>
+          <a:prstGeom prst="rect">
+            <a:avLst/>
+          </a:prstGeom>
+        </p:spPr>
+      </p:pic>
+      <p:sp>
+        <p:nvSpPr>
+          <p:cNvPr id="11" name="오른쪽 화살표 10"/>
+          <p:cNvSpPr/>
+          <p:nvPr/>
+        </p:nvSpPr>
+        <p:spPr>
+          <a:xfrm>
+            <a:off x="3189301" y="3136232"/>
+            <a:ext cx="548510" cy="744412"/>
+          </a:xfrm>
+          <a:prstGeom prst="rightArrow">
+            <a:avLst/>
+          </a:prstGeom>
+        </p:spPr>
+        <p:style>
+          <a:lnRef idx="2">
+            <a:schemeClr val="accent1">
+              <a:shade val="50000"/>
+            </a:schemeClr>
+          </a:lnRef>
+          <a:fillRef idx="1">
+            <a:schemeClr val="accent1"/>
+          </a:fillRef>
+          <a:effectRef idx="0">
+            <a:schemeClr val="accent1"/>
+          </a:effectRef>
+          <a:fontRef idx="minor">
+            <a:schemeClr val="lt1"/>
+          </a:fontRef>
+        </p:style>
+        <p:txBody>
+          <a:bodyPr rtlCol="0" anchor="ctr"/>
+          <a:lstStyle/>
+          <a:p>
+            <a:pPr algn="ctr"/>
+            <a:endParaRPr lang="ko-KR" altLang="en-US"/>
+          </a:p>
+        </p:txBody>
+      </p:sp>
+      <p:sp>
+        <p:nvSpPr>
+          <p:cNvPr id="12" name="굽은 화살표 11"/>
+          <p:cNvSpPr/>
+          <p:nvPr/>
+        </p:nvSpPr>
+        <p:spPr>
+          <a:xfrm>
+            <a:off x="4491789" y="1122947"/>
+            <a:ext cx="2518611" cy="1082842"/>
+          </a:xfrm>
+          <a:prstGeom prst="bentArrow">
+            <a:avLst/>
+          </a:prstGeom>
+        </p:spPr>
+        <p:style>
+          <a:lnRef idx="2">
+            <a:schemeClr val="accent1">
+              <a:shade val="50000"/>
+            </a:schemeClr>
+          </a:lnRef>
+          <a:fillRef idx="1">
+            <a:schemeClr val="accent1"/>
+          </a:fillRef>
+          <a:effectRef idx="0">
+            <a:schemeClr val="accent1"/>
+          </a:effectRef>
+          <a:fontRef idx="minor">
+            <a:schemeClr val="lt1"/>
+          </a:fontRef>
+        </p:style>
+        <p:txBody>
+          <a:bodyPr rtlCol="0" anchor="ctr"/>
+          <a:lstStyle/>
+          <a:p>
+            <a:pPr algn="ctr"/>
+            <a:endParaRPr lang="ko-KR" altLang="en-US">
+              <a:solidFill>
+                <a:schemeClr val="tx1"/>
+              </a:solidFill>
+            </a:endParaRPr>
+          </a:p>
+        </p:txBody>
+      </p:sp>
+      <p:sp>
+        <p:nvSpPr>
+          <p:cNvPr id="13" name="굽은 화살표 12"/>
+          <p:cNvSpPr/>
+          <p:nvPr/>
+        </p:nvSpPr>
+        <p:spPr>
+          <a:xfrm flipV="1">
+            <a:off x="4491789" y="4723180"/>
+            <a:ext cx="2518611" cy="1082842"/>
+          </a:xfrm>
+          <a:prstGeom prst="bentArrow">
+            <a:avLst/>
+          </a:prstGeom>
+        </p:spPr>
+        <p:style>
+          <a:lnRef idx="2">
+            <a:schemeClr val="accent1">
+              <a:shade val="50000"/>
+            </a:schemeClr>
+          </a:lnRef>
+          <a:fillRef idx="1">
+            <a:schemeClr val="accent1"/>
+          </a:fillRef>
+          <a:effectRef idx="0">
+            <a:schemeClr val="accent1"/>
+          </a:effectRef>
+          <a:fontRef idx="minor">
+            <a:schemeClr val="lt1"/>
+          </a:fontRef>
+        </p:style>
+        <p:txBody>
+          <a:bodyPr rtlCol="0" anchor="ctr"/>
+          <a:lstStyle/>
+          <a:p>
+            <a:pPr algn="ctr"/>
+            <a:endParaRPr lang="ko-KR" altLang="en-US">
+              <a:solidFill>
+                <a:schemeClr val="tx1"/>
+              </a:solidFill>
+            </a:endParaRPr>
+          </a:p>
+        </p:txBody>
+      </p:sp>
+      <p:sp>
+        <p:nvSpPr>
+          <p:cNvPr id="14" name="TextBox 13"/>
+          <p:cNvSpPr txBox="1"/>
+          <p:nvPr/>
+        </p:nvSpPr>
+        <p:spPr>
+          <a:xfrm>
+            <a:off x="2960384" y="2658992"/>
+            <a:ext cx="1443789" cy="369332"/>
+          </a:xfrm>
+          <a:prstGeom prst="rect">
+            <a:avLst/>
+          </a:prstGeom>
+          <a:noFill/>
+        </p:spPr>
+        <p:txBody>
+          <a:bodyPr wrap="square" rtlCol="0">
+            <a:spAutoFit/>
+          </a:bodyPr>
+          <a:lstStyle/>
+          <a:p>
+            <a:r>
+              <a:rPr lang="en-US" altLang="ko-KR" dirty="0" smtClean="0"/>
+              <a:t>DHT11</a:t>
+            </a:r>
+            <a:r>
+              <a:rPr lang="ko-KR" altLang="en-US" dirty="0"/>
+              <a:t> </a:t>
+            </a:r>
+            <a:r>
+              <a:rPr lang="ko-KR" altLang="en-US" dirty="0" smtClean="0"/>
+              <a:t>측정</a:t>
+            </a:r>
+            <a:endParaRPr lang="ko-KR" altLang="en-US" dirty="0"/>
+          </a:p>
+        </p:txBody>
+      </p:sp>
+      <p:sp>
+        <p:nvSpPr>
+          <p:cNvPr id="15" name="TextBox 14"/>
+          <p:cNvSpPr txBox="1"/>
+          <p:nvPr/>
+        </p:nvSpPr>
+        <p:spPr>
+          <a:xfrm>
+            <a:off x="4809371" y="1815471"/>
+            <a:ext cx="2518611" cy="369332"/>
+          </a:xfrm>
+          <a:prstGeom prst="rect">
+            <a:avLst/>
+          </a:prstGeom>
+          <a:noFill/>
+        </p:spPr>
+        <p:txBody>
+          <a:bodyPr wrap="square" rtlCol="0">
+            <a:spAutoFit/>
+          </a:bodyPr>
+          <a:lstStyle/>
+          <a:p>
+            <a:r>
+              <a:rPr lang="ko-KR" altLang="en-US" dirty="0" smtClean="0"/>
+              <a:t>온도 이상이 없을 경우</a:t>
+            </a:r>
+            <a:endParaRPr lang="ko-KR" altLang="en-US" dirty="0"/>
+          </a:p>
+        </p:txBody>
+      </p:sp>
+      <p:sp>
+        <p:nvSpPr>
+          <p:cNvPr id="16" name="TextBox 15"/>
+          <p:cNvSpPr txBox="1"/>
+          <p:nvPr/>
+        </p:nvSpPr>
+        <p:spPr>
+          <a:xfrm>
+            <a:off x="4809370" y="4895269"/>
+            <a:ext cx="2518611" cy="369332"/>
+          </a:xfrm>
+          <a:prstGeom prst="rect">
+            <a:avLst/>
+          </a:prstGeom>
+          <a:noFill/>
+        </p:spPr>
+        <p:txBody>
+          <a:bodyPr wrap="square" rtlCol="0">
+            <a:spAutoFit/>
+          </a:bodyPr>
+          <a:lstStyle/>
+          <a:p>
+            <a:r>
+              <a:rPr lang="ko-KR" altLang="en-US" dirty="0" smtClean="0"/>
+              <a:t>온도 이상 있을 경우</a:t>
+            </a:r>
+            <a:endParaRPr lang="ko-KR" altLang="en-US" dirty="0"/>
+          </a:p>
+        </p:txBody>
+      </p:sp>
+    </p:spTree>
+    <p:extLst>
+      <p:ext uri="{BB962C8B-B14F-4D97-AF65-F5344CB8AC3E}">
+        <p14:creationId xmlns:p14="http://schemas.microsoft.com/office/powerpoint/2010/main" val="2798775509"/>
+      </p:ext>
+    </p:extLst>
+  </p:cSld>
+  <p:clrMapOvr>
+    <a:masterClrMapping/>
+  </p:clrMapOvr>
+  <p:timing>
+    <p:tnLst>
+      <p:par>
+        <p:cTn id="1" dur="indefinite" restart="never" nodeType="tmRoot"/>
+      </p:par>
+    </p:tnLst>
+  </p:timing>
+</p:sld>
+</file>
+
+<file path=ppt/slides/slide11.xml><?xml version="1.0" encoding="utf-8"?>
+<p:sld xmlns:a="http://schemas.openxmlformats.org/drawingml/2006/main" xmlns:r="http://schemas.openxmlformats.org/officeDocument/2006/relationships" xmlns:p="http://schemas.openxmlformats.org/presentationml/2006/main">
+  <p:cSld>
+    <p:spTree>
+      <p:nvGrpSpPr>
+        <p:cNvPr id="1" name=""/>
+        <p:cNvGrpSpPr/>
+        <p:nvPr/>
+      </p:nvGrpSpPr>
+      <p:grpSpPr>
+        <a:xfrm>
+          <a:off x="0" y="0"/>
+          <a:ext cx="0" cy="0"/>
+          <a:chOff x="0" y="0"/>
+          <a:chExt cx="0" cy="0"/>
+        </a:xfrm>
+      </p:grpSpPr>
+      <p:sp>
+        <p:nvSpPr>
+          <p:cNvPr id="4" name="제목 1"/>
+          <p:cNvSpPr txBox="1">
+            <a:spLocks/>
+          </p:cNvSpPr>
+          <p:nvPr/>
+        </p:nvSpPr>
+        <p:spPr>
+          <a:xfrm>
+            <a:off x="0" y="1"/>
+            <a:ext cx="7086599" cy="816428"/>
+          </a:xfrm>
+          <a:prstGeom prst="rect">
+            <a:avLst/>
+          </a:prstGeom>
+        </p:spPr>
+        <p:txBody>
+          <a:bodyPr vert="horz" lIns="91440" tIns="45720" rIns="91440" bIns="45720" rtlCol="0" anchor="ctr">
+            <a:normAutofit fontScale="97500"/>
+          </a:bodyPr>
+          <a:lstStyle>
+            <a:lvl1pPr algn="l" defTabSz="914400" rtl="0" eaLnBrk="1" latinLnBrk="1" hangingPunct="1">
+              <a:lnSpc>
+                <a:spcPct val="90000"/>
+              </a:lnSpc>
+              <a:spcBef>
+                <a:spcPct val="0"/>
+              </a:spcBef>
+              <a:buNone/>
+              <a:defRPr sz="4400" kern="1200">
+                <a:solidFill>
+                  <a:schemeClr val="tx1"/>
+                </a:solidFill>
+                <a:latin typeface="+mj-lt"/>
+                <a:ea typeface="+mj-ea"/>
+                <a:cs typeface="+mj-cs"/>
+              </a:defRPr>
+            </a:lvl1pPr>
+          </a:lstStyle>
+          <a:p>
+            <a:r>
+              <a:rPr lang="en-US" altLang="ko-KR" dirty="0" smtClean="0"/>
+              <a:t>UI </a:t>
+            </a:r>
+            <a:r>
+              <a:rPr lang="ko-KR" altLang="en-US" dirty="0" smtClean="0"/>
+              <a:t>정의서</a:t>
+            </a:r>
+            <a:r>
+              <a:rPr lang="en-US" altLang="ko-KR" dirty="0" smtClean="0"/>
+              <a:t>(</a:t>
+            </a:r>
+            <a:r>
+              <a:rPr lang="ko-KR" altLang="en-US" dirty="0" smtClean="0"/>
+              <a:t>일정</a:t>
+            </a:r>
+            <a:r>
+              <a:rPr lang="en-US" altLang="ko-KR" dirty="0" smtClean="0"/>
+              <a:t>)</a:t>
+            </a:r>
+            <a:endParaRPr lang="ko-KR" altLang="en-US" dirty="0"/>
+          </a:p>
+        </p:txBody>
+      </p:sp>
+      <p:pic>
+        <p:nvPicPr>
+          <p:cNvPr id="5" name="그림 4"/>
+          <p:cNvPicPr>
+            <a:picLocks noChangeAspect="1"/>
+          </p:cNvPicPr>
+          <p:nvPr/>
+        </p:nvPicPr>
+        <p:blipFill>
+          <a:blip r:embed="rId2">
+            <a:extLst>
+              <a:ext uri="{28A0092B-C50C-407E-A947-70E740481C1C}">
+                <a14:useLocalDpi xmlns:a14="http://schemas.microsoft.com/office/drawing/2010/main" val="0"/>
+              </a:ext>
+            </a:extLst>
+          </a:blip>
+          <a:stretch>
+            <a:fillRect/>
+          </a:stretch>
+        </p:blipFill>
+        <p:spPr>
+          <a:xfrm>
+            <a:off x="0" y="1835235"/>
+            <a:ext cx="3806305" cy="2966366"/>
+          </a:xfrm>
+          <a:prstGeom prst="rect">
+            <a:avLst/>
+          </a:prstGeom>
+        </p:spPr>
+      </p:pic>
+      <p:pic>
+        <p:nvPicPr>
+          <p:cNvPr id="7" name="그림 6"/>
+          <p:cNvPicPr>
+            <a:picLocks noChangeAspect="1"/>
+          </p:cNvPicPr>
+          <p:nvPr/>
+        </p:nvPicPr>
+        <p:blipFill>
+          <a:blip r:embed="rId3">
+            <a:extLst>
+              <a:ext uri="{28A0092B-C50C-407E-A947-70E740481C1C}">
+                <a14:useLocalDpi xmlns:a14="http://schemas.microsoft.com/office/drawing/2010/main" val="0"/>
+              </a:ext>
+            </a:extLst>
+          </a:blip>
+          <a:stretch>
+            <a:fillRect/>
+          </a:stretch>
+        </p:blipFill>
+        <p:spPr>
+          <a:xfrm>
+            <a:off x="8613106" y="3318418"/>
+            <a:ext cx="1866325" cy="3539582"/>
+          </a:xfrm>
+          <a:prstGeom prst="rect">
+            <a:avLst/>
+          </a:prstGeom>
+        </p:spPr>
+      </p:pic>
+      <p:pic>
+        <p:nvPicPr>
+          <p:cNvPr id="8" name="그림 7"/>
+          <p:cNvPicPr>
+            <a:picLocks noChangeAspect="1"/>
+          </p:cNvPicPr>
+          <p:nvPr/>
+        </p:nvPicPr>
+        <p:blipFill>
+          <a:blip r:embed="rId4">
+            <a:extLst>
+              <a:ext uri="{28A0092B-C50C-407E-A947-70E740481C1C}">
+                <a14:useLocalDpi xmlns:a14="http://schemas.microsoft.com/office/drawing/2010/main" val="0"/>
+              </a:ext>
+            </a:extLst>
+          </a:blip>
+          <a:stretch>
+            <a:fillRect/>
+          </a:stretch>
+        </p:blipFill>
+        <p:spPr>
+          <a:xfrm>
+            <a:off x="8748396" y="0"/>
+            <a:ext cx="1731035" cy="3036832"/>
+          </a:xfrm>
+          <a:prstGeom prst="rect">
+            <a:avLst/>
+          </a:prstGeom>
+        </p:spPr>
+      </p:pic>
+      <p:sp>
+        <p:nvSpPr>
+          <p:cNvPr id="9" name="오른쪽 화살표 8"/>
+          <p:cNvSpPr/>
+          <p:nvPr/>
+        </p:nvSpPr>
+        <p:spPr>
+          <a:xfrm>
+            <a:off x="3609474" y="3153828"/>
+            <a:ext cx="988492" cy="626354"/>
+          </a:xfrm>
+          <a:prstGeom prst="rightArrow">
+            <a:avLst/>
+          </a:prstGeom>
+        </p:spPr>
+        <p:style>
+          <a:lnRef idx="2">
+            <a:schemeClr val="accent1">
+              <a:shade val="50000"/>
+            </a:schemeClr>
+          </a:lnRef>
+          <a:fillRef idx="1">
+            <a:schemeClr val="accent1"/>
+          </a:fillRef>
+          <a:effectRef idx="0">
+            <a:schemeClr val="accent1"/>
+          </a:effectRef>
+          <a:fontRef idx="minor">
+            <a:schemeClr val="lt1"/>
+          </a:fontRef>
+        </p:style>
+        <p:txBody>
+          <a:bodyPr rtlCol="0" anchor="ctr"/>
+          <a:lstStyle/>
+          <a:p>
+            <a:pPr algn="ctr"/>
+            <a:endParaRPr lang="ko-KR" altLang="en-US"/>
+          </a:p>
+        </p:txBody>
+      </p:sp>
+      <p:sp>
+        <p:nvSpPr>
+          <p:cNvPr id="10" name="TextBox 9"/>
+          <p:cNvSpPr txBox="1"/>
+          <p:nvPr/>
+        </p:nvSpPr>
+        <p:spPr>
+          <a:xfrm>
+            <a:off x="3272653" y="2321260"/>
+            <a:ext cx="2191754" cy="646331"/>
+          </a:xfrm>
+          <a:prstGeom prst="rect">
+            <a:avLst/>
+          </a:prstGeom>
+          <a:noFill/>
+        </p:spPr>
+        <p:txBody>
+          <a:bodyPr wrap="square" rtlCol="0">
+            <a:spAutoFit/>
+          </a:bodyPr>
+          <a:lstStyle/>
+          <a:p>
+            <a:r>
+              <a:rPr lang="ko-KR" altLang="en-US" dirty="0" smtClean="0"/>
+              <a:t>마우스를 클릭할 때 일정 보이기</a:t>
+            </a:r>
+            <a:endParaRPr lang="en-US" altLang="ko-KR" dirty="0" smtClean="0"/>
+          </a:p>
+        </p:txBody>
+      </p:sp>
+      <p:sp>
+        <p:nvSpPr>
+          <p:cNvPr id="11" name="굽은 화살표 10"/>
+          <p:cNvSpPr/>
+          <p:nvPr/>
+        </p:nvSpPr>
+        <p:spPr>
+          <a:xfrm>
+            <a:off x="5927558" y="898358"/>
+            <a:ext cx="2685548" cy="705853"/>
+          </a:xfrm>
+          <a:prstGeom prst="bentArrow">
+            <a:avLst/>
+          </a:prstGeom>
+        </p:spPr>
+        <p:style>
+          <a:lnRef idx="2">
+            <a:schemeClr val="accent1">
+              <a:shade val="50000"/>
+            </a:schemeClr>
+          </a:lnRef>
+          <a:fillRef idx="1">
+            <a:schemeClr val="accent1"/>
+          </a:fillRef>
+          <a:effectRef idx="0">
+            <a:schemeClr val="accent1"/>
+          </a:effectRef>
+          <a:fontRef idx="minor">
+            <a:schemeClr val="lt1"/>
+          </a:fontRef>
+        </p:style>
+        <p:txBody>
+          <a:bodyPr rtlCol="0" anchor="ctr"/>
+          <a:lstStyle/>
+          <a:p>
+            <a:pPr algn="ctr"/>
+            <a:endParaRPr lang="ko-KR" altLang="en-US">
+              <a:solidFill>
+                <a:schemeClr val="tx1"/>
+              </a:solidFill>
+            </a:endParaRPr>
+          </a:p>
+        </p:txBody>
+      </p:sp>
+      <p:sp>
+        <p:nvSpPr>
+          <p:cNvPr id="12" name="굽은 화살표 11"/>
+          <p:cNvSpPr/>
+          <p:nvPr/>
+        </p:nvSpPr>
+        <p:spPr>
+          <a:xfrm flipV="1">
+            <a:off x="5927558" y="5444819"/>
+            <a:ext cx="2685548" cy="705853"/>
+          </a:xfrm>
+          <a:prstGeom prst="bentArrow">
+            <a:avLst/>
+          </a:prstGeom>
+        </p:spPr>
+        <p:style>
+          <a:lnRef idx="2">
+            <a:schemeClr val="accent1">
+              <a:shade val="50000"/>
+            </a:schemeClr>
+          </a:lnRef>
+          <a:fillRef idx="1">
+            <a:schemeClr val="accent1"/>
+          </a:fillRef>
+          <a:effectRef idx="0">
+            <a:schemeClr val="accent1"/>
+          </a:effectRef>
+          <a:fontRef idx="minor">
+            <a:schemeClr val="lt1"/>
+          </a:fontRef>
+        </p:style>
+        <p:txBody>
+          <a:bodyPr rtlCol="0" anchor="ctr"/>
+          <a:lstStyle/>
+          <a:p>
+            <a:pPr algn="ctr"/>
+            <a:endParaRPr lang="ko-KR" altLang="en-US">
+              <a:solidFill>
+                <a:schemeClr val="tx1"/>
+              </a:solidFill>
+            </a:endParaRPr>
+          </a:p>
+        </p:txBody>
+      </p:sp>
+      <p:sp>
+        <p:nvSpPr>
+          <p:cNvPr id="13" name="TextBox 12"/>
+          <p:cNvSpPr txBox="1"/>
+          <p:nvPr/>
+        </p:nvSpPr>
+        <p:spPr>
+          <a:xfrm>
+            <a:off x="5927558" y="344905"/>
+            <a:ext cx="2685548" cy="369332"/>
+          </a:xfrm>
+          <a:prstGeom prst="rect">
+            <a:avLst/>
+          </a:prstGeom>
+          <a:noFill/>
+        </p:spPr>
+        <p:txBody>
+          <a:bodyPr wrap="square" rtlCol="0">
+            <a:spAutoFit/>
+          </a:bodyPr>
+          <a:lstStyle/>
+          <a:p>
+            <a:r>
+              <a:rPr lang="ko-KR" altLang="en-US" smtClean="0"/>
+              <a:t>추가하기를 눌렀을 경우</a:t>
+            </a:r>
+            <a:endParaRPr lang="ko-KR" altLang="en-US" dirty="0"/>
+          </a:p>
+        </p:txBody>
+      </p:sp>
+      <p:sp>
+        <p:nvSpPr>
+          <p:cNvPr id="14" name="TextBox 13"/>
+          <p:cNvSpPr txBox="1"/>
+          <p:nvPr/>
+        </p:nvSpPr>
+        <p:spPr>
+          <a:xfrm>
+            <a:off x="5523934" y="6185863"/>
+            <a:ext cx="3224462" cy="369332"/>
+          </a:xfrm>
+          <a:prstGeom prst="rect">
+            <a:avLst/>
+          </a:prstGeom>
+          <a:noFill/>
+        </p:spPr>
+        <p:txBody>
+          <a:bodyPr wrap="square" rtlCol="0">
+            <a:spAutoFit/>
+          </a:bodyPr>
+          <a:lstStyle/>
+          <a:p>
+            <a:r>
+              <a:rPr lang="ko-KR" altLang="en-US" dirty="0" smtClean="0"/>
+              <a:t>수정</a:t>
+            </a:r>
+            <a:r>
+              <a:rPr lang="en-US" altLang="ko-KR" dirty="0" smtClean="0"/>
+              <a:t>/</a:t>
+            </a:r>
+            <a:r>
+              <a:rPr lang="ko-KR" altLang="en-US" dirty="0" smtClean="0"/>
+              <a:t>삭제하기를 눌렀을 경우</a:t>
+            </a:r>
+            <a:endParaRPr lang="ko-KR" altLang="en-US" dirty="0"/>
+          </a:p>
+        </p:txBody>
+      </p:sp>
+      <p:pic>
+        <p:nvPicPr>
+          <p:cNvPr id="16" name="그림 15"/>
+          <p:cNvPicPr>
+            <a:picLocks noChangeAspect="1"/>
+          </p:cNvPicPr>
+          <p:nvPr/>
+        </p:nvPicPr>
+        <p:blipFill>
+          <a:blip r:embed="rId5">
+            <a:extLst>
+              <a:ext uri="{28A0092B-C50C-407E-A947-70E740481C1C}">
+                <a14:useLocalDpi xmlns:a14="http://schemas.microsoft.com/office/drawing/2010/main" val="0"/>
+              </a:ext>
+            </a:extLst>
+          </a:blip>
+          <a:stretch>
+            <a:fillRect/>
+          </a:stretch>
+        </p:blipFill>
+        <p:spPr>
+          <a:xfrm>
+            <a:off x="5095155" y="1670996"/>
+            <a:ext cx="1973365" cy="3624893"/>
+          </a:xfrm>
+          <a:prstGeom prst="rect">
+            <a:avLst/>
+          </a:prstGeom>
+        </p:spPr>
+      </p:pic>
+    </p:spTree>
+    <p:extLst>
+      <p:ext uri="{BB962C8B-B14F-4D97-AF65-F5344CB8AC3E}">
+        <p14:creationId xmlns:p14="http://schemas.microsoft.com/office/powerpoint/2010/main" val="3194291620"/>
+      </p:ext>
+    </p:extLst>
+  </p:cSld>
+  <p:clrMapOvr>
+    <a:masterClrMapping/>
+  </p:clrMapOvr>
+  <p:timing>
+    <p:tnLst>
+      <p:par>
+        <p:cTn id="1" dur="indefinite" restart="never" nodeType="tmRoot"/>
+      </p:par>
+    </p:tnLst>
+  </p:timing>
+</p:sld>
+</file>
+
+<file path=ppt/slides/slide12.xml><?xml version="1.0" encoding="utf-8"?>
+<p:sld xmlns:a="http://schemas.openxmlformats.org/drawingml/2006/main" xmlns:r="http://schemas.openxmlformats.org/officeDocument/2006/relationships" xmlns:p="http://schemas.openxmlformats.org/presentationml/2006/main">
+  <p:cSld>
+    <p:spTree>
+      <p:nvGrpSpPr>
+        <p:cNvPr id="1" name=""/>
+        <p:cNvGrpSpPr/>
+        <p:nvPr/>
+      </p:nvGrpSpPr>
+      <p:grpSpPr>
+        <a:xfrm>
+          <a:off x="0" y="0"/>
+          <a:ext cx="0" cy="0"/>
+          <a:chOff x="0" y="0"/>
+          <a:chExt cx="0" cy="0"/>
+        </a:xfrm>
+      </p:grpSpPr>
+      <p:sp>
+        <p:nvSpPr>
+          <p:cNvPr id="2" name="제목 1"/>
+          <p:cNvSpPr>
+            <a:spLocks noGrp="1"/>
+          </p:cNvSpPr>
+          <p:nvPr>
+            <p:ph type="ctrTitle"/>
+          </p:nvPr>
+        </p:nvSpPr>
+        <p:spPr>
+          <a:xfrm>
+            <a:off x="0" y="0"/>
+            <a:ext cx="4211053" cy="658311"/>
+          </a:xfrm>
+        </p:spPr>
+        <p:txBody>
+          <a:bodyPr>
+            <a:noAutofit/>
+          </a:bodyPr>
+          <a:lstStyle/>
+          <a:p>
+            <a:pPr algn="l"/>
+            <a:r>
+              <a:rPr lang="en-US" altLang="ko-KR" sz="4300" dirty="0" smtClean="0"/>
+              <a:t>UML(</a:t>
+            </a:r>
+            <a:r>
+              <a:rPr lang="en-US" altLang="ko-KR" sz="4300" b="1" dirty="0" smtClean="0"/>
+              <a:t>Use </a:t>
+            </a:r>
+            <a:r>
+              <a:rPr lang="en-US" altLang="ko-KR" sz="4300" b="1" dirty="0" smtClean="0"/>
+              <a:t>Cases</a:t>
+            </a:r>
+            <a:r>
+              <a:rPr lang="en-US" altLang="ko-KR" sz="4300" dirty="0"/>
+              <a:t>)</a:t>
+            </a:r>
+            <a:endParaRPr lang="ko-KR" altLang="en-US" sz="4300" dirty="0"/>
+          </a:p>
+        </p:txBody>
+      </p:sp>
+      <p:pic>
+        <p:nvPicPr>
+          <p:cNvPr id="3" name="그림 2"/>
+          <p:cNvPicPr>
+            <a:picLocks noChangeAspect="1"/>
+          </p:cNvPicPr>
+          <p:nvPr/>
+        </p:nvPicPr>
+        <p:blipFill>
+          <a:blip r:embed="rId2">
+            <a:extLst>
+              <a:ext uri="{28A0092B-C50C-407E-A947-70E740481C1C}">
+                <a14:useLocalDpi xmlns:a14="http://schemas.microsoft.com/office/drawing/2010/main" val="0"/>
+              </a:ext>
+            </a:extLst>
+          </a:blip>
+          <a:stretch>
+            <a:fillRect/>
+          </a:stretch>
+        </p:blipFill>
+        <p:spPr>
+          <a:xfrm>
+            <a:off x="1" y="658312"/>
+            <a:ext cx="12192000" cy="6095414"/>
+          </a:xfrm>
+          <a:prstGeom prst="rect">
+            <a:avLst/>
+          </a:prstGeom>
+        </p:spPr>
+      </p:pic>
+    </p:spTree>
+    <p:extLst>
+      <p:ext uri="{BB962C8B-B14F-4D97-AF65-F5344CB8AC3E}">
+        <p14:creationId xmlns:p14="http://schemas.microsoft.com/office/powerpoint/2010/main" val="2094978925"/>
+      </p:ext>
+    </p:extLst>
+  </p:cSld>
+  <p:clrMapOvr>
+    <a:masterClrMapping/>
+  </p:clrMapOvr>
+  <p:timing>
+    <p:tnLst>
+      <p:par>
+        <p:cTn id="1" dur="indefinite" restart="never" nodeType="tmRoot"/>
+      </p:par>
+    </p:tnLst>
+  </p:timing>
+</p:sld>
+</file>
+
+<file path=ppt/slides/slide13.xml><?xml version="1.0" encoding="utf-8"?>
+<p:sld xmlns:a="http://schemas.openxmlformats.org/drawingml/2006/main" xmlns:r="http://schemas.openxmlformats.org/officeDocument/2006/relationships" xmlns:p="http://schemas.openxmlformats.org/presentationml/2006/main">
+  <p:cSld>
+    <p:spTree>
+      <p:nvGrpSpPr>
+        <p:cNvPr id="1" name=""/>
+        <p:cNvGrpSpPr/>
+        <p:nvPr/>
+      </p:nvGrpSpPr>
+      <p:grpSpPr>
+        <a:xfrm>
+          <a:off x="0" y="0"/>
+          <a:ext cx="0" cy="0"/>
+          <a:chOff x="0" y="0"/>
+          <a:chExt cx="0" cy="0"/>
+        </a:xfrm>
+      </p:grpSpPr>
+      <p:sp>
+        <p:nvSpPr>
+          <p:cNvPr id="2" name="제목 1"/>
+          <p:cNvSpPr>
+            <a:spLocks noGrp="1"/>
+          </p:cNvSpPr>
+          <p:nvPr>
+            <p:ph type="ctrTitle"/>
+          </p:nvPr>
+        </p:nvSpPr>
+        <p:spPr>
+          <a:xfrm>
+            <a:off x="2933987" y="2679031"/>
+            <a:ext cx="5935580" cy="1027279"/>
+          </a:xfrm>
+        </p:spPr>
+        <p:txBody>
+          <a:bodyPr>
+            <a:normAutofit/>
+          </a:bodyPr>
+          <a:lstStyle/>
+          <a:p>
+            <a:r>
+              <a:rPr lang="ko-KR" altLang="en-US" dirty="0" smtClean="0"/>
+              <a:t>감사합니다</a:t>
+            </a:r>
+            <a:endParaRPr lang="ko-KR" altLang="en-US" dirty="0"/>
+          </a:p>
+        </p:txBody>
+      </p:sp>
+      <p:sp>
+        <p:nvSpPr>
+          <p:cNvPr id="5" name="부제목 4"/>
+          <p:cNvSpPr>
+            <a:spLocks noGrp="1"/>
+          </p:cNvSpPr>
+          <p:nvPr>
+            <p:ph type="subTitle" idx="1"/>
+          </p:nvPr>
+        </p:nvSpPr>
+        <p:spPr>
+          <a:xfrm>
+            <a:off x="5226862" y="5730470"/>
+            <a:ext cx="6836229" cy="566057"/>
+          </a:xfrm>
+        </p:spPr>
+        <p:txBody>
+          <a:bodyPr>
+            <a:normAutofit/>
+          </a:bodyPr>
+          <a:lstStyle/>
+          <a:p>
+            <a:r>
+              <a:rPr lang="en-US" altLang="ko-KR" dirty="0" smtClean="0">
+                <a:hlinkClick r:id="rId2"/>
+              </a:rPr>
+              <a:t>https</a:t>
+            </a:r>
+            <a:r>
+              <a:rPr lang="en-US" altLang="ko-KR" dirty="0">
+                <a:hlinkClick r:id="rId2"/>
+              </a:rPr>
+              <a:t>://github.com/SongByungKwon</a:t>
+            </a:r>
+            <a:endParaRPr lang="ko-KR" altLang="en-US" dirty="0"/>
+          </a:p>
+        </p:txBody>
+      </p:sp>
+      <p:sp>
+        <p:nvSpPr>
+          <p:cNvPr id="4" name="부제목 4"/>
+          <p:cNvSpPr txBox="1">
+            <a:spLocks/>
+          </p:cNvSpPr>
+          <p:nvPr/>
+        </p:nvSpPr>
+        <p:spPr>
+          <a:xfrm>
+            <a:off x="5901777" y="5164413"/>
+            <a:ext cx="6836229" cy="566057"/>
+          </a:xfrm>
+          <a:prstGeom prst="rect">
+            <a:avLst/>
+          </a:prstGeom>
+        </p:spPr>
+        <p:txBody>
+          <a:bodyPr vert="horz" lIns="91440" tIns="45720" rIns="91440" bIns="45720" rtlCol="0">
+            <a:normAutofit/>
+          </a:bodyPr>
+          <a:lstStyle>
+            <a:lvl1pPr marL="0" indent="0" algn="ctr" defTabSz="914400" rtl="0" eaLnBrk="1" latinLnBrk="1" hangingPunct="1">
+              <a:lnSpc>
+                <a:spcPct val="90000"/>
+              </a:lnSpc>
+              <a:spcBef>
+                <a:spcPts val="1000"/>
+              </a:spcBef>
+              <a:buFont typeface="Arial" panose="020B0604020202020204" pitchFamily="34" charset="0"/>
+              <a:buNone/>
+              <a:defRPr sz="2400" kern="1200">
+                <a:solidFill>
+                  <a:schemeClr val="tx1"/>
+                </a:solidFill>
+                <a:latin typeface="+mn-lt"/>
+                <a:ea typeface="+mn-ea"/>
+                <a:cs typeface="+mn-cs"/>
+              </a:defRPr>
+            </a:lvl1pPr>
+            <a:lvl2pPr marL="457200" indent="0" algn="ctr" defTabSz="914400" rtl="0" eaLnBrk="1" latinLnBrk="1" hangingPunct="1">
+              <a:lnSpc>
+                <a:spcPct val="90000"/>
+              </a:lnSpc>
+              <a:spcBef>
+                <a:spcPts val="500"/>
+              </a:spcBef>
+              <a:buFont typeface="Arial" panose="020B0604020202020204" pitchFamily="34" charset="0"/>
+              <a:buNone/>
+              <a:defRPr sz="2000" kern="1200">
+                <a:solidFill>
+                  <a:schemeClr val="tx1"/>
+                </a:solidFill>
+                <a:latin typeface="+mn-lt"/>
+                <a:ea typeface="+mn-ea"/>
+                <a:cs typeface="+mn-cs"/>
+              </a:defRPr>
+            </a:lvl2pPr>
+            <a:lvl3pPr marL="914400" indent="0" algn="ctr" defTabSz="914400" rtl="0" eaLnBrk="1" latinLnBrk="1" hangingPunct="1">
+              <a:lnSpc>
+                <a:spcPct val="90000"/>
+              </a:lnSpc>
+              <a:spcBef>
+                <a:spcPts val="500"/>
+              </a:spcBef>
+              <a:buFont typeface="Arial" panose="020B0604020202020204" pitchFamily="34" charset="0"/>
+              <a:buNone/>
+              <a:defRPr sz="1800" kern="1200">
+                <a:solidFill>
+                  <a:schemeClr val="tx1"/>
+                </a:solidFill>
+                <a:latin typeface="+mn-lt"/>
+                <a:ea typeface="+mn-ea"/>
+                <a:cs typeface="+mn-cs"/>
+              </a:defRPr>
+            </a:lvl3pPr>
+            <a:lvl4pPr marL="1371600" indent="0" algn="ctr" defTabSz="914400" rtl="0" eaLnBrk="1" latinLnBrk="1" hangingPunct="1">
+              <a:lnSpc>
+                <a:spcPct val="90000"/>
+              </a:lnSpc>
+              <a:spcBef>
+                <a:spcPts val="500"/>
+              </a:spcBef>
+              <a:buFont typeface="Arial" panose="020B0604020202020204" pitchFamily="34" charset="0"/>
+              <a:buNone/>
+              <a:defRPr sz="1600" kern="1200">
+                <a:solidFill>
+                  <a:schemeClr val="tx1"/>
+                </a:solidFill>
+                <a:latin typeface="+mn-lt"/>
+                <a:ea typeface="+mn-ea"/>
+                <a:cs typeface="+mn-cs"/>
+              </a:defRPr>
+            </a:lvl4pPr>
+            <a:lvl5pPr marL="1828800" indent="0" algn="ctr" defTabSz="914400" rtl="0" eaLnBrk="1" latinLnBrk="1" hangingPunct="1">
+              <a:lnSpc>
+                <a:spcPct val="90000"/>
+              </a:lnSpc>
+              <a:spcBef>
+                <a:spcPts val="500"/>
+              </a:spcBef>
+              <a:buFont typeface="Arial" panose="020B0604020202020204" pitchFamily="34" charset="0"/>
+              <a:buNone/>
+              <a:defRPr sz="1600" kern="1200">
+                <a:solidFill>
+                  <a:schemeClr val="tx1"/>
+                </a:solidFill>
+                <a:latin typeface="+mn-lt"/>
+                <a:ea typeface="+mn-ea"/>
+                <a:cs typeface="+mn-cs"/>
+              </a:defRPr>
+            </a:lvl5pPr>
+            <a:lvl6pPr marL="2286000" indent="0" algn="ctr" defTabSz="914400" rtl="0" eaLnBrk="1" latinLnBrk="1" hangingPunct="1">
+              <a:lnSpc>
+                <a:spcPct val="90000"/>
+              </a:lnSpc>
+              <a:spcBef>
+                <a:spcPts val="500"/>
+              </a:spcBef>
+              <a:buFont typeface="Arial" panose="020B0604020202020204" pitchFamily="34" charset="0"/>
+              <a:buNone/>
+              <a:defRPr sz="1600" kern="1200">
+                <a:solidFill>
+                  <a:schemeClr val="tx1"/>
+                </a:solidFill>
+                <a:latin typeface="+mn-lt"/>
+                <a:ea typeface="+mn-ea"/>
+                <a:cs typeface="+mn-cs"/>
+              </a:defRPr>
+            </a:lvl6pPr>
+            <a:lvl7pPr marL="2743200" indent="0" algn="ctr" defTabSz="914400" rtl="0" eaLnBrk="1" latinLnBrk="1" hangingPunct="1">
+              <a:lnSpc>
+                <a:spcPct val="90000"/>
+              </a:lnSpc>
+              <a:spcBef>
+                <a:spcPts val="500"/>
+              </a:spcBef>
+              <a:buFont typeface="Arial" panose="020B0604020202020204" pitchFamily="34" charset="0"/>
+              <a:buNone/>
+              <a:defRPr sz="1600" kern="1200">
+                <a:solidFill>
+                  <a:schemeClr val="tx1"/>
+                </a:solidFill>
+                <a:latin typeface="+mn-lt"/>
+                <a:ea typeface="+mn-ea"/>
+                <a:cs typeface="+mn-cs"/>
+              </a:defRPr>
+            </a:lvl7pPr>
+            <a:lvl8pPr marL="3200400" indent="0" algn="ctr" defTabSz="914400" rtl="0" eaLnBrk="1" latinLnBrk="1" hangingPunct="1">
+              <a:lnSpc>
+                <a:spcPct val="90000"/>
+              </a:lnSpc>
+              <a:spcBef>
+                <a:spcPts val="500"/>
+              </a:spcBef>
+              <a:buFont typeface="Arial" panose="020B0604020202020204" pitchFamily="34" charset="0"/>
+              <a:buNone/>
+              <a:defRPr sz="1600" kern="1200">
+                <a:solidFill>
+                  <a:schemeClr val="tx1"/>
+                </a:solidFill>
+                <a:latin typeface="+mn-lt"/>
+                <a:ea typeface="+mn-ea"/>
+                <a:cs typeface="+mn-cs"/>
+              </a:defRPr>
+            </a:lvl8pPr>
+            <a:lvl9pPr marL="3657600" indent="0" algn="ctr" defTabSz="914400" rtl="0" eaLnBrk="1" latinLnBrk="1" hangingPunct="1">
+              <a:lnSpc>
+                <a:spcPct val="90000"/>
+              </a:lnSpc>
+              <a:spcBef>
+                <a:spcPts val="500"/>
+              </a:spcBef>
+              <a:buFont typeface="Arial" panose="020B0604020202020204" pitchFamily="34" charset="0"/>
+              <a:buNone/>
+              <a:defRPr sz="1600" kern="1200">
+                <a:solidFill>
+                  <a:schemeClr val="tx1"/>
+                </a:solidFill>
+                <a:latin typeface="+mn-lt"/>
+                <a:ea typeface="+mn-ea"/>
+                <a:cs typeface="+mn-cs"/>
+              </a:defRPr>
+            </a:lvl9pPr>
+          </a:lstStyle>
+          <a:p>
+            <a:r>
+              <a:rPr lang="en-US" altLang="ko-KR" dirty="0" smtClean="0"/>
+              <a:t>GitHub</a:t>
+            </a:r>
+            <a:endParaRPr lang="ko-KR" altLang="en-US" dirty="0"/>
+          </a:p>
+        </p:txBody>
+      </p:sp>
+    </p:spTree>
+    <p:extLst>
+      <p:ext uri="{BB962C8B-B14F-4D97-AF65-F5344CB8AC3E}">
+        <p14:creationId xmlns:p14="http://schemas.microsoft.com/office/powerpoint/2010/main" val="3122835207"/>
+      </p:ext>
+    </p:extLst>
+  </p:cSld>
+  <p:clrMapOvr>
+    <a:masterClrMapping/>
+  </p:clrMapOvr>
+  <p:timing>
+    <p:tnLst>
+      <p:par>
+        <p:cTn id="1" dur="indefinite" restart="never" nodeType="tmRoot"/>
+      </p:par>
+    </p:tnLst>
+  </p:timing>
 </p:sld>
 </file>
 
@@ -3060,7 +4381,7 @@
         </p:nvSpPr>
         <p:spPr>
           <a:xfrm>
-            <a:off x="393031" y="681205"/>
+            <a:off x="376989" y="2201418"/>
             <a:ext cx="3120189" cy="1027279"/>
           </a:xfrm>
         </p:spPr>
@@ -3088,20 +4409,24 @@
         </p:nvSpPr>
         <p:spPr>
           <a:xfrm>
-            <a:off x="4315326" y="1532607"/>
-            <a:ext cx="5686926" cy="360362"/>
+            <a:off x="4379494" y="321428"/>
+            <a:ext cx="5983706" cy="528804"/>
           </a:xfrm>
         </p:spPr>
         <p:txBody>
           <a:bodyPr>
-            <a:normAutofit fontScale="92500" lnSpcReduction="10000"/>
+            <a:normAutofit fontScale="85000" lnSpcReduction="20000"/>
           </a:bodyPr>
           <a:lstStyle/>
           <a:p>
             <a:pPr algn="l"/>
             <a:r>
-              <a:rPr lang="en-US" altLang="ko-KR" dirty="0" smtClean="0"/>
-              <a:t>1</a:t>
+              <a:rPr lang="en-US" altLang="ko-KR" sz="4300" dirty="0" smtClean="0"/>
+              <a:t>1.</a:t>
+            </a:r>
+            <a:r>
+              <a:rPr lang="ko-KR" altLang="en-US" dirty="0" smtClean="0"/>
+              <a:t>계획 이유</a:t>
             </a:r>
             <a:endParaRPr lang="ko-KR" altLang="en-US" dirty="0"/>
           </a:p>
@@ -3109,7 +4434,7 @@
       </p:sp>
       <p:sp>
         <p:nvSpPr>
-          <p:cNvPr id="4" name="부제목 2"/>
+          <p:cNvPr id="5" name="부제목 2"/>
           <p:cNvSpPr txBox="1">
             <a:spLocks/>
           </p:cNvSpPr>
@@ -3117,8 +4442,8 @@
         </p:nvSpPr>
         <p:spPr>
           <a:xfrm>
-            <a:off x="4315326" y="1884948"/>
-            <a:ext cx="5686926" cy="360362"/>
+            <a:off x="4379494" y="888444"/>
+            <a:ext cx="5983706" cy="528804"/>
           </a:xfrm>
           <a:prstGeom prst="rect">
             <a:avLst/>
@@ -3126,7 +4451,7 @@
         </p:spPr>
         <p:txBody>
           <a:bodyPr vert="horz" lIns="91440" tIns="45720" rIns="91440" bIns="45720" rtlCol="0">
-            <a:normAutofit fontScale="92500" lnSpcReduction="10000"/>
+            <a:normAutofit fontScale="85000" lnSpcReduction="20000"/>
           </a:bodyPr>
           <a:lstStyle>
             <a:lvl1pPr marL="0" indent="0" algn="ctr" defTabSz="914400" rtl="0" eaLnBrk="1" latinLnBrk="1" hangingPunct="1">
@@ -3295,10 +4620,1813 @@
           <a:p>
             <a:pPr algn="l"/>
             <a:r>
-              <a:rPr lang="en-US" altLang="ko-KR" smtClean="0"/>
-              <a:t>1</a:t>
+              <a:rPr lang="en-US" altLang="ko-KR" sz="4300" dirty="0" smtClean="0"/>
+              <a:t>2.</a:t>
+            </a:r>
+            <a:r>
+              <a:rPr lang="ko-KR" altLang="en-US" dirty="0" smtClean="0"/>
+              <a:t>개발 환경</a:t>
             </a:r>
             <a:endParaRPr lang="ko-KR" altLang="en-US" dirty="0"/>
+          </a:p>
+        </p:txBody>
+      </p:sp>
+      <p:sp>
+        <p:nvSpPr>
+          <p:cNvPr id="6" name="부제목 2"/>
+          <p:cNvSpPr txBox="1">
+            <a:spLocks/>
+          </p:cNvSpPr>
+          <p:nvPr/>
+        </p:nvSpPr>
+        <p:spPr>
+          <a:xfrm>
+            <a:off x="4379494" y="1455460"/>
+            <a:ext cx="5983706" cy="528804"/>
+          </a:xfrm>
+          <a:prstGeom prst="rect">
+            <a:avLst/>
+          </a:prstGeom>
+        </p:spPr>
+        <p:txBody>
+          <a:bodyPr vert="horz" lIns="91440" tIns="45720" rIns="91440" bIns="45720" rtlCol="0">
+            <a:normAutofit fontScale="85000" lnSpcReduction="20000"/>
+          </a:bodyPr>
+          <a:lstStyle>
+            <a:lvl1pPr marL="0" indent="0" algn="ctr" defTabSz="914400" rtl="0" eaLnBrk="1" latinLnBrk="1" hangingPunct="1">
+              <a:lnSpc>
+                <a:spcPct val="90000"/>
+              </a:lnSpc>
+              <a:spcBef>
+                <a:spcPts val="1000"/>
+              </a:spcBef>
+              <a:buFont typeface="Arial" panose="020B0604020202020204" pitchFamily="34" charset="0"/>
+              <a:buNone/>
+              <a:defRPr sz="2400" kern="1200">
+                <a:solidFill>
+                  <a:schemeClr val="tx1"/>
+                </a:solidFill>
+                <a:latin typeface="+mn-lt"/>
+                <a:ea typeface="+mn-ea"/>
+                <a:cs typeface="+mn-cs"/>
+              </a:defRPr>
+            </a:lvl1pPr>
+            <a:lvl2pPr marL="457200" indent="0" algn="ctr" defTabSz="914400" rtl="0" eaLnBrk="1" latinLnBrk="1" hangingPunct="1">
+              <a:lnSpc>
+                <a:spcPct val="90000"/>
+              </a:lnSpc>
+              <a:spcBef>
+                <a:spcPts val="500"/>
+              </a:spcBef>
+              <a:buFont typeface="Arial" panose="020B0604020202020204" pitchFamily="34" charset="0"/>
+              <a:buNone/>
+              <a:defRPr sz="2000" kern="1200">
+                <a:solidFill>
+                  <a:schemeClr val="tx1"/>
+                </a:solidFill>
+                <a:latin typeface="+mn-lt"/>
+                <a:ea typeface="+mn-ea"/>
+                <a:cs typeface="+mn-cs"/>
+              </a:defRPr>
+            </a:lvl2pPr>
+            <a:lvl3pPr marL="914400" indent="0" algn="ctr" defTabSz="914400" rtl="0" eaLnBrk="1" latinLnBrk="1" hangingPunct="1">
+              <a:lnSpc>
+                <a:spcPct val="90000"/>
+              </a:lnSpc>
+              <a:spcBef>
+                <a:spcPts val="500"/>
+              </a:spcBef>
+              <a:buFont typeface="Arial" panose="020B0604020202020204" pitchFamily="34" charset="0"/>
+              <a:buNone/>
+              <a:defRPr sz="1800" kern="1200">
+                <a:solidFill>
+                  <a:schemeClr val="tx1"/>
+                </a:solidFill>
+                <a:latin typeface="+mn-lt"/>
+                <a:ea typeface="+mn-ea"/>
+                <a:cs typeface="+mn-cs"/>
+              </a:defRPr>
+            </a:lvl3pPr>
+            <a:lvl4pPr marL="1371600" indent="0" algn="ctr" defTabSz="914400" rtl="0" eaLnBrk="1" latinLnBrk="1" hangingPunct="1">
+              <a:lnSpc>
+                <a:spcPct val="90000"/>
+              </a:lnSpc>
+              <a:spcBef>
+                <a:spcPts val="500"/>
+              </a:spcBef>
+              <a:buFont typeface="Arial" panose="020B0604020202020204" pitchFamily="34" charset="0"/>
+              <a:buNone/>
+              <a:defRPr sz="1600" kern="1200">
+                <a:solidFill>
+                  <a:schemeClr val="tx1"/>
+                </a:solidFill>
+                <a:latin typeface="+mn-lt"/>
+                <a:ea typeface="+mn-ea"/>
+                <a:cs typeface="+mn-cs"/>
+              </a:defRPr>
+            </a:lvl4pPr>
+            <a:lvl5pPr marL="1828800" indent="0" algn="ctr" defTabSz="914400" rtl="0" eaLnBrk="1" latinLnBrk="1" hangingPunct="1">
+              <a:lnSpc>
+                <a:spcPct val="90000"/>
+              </a:lnSpc>
+              <a:spcBef>
+                <a:spcPts val="500"/>
+              </a:spcBef>
+              <a:buFont typeface="Arial" panose="020B0604020202020204" pitchFamily="34" charset="0"/>
+              <a:buNone/>
+              <a:defRPr sz="1600" kern="1200">
+                <a:solidFill>
+                  <a:schemeClr val="tx1"/>
+                </a:solidFill>
+                <a:latin typeface="+mn-lt"/>
+                <a:ea typeface="+mn-ea"/>
+                <a:cs typeface="+mn-cs"/>
+              </a:defRPr>
+            </a:lvl5pPr>
+            <a:lvl6pPr marL="2286000" indent="0" algn="ctr" defTabSz="914400" rtl="0" eaLnBrk="1" latinLnBrk="1" hangingPunct="1">
+              <a:lnSpc>
+                <a:spcPct val="90000"/>
+              </a:lnSpc>
+              <a:spcBef>
+                <a:spcPts val="500"/>
+              </a:spcBef>
+              <a:buFont typeface="Arial" panose="020B0604020202020204" pitchFamily="34" charset="0"/>
+              <a:buNone/>
+              <a:defRPr sz="1600" kern="1200">
+                <a:solidFill>
+                  <a:schemeClr val="tx1"/>
+                </a:solidFill>
+                <a:latin typeface="+mn-lt"/>
+                <a:ea typeface="+mn-ea"/>
+                <a:cs typeface="+mn-cs"/>
+              </a:defRPr>
+            </a:lvl6pPr>
+            <a:lvl7pPr marL="2743200" indent="0" algn="ctr" defTabSz="914400" rtl="0" eaLnBrk="1" latinLnBrk="1" hangingPunct="1">
+              <a:lnSpc>
+                <a:spcPct val="90000"/>
+              </a:lnSpc>
+              <a:spcBef>
+                <a:spcPts val="500"/>
+              </a:spcBef>
+              <a:buFont typeface="Arial" panose="020B0604020202020204" pitchFamily="34" charset="0"/>
+              <a:buNone/>
+              <a:defRPr sz="1600" kern="1200">
+                <a:solidFill>
+                  <a:schemeClr val="tx1"/>
+                </a:solidFill>
+                <a:latin typeface="+mn-lt"/>
+                <a:ea typeface="+mn-ea"/>
+                <a:cs typeface="+mn-cs"/>
+              </a:defRPr>
+            </a:lvl7pPr>
+            <a:lvl8pPr marL="3200400" indent="0" algn="ctr" defTabSz="914400" rtl="0" eaLnBrk="1" latinLnBrk="1" hangingPunct="1">
+              <a:lnSpc>
+                <a:spcPct val="90000"/>
+              </a:lnSpc>
+              <a:spcBef>
+                <a:spcPts val="500"/>
+              </a:spcBef>
+              <a:buFont typeface="Arial" panose="020B0604020202020204" pitchFamily="34" charset="0"/>
+              <a:buNone/>
+              <a:defRPr sz="1600" kern="1200">
+                <a:solidFill>
+                  <a:schemeClr val="tx1"/>
+                </a:solidFill>
+                <a:latin typeface="+mn-lt"/>
+                <a:ea typeface="+mn-ea"/>
+                <a:cs typeface="+mn-cs"/>
+              </a:defRPr>
+            </a:lvl8pPr>
+            <a:lvl9pPr marL="3657600" indent="0" algn="ctr" defTabSz="914400" rtl="0" eaLnBrk="1" latinLnBrk="1" hangingPunct="1">
+              <a:lnSpc>
+                <a:spcPct val="90000"/>
+              </a:lnSpc>
+              <a:spcBef>
+                <a:spcPts val="500"/>
+              </a:spcBef>
+              <a:buFont typeface="Arial" panose="020B0604020202020204" pitchFamily="34" charset="0"/>
+              <a:buNone/>
+              <a:defRPr sz="1600" kern="1200">
+                <a:solidFill>
+                  <a:schemeClr val="tx1"/>
+                </a:solidFill>
+                <a:latin typeface="+mn-lt"/>
+                <a:ea typeface="+mn-ea"/>
+                <a:cs typeface="+mn-cs"/>
+              </a:defRPr>
+            </a:lvl9pPr>
+          </a:lstStyle>
+          <a:p>
+            <a:pPr algn="l"/>
+            <a:r>
+              <a:rPr lang="en-US" altLang="ko-KR" sz="4300" dirty="0" smtClean="0"/>
+              <a:t>3.</a:t>
+            </a:r>
+            <a:r>
+              <a:rPr lang="ko-KR" altLang="en-US" dirty="0" smtClean="0"/>
+              <a:t>프로젝트 일정</a:t>
+            </a:r>
+            <a:endParaRPr lang="ko-KR" altLang="en-US" dirty="0"/>
+          </a:p>
+        </p:txBody>
+      </p:sp>
+      <p:sp>
+        <p:nvSpPr>
+          <p:cNvPr id="7" name="부제목 2"/>
+          <p:cNvSpPr txBox="1">
+            <a:spLocks/>
+          </p:cNvSpPr>
+          <p:nvPr/>
+        </p:nvSpPr>
+        <p:spPr>
+          <a:xfrm>
+            <a:off x="4379494" y="2022476"/>
+            <a:ext cx="5983706" cy="528804"/>
+          </a:xfrm>
+          <a:prstGeom prst="rect">
+            <a:avLst/>
+          </a:prstGeom>
+        </p:spPr>
+        <p:txBody>
+          <a:bodyPr vert="horz" lIns="91440" tIns="45720" rIns="91440" bIns="45720" rtlCol="0">
+            <a:normAutofit fontScale="85000" lnSpcReduction="20000"/>
+          </a:bodyPr>
+          <a:lstStyle>
+            <a:lvl1pPr marL="0" indent="0" algn="ctr" defTabSz="914400" rtl="0" eaLnBrk="1" latinLnBrk="1" hangingPunct="1">
+              <a:lnSpc>
+                <a:spcPct val="90000"/>
+              </a:lnSpc>
+              <a:spcBef>
+                <a:spcPts val="1000"/>
+              </a:spcBef>
+              <a:buFont typeface="Arial" panose="020B0604020202020204" pitchFamily="34" charset="0"/>
+              <a:buNone/>
+              <a:defRPr sz="2400" kern="1200">
+                <a:solidFill>
+                  <a:schemeClr val="tx1"/>
+                </a:solidFill>
+                <a:latin typeface="+mn-lt"/>
+                <a:ea typeface="+mn-ea"/>
+                <a:cs typeface="+mn-cs"/>
+              </a:defRPr>
+            </a:lvl1pPr>
+            <a:lvl2pPr marL="457200" indent="0" algn="ctr" defTabSz="914400" rtl="0" eaLnBrk="1" latinLnBrk="1" hangingPunct="1">
+              <a:lnSpc>
+                <a:spcPct val="90000"/>
+              </a:lnSpc>
+              <a:spcBef>
+                <a:spcPts val="500"/>
+              </a:spcBef>
+              <a:buFont typeface="Arial" panose="020B0604020202020204" pitchFamily="34" charset="0"/>
+              <a:buNone/>
+              <a:defRPr sz="2000" kern="1200">
+                <a:solidFill>
+                  <a:schemeClr val="tx1"/>
+                </a:solidFill>
+                <a:latin typeface="+mn-lt"/>
+                <a:ea typeface="+mn-ea"/>
+                <a:cs typeface="+mn-cs"/>
+              </a:defRPr>
+            </a:lvl2pPr>
+            <a:lvl3pPr marL="914400" indent="0" algn="ctr" defTabSz="914400" rtl="0" eaLnBrk="1" latinLnBrk="1" hangingPunct="1">
+              <a:lnSpc>
+                <a:spcPct val="90000"/>
+              </a:lnSpc>
+              <a:spcBef>
+                <a:spcPts val="500"/>
+              </a:spcBef>
+              <a:buFont typeface="Arial" panose="020B0604020202020204" pitchFamily="34" charset="0"/>
+              <a:buNone/>
+              <a:defRPr sz="1800" kern="1200">
+                <a:solidFill>
+                  <a:schemeClr val="tx1"/>
+                </a:solidFill>
+                <a:latin typeface="+mn-lt"/>
+                <a:ea typeface="+mn-ea"/>
+                <a:cs typeface="+mn-cs"/>
+              </a:defRPr>
+            </a:lvl3pPr>
+            <a:lvl4pPr marL="1371600" indent="0" algn="ctr" defTabSz="914400" rtl="0" eaLnBrk="1" latinLnBrk="1" hangingPunct="1">
+              <a:lnSpc>
+                <a:spcPct val="90000"/>
+              </a:lnSpc>
+              <a:spcBef>
+                <a:spcPts val="500"/>
+              </a:spcBef>
+              <a:buFont typeface="Arial" panose="020B0604020202020204" pitchFamily="34" charset="0"/>
+              <a:buNone/>
+              <a:defRPr sz="1600" kern="1200">
+                <a:solidFill>
+                  <a:schemeClr val="tx1"/>
+                </a:solidFill>
+                <a:latin typeface="+mn-lt"/>
+                <a:ea typeface="+mn-ea"/>
+                <a:cs typeface="+mn-cs"/>
+              </a:defRPr>
+            </a:lvl4pPr>
+            <a:lvl5pPr marL="1828800" indent="0" algn="ctr" defTabSz="914400" rtl="0" eaLnBrk="1" latinLnBrk="1" hangingPunct="1">
+              <a:lnSpc>
+                <a:spcPct val="90000"/>
+              </a:lnSpc>
+              <a:spcBef>
+                <a:spcPts val="500"/>
+              </a:spcBef>
+              <a:buFont typeface="Arial" panose="020B0604020202020204" pitchFamily="34" charset="0"/>
+              <a:buNone/>
+              <a:defRPr sz="1600" kern="1200">
+                <a:solidFill>
+                  <a:schemeClr val="tx1"/>
+                </a:solidFill>
+                <a:latin typeface="+mn-lt"/>
+                <a:ea typeface="+mn-ea"/>
+                <a:cs typeface="+mn-cs"/>
+              </a:defRPr>
+            </a:lvl5pPr>
+            <a:lvl6pPr marL="2286000" indent="0" algn="ctr" defTabSz="914400" rtl="0" eaLnBrk="1" latinLnBrk="1" hangingPunct="1">
+              <a:lnSpc>
+                <a:spcPct val="90000"/>
+              </a:lnSpc>
+              <a:spcBef>
+                <a:spcPts val="500"/>
+              </a:spcBef>
+              <a:buFont typeface="Arial" panose="020B0604020202020204" pitchFamily="34" charset="0"/>
+              <a:buNone/>
+              <a:defRPr sz="1600" kern="1200">
+                <a:solidFill>
+                  <a:schemeClr val="tx1"/>
+                </a:solidFill>
+                <a:latin typeface="+mn-lt"/>
+                <a:ea typeface="+mn-ea"/>
+                <a:cs typeface="+mn-cs"/>
+              </a:defRPr>
+            </a:lvl6pPr>
+            <a:lvl7pPr marL="2743200" indent="0" algn="ctr" defTabSz="914400" rtl="0" eaLnBrk="1" latinLnBrk="1" hangingPunct="1">
+              <a:lnSpc>
+                <a:spcPct val="90000"/>
+              </a:lnSpc>
+              <a:spcBef>
+                <a:spcPts val="500"/>
+              </a:spcBef>
+              <a:buFont typeface="Arial" panose="020B0604020202020204" pitchFamily="34" charset="0"/>
+              <a:buNone/>
+              <a:defRPr sz="1600" kern="1200">
+                <a:solidFill>
+                  <a:schemeClr val="tx1"/>
+                </a:solidFill>
+                <a:latin typeface="+mn-lt"/>
+                <a:ea typeface="+mn-ea"/>
+                <a:cs typeface="+mn-cs"/>
+              </a:defRPr>
+            </a:lvl7pPr>
+            <a:lvl8pPr marL="3200400" indent="0" algn="ctr" defTabSz="914400" rtl="0" eaLnBrk="1" latinLnBrk="1" hangingPunct="1">
+              <a:lnSpc>
+                <a:spcPct val="90000"/>
+              </a:lnSpc>
+              <a:spcBef>
+                <a:spcPts val="500"/>
+              </a:spcBef>
+              <a:buFont typeface="Arial" panose="020B0604020202020204" pitchFamily="34" charset="0"/>
+              <a:buNone/>
+              <a:defRPr sz="1600" kern="1200">
+                <a:solidFill>
+                  <a:schemeClr val="tx1"/>
+                </a:solidFill>
+                <a:latin typeface="+mn-lt"/>
+                <a:ea typeface="+mn-ea"/>
+                <a:cs typeface="+mn-cs"/>
+              </a:defRPr>
+            </a:lvl8pPr>
+            <a:lvl9pPr marL="3657600" indent="0" algn="ctr" defTabSz="914400" rtl="0" eaLnBrk="1" latinLnBrk="1" hangingPunct="1">
+              <a:lnSpc>
+                <a:spcPct val="90000"/>
+              </a:lnSpc>
+              <a:spcBef>
+                <a:spcPts val="500"/>
+              </a:spcBef>
+              <a:buFont typeface="Arial" panose="020B0604020202020204" pitchFamily="34" charset="0"/>
+              <a:buNone/>
+              <a:defRPr sz="1600" kern="1200">
+                <a:solidFill>
+                  <a:schemeClr val="tx1"/>
+                </a:solidFill>
+                <a:latin typeface="+mn-lt"/>
+                <a:ea typeface="+mn-ea"/>
+                <a:cs typeface="+mn-cs"/>
+              </a:defRPr>
+            </a:lvl9pPr>
+          </a:lstStyle>
+          <a:p>
+            <a:pPr algn="l"/>
+            <a:r>
+              <a:rPr lang="en-US" altLang="ko-KR" sz="4300" dirty="0" smtClean="0"/>
+              <a:t>4.</a:t>
+            </a:r>
+            <a:r>
+              <a:rPr lang="en-US" altLang="ko-KR" dirty="0" smtClean="0"/>
+              <a:t>UI </a:t>
+            </a:r>
+            <a:r>
+              <a:rPr lang="ko-KR" altLang="en-US" dirty="0" smtClean="0"/>
+              <a:t>정의서</a:t>
+            </a:r>
+            <a:endParaRPr lang="ko-KR" altLang="en-US" dirty="0"/>
+          </a:p>
+        </p:txBody>
+      </p:sp>
+      <p:sp>
+        <p:nvSpPr>
+          <p:cNvPr id="9" name="부제목 2"/>
+          <p:cNvSpPr txBox="1">
+            <a:spLocks/>
+          </p:cNvSpPr>
+          <p:nvPr/>
+        </p:nvSpPr>
+        <p:spPr>
+          <a:xfrm>
+            <a:off x="4676272" y="2551280"/>
+            <a:ext cx="5983706" cy="528804"/>
+          </a:xfrm>
+          <a:prstGeom prst="rect">
+            <a:avLst/>
+          </a:prstGeom>
+        </p:spPr>
+        <p:txBody>
+          <a:bodyPr vert="horz" lIns="91440" tIns="45720" rIns="91440" bIns="45720" rtlCol="0">
+            <a:normAutofit/>
+          </a:bodyPr>
+          <a:lstStyle>
+            <a:lvl1pPr marL="0" indent="0" algn="ctr" defTabSz="914400" rtl="0" eaLnBrk="1" latinLnBrk="1" hangingPunct="1">
+              <a:lnSpc>
+                <a:spcPct val="90000"/>
+              </a:lnSpc>
+              <a:spcBef>
+                <a:spcPts val="1000"/>
+              </a:spcBef>
+              <a:buFont typeface="Arial" panose="020B0604020202020204" pitchFamily="34" charset="0"/>
+              <a:buNone/>
+              <a:defRPr sz="2400" kern="1200">
+                <a:solidFill>
+                  <a:schemeClr val="tx1"/>
+                </a:solidFill>
+                <a:latin typeface="+mn-lt"/>
+                <a:ea typeface="+mn-ea"/>
+                <a:cs typeface="+mn-cs"/>
+              </a:defRPr>
+            </a:lvl1pPr>
+            <a:lvl2pPr marL="457200" indent="0" algn="ctr" defTabSz="914400" rtl="0" eaLnBrk="1" latinLnBrk="1" hangingPunct="1">
+              <a:lnSpc>
+                <a:spcPct val="90000"/>
+              </a:lnSpc>
+              <a:spcBef>
+                <a:spcPts val="500"/>
+              </a:spcBef>
+              <a:buFont typeface="Arial" panose="020B0604020202020204" pitchFamily="34" charset="0"/>
+              <a:buNone/>
+              <a:defRPr sz="2000" kern="1200">
+                <a:solidFill>
+                  <a:schemeClr val="tx1"/>
+                </a:solidFill>
+                <a:latin typeface="+mn-lt"/>
+                <a:ea typeface="+mn-ea"/>
+                <a:cs typeface="+mn-cs"/>
+              </a:defRPr>
+            </a:lvl2pPr>
+            <a:lvl3pPr marL="914400" indent="0" algn="ctr" defTabSz="914400" rtl="0" eaLnBrk="1" latinLnBrk="1" hangingPunct="1">
+              <a:lnSpc>
+                <a:spcPct val="90000"/>
+              </a:lnSpc>
+              <a:spcBef>
+                <a:spcPts val="500"/>
+              </a:spcBef>
+              <a:buFont typeface="Arial" panose="020B0604020202020204" pitchFamily="34" charset="0"/>
+              <a:buNone/>
+              <a:defRPr sz="1800" kern="1200">
+                <a:solidFill>
+                  <a:schemeClr val="tx1"/>
+                </a:solidFill>
+                <a:latin typeface="+mn-lt"/>
+                <a:ea typeface="+mn-ea"/>
+                <a:cs typeface="+mn-cs"/>
+              </a:defRPr>
+            </a:lvl3pPr>
+            <a:lvl4pPr marL="1371600" indent="0" algn="ctr" defTabSz="914400" rtl="0" eaLnBrk="1" latinLnBrk="1" hangingPunct="1">
+              <a:lnSpc>
+                <a:spcPct val="90000"/>
+              </a:lnSpc>
+              <a:spcBef>
+                <a:spcPts val="500"/>
+              </a:spcBef>
+              <a:buFont typeface="Arial" panose="020B0604020202020204" pitchFamily="34" charset="0"/>
+              <a:buNone/>
+              <a:defRPr sz="1600" kern="1200">
+                <a:solidFill>
+                  <a:schemeClr val="tx1"/>
+                </a:solidFill>
+                <a:latin typeface="+mn-lt"/>
+                <a:ea typeface="+mn-ea"/>
+                <a:cs typeface="+mn-cs"/>
+              </a:defRPr>
+            </a:lvl4pPr>
+            <a:lvl5pPr marL="1828800" indent="0" algn="ctr" defTabSz="914400" rtl="0" eaLnBrk="1" latinLnBrk="1" hangingPunct="1">
+              <a:lnSpc>
+                <a:spcPct val="90000"/>
+              </a:lnSpc>
+              <a:spcBef>
+                <a:spcPts val="500"/>
+              </a:spcBef>
+              <a:buFont typeface="Arial" panose="020B0604020202020204" pitchFamily="34" charset="0"/>
+              <a:buNone/>
+              <a:defRPr sz="1600" kern="1200">
+                <a:solidFill>
+                  <a:schemeClr val="tx1"/>
+                </a:solidFill>
+                <a:latin typeface="+mn-lt"/>
+                <a:ea typeface="+mn-ea"/>
+                <a:cs typeface="+mn-cs"/>
+              </a:defRPr>
+            </a:lvl5pPr>
+            <a:lvl6pPr marL="2286000" indent="0" algn="ctr" defTabSz="914400" rtl="0" eaLnBrk="1" latinLnBrk="1" hangingPunct="1">
+              <a:lnSpc>
+                <a:spcPct val="90000"/>
+              </a:lnSpc>
+              <a:spcBef>
+                <a:spcPts val="500"/>
+              </a:spcBef>
+              <a:buFont typeface="Arial" panose="020B0604020202020204" pitchFamily="34" charset="0"/>
+              <a:buNone/>
+              <a:defRPr sz="1600" kern="1200">
+                <a:solidFill>
+                  <a:schemeClr val="tx1"/>
+                </a:solidFill>
+                <a:latin typeface="+mn-lt"/>
+                <a:ea typeface="+mn-ea"/>
+                <a:cs typeface="+mn-cs"/>
+              </a:defRPr>
+            </a:lvl6pPr>
+            <a:lvl7pPr marL="2743200" indent="0" algn="ctr" defTabSz="914400" rtl="0" eaLnBrk="1" latinLnBrk="1" hangingPunct="1">
+              <a:lnSpc>
+                <a:spcPct val="90000"/>
+              </a:lnSpc>
+              <a:spcBef>
+                <a:spcPts val="500"/>
+              </a:spcBef>
+              <a:buFont typeface="Arial" panose="020B0604020202020204" pitchFamily="34" charset="0"/>
+              <a:buNone/>
+              <a:defRPr sz="1600" kern="1200">
+                <a:solidFill>
+                  <a:schemeClr val="tx1"/>
+                </a:solidFill>
+                <a:latin typeface="+mn-lt"/>
+                <a:ea typeface="+mn-ea"/>
+                <a:cs typeface="+mn-cs"/>
+              </a:defRPr>
+            </a:lvl7pPr>
+            <a:lvl8pPr marL="3200400" indent="0" algn="ctr" defTabSz="914400" rtl="0" eaLnBrk="1" latinLnBrk="1" hangingPunct="1">
+              <a:lnSpc>
+                <a:spcPct val="90000"/>
+              </a:lnSpc>
+              <a:spcBef>
+                <a:spcPts val="500"/>
+              </a:spcBef>
+              <a:buFont typeface="Arial" panose="020B0604020202020204" pitchFamily="34" charset="0"/>
+              <a:buNone/>
+              <a:defRPr sz="1600" kern="1200">
+                <a:solidFill>
+                  <a:schemeClr val="tx1"/>
+                </a:solidFill>
+                <a:latin typeface="+mn-lt"/>
+                <a:ea typeface="+mn-ea"/>
+                <a:cs typeface="+mn-cs"/>
+              </a:defRPr>
+            </a:lvl8pPr>
+            <a:lvl9pPr marL="3657600" indent="0" algn="ctr" defTabSz="914400" rtl="0" eaLnBrk="1" latinLnBrk="1" hangingPunct="1">
+              <a:lnSpc>
+                <a:spcPct val="90000"/>
+              </a:lnSpc>
+              <a:spcBef>
+                <a:spcPts val="500"/>
+              </a:spcBef>
+              <a:buFont typeface="Arial" panose="020B0604020202020204" pitchFamily="34" charset="0"/>
+              <a:buNone/>
+              <a:defRPr sz="1600" kern="1200">
+                <a:solidFill>
+                  <a:schemeClr val="tx1"/>
+                </a:solidFill>
+                <a:latin typeface="+mn-lt"/>
+                <a:ea typeface="+mn-ea"/>
+                <a:cs typeface="+mn-cs"/>
+              </a:defRPr>
+            </a:lvl9pPr>
+          </a:lstStyle>
+          <a:p>
+            <a:pPr algn="l"/>
+            <a:r>
+              <a:rPr lang="en-US" altLang="ko-KR" sz="2200" dirty="0" smtClean="0"/>
+              <a:t>.1 </a:t>
+            </a:r>
+            <a:r>
+              <a:rPr lang="ko-KR" altLang="en-US" sz="2200" dirty="0" smtClean="0"/>
+              <a:t>로그인 기능</a:t>
+            </a:r>
+            <a:endParaRPr lang="ko-KR" altLang="en-US" sz="2200" dirty="0"/>
+          </a:p>
+        </p:txBody>
+      </p:sp>
+      <p:sp>
+        <p:nvSpPr>
+          <p:cNvPr id="10" name="부제목 2"/>
+          <p:cNvSpPr txBox="1">
+            <a:spLocks/>
+          </p:cNvSpPr>
+          <p:nvPr/>
+        </p:nvSpPr>
+        <p:spPr>
+          <a:xfrm>
+            <a:off x="4676272" y="2910442"/>
+            <a:ext cx="5983706" cy="528804"/>
+          </a:xfrm>
+          <a:prstGeom prst="rect">
+            <a:avLst/>
+          </a:prstGeom>
+        </p:spPr>
+        <p:txBody>
+          <a:bodyPr vert="horz" lIns="91440" tIns="45720" rIns="91440" bIns="45720" rtlCol="0">
+            <a:normAutofit/>
+          </a:bodyPr>
+          <a:lstStyle>
+            <a:lvl1pPr marL="0" indent="0" algn="ctr" defTabSz="914400" rtl="0" eaLnBrk="1" latinLnBrk="1" hangingPunct="1">
+              <a:lnSpc>
+                <a:spcPct val="90000"/>
+              </a:lnSpc>
+              <a:spcBef>
+                <a:spcPts val="1000"/>
+              </a:spcBef>
+              <a:buFont typeface="Arial" panose="020B0604020202020204" pitchFamily="34" charset="0"/>
+              <a:buNone/>
+              <a:defRPr sz="2400" kern="1200">
+                <a:solidFill>
+                  <a:schemeClr val="tx1"/>
+                </a:solidFill>
+                <a:latin typeface="+mn-lt"/>
+                <a:ea typeface="+mn-ea"/>
+                <a:cs typeface="+mn-cs"/>
+              </a:defRPr>
+            </a:lvl1pPr>
+            <a:lvl2pPr marL="457200" indent="0" algn="ctr" defTabSz="914400" rtl="0" eaLnBrk="1" latinLnBrk="1" hangingPunct="1">
+              <a:lnSpc>
+                <a:spcPct val="90000"/>
+              </a:lnSpc>
+              <a:spcBef>
+                <a:spcPts val="500"/>
+              </a:spcBef>
+              <a:buFont typeface="Arial" panose="020B0604020202020204" pitchFamily="34" charset="0"/>
+              <a:buNone/>
+              <a:defRPr sz="2000" kern="1200">
+                <a:solidFill>
+                  <a:schemeClr val="tx1"/>
+                </a:solidFill>
+                <a:latin typeface="+mn-lt"/>
+                <a:ea typeface="+mn-ea"/>
+                <a:cs typeface="+mn-cs"/>
+              </a:defRPr>
+            </a:lvl2pPr>
+            <a:lvl3pPr marL="914400" indent="0" algn="ctr" defTabSz="914400" rtl="0" eaLnBrk="1" latinLnBrk="1" hangingPunct="1">
+              <a:lnSpc>
+                <a:spcPct val="90000"/>
+              </a:lnSpc>
+              <a:spcBef>
+                <a:spcPts val="500"/>
+              </a:spcBef>
+              <a:buFont typeface="Arial" panose="020B0604020202020204" pitchFamily="34" charset="0"/>
+              <a:buNone/>
+              <a:defRPr sz="1800" kern="1200">
+                <a:solidFill>
+                  <a:schemeClr val="tx1"/>
+                </a:solidFill>
+                <a:latin typeface="+mn-lt"/>
+                <a:ea typeface="+mn-ea"/>
+                <a:cs typeface="+mn-cs"/>
+              </a:defRPr>
+            </a:lvl3pPr>
+            <a:lvl4pPr marL="1371600" indent="0" algn="ctr" defTabSz="914400" rtl="0" eaLnBrk="1" latinLnBrk="1" hangingPunct="1">
+              <a:lnSpc>
+                <a:spcPct val="90000"/>
+              </a:lnSpc>
+              <a:spcBef>
+                <a:spcPts val="500"/>
+              </a:spcBef>
+              <a:buFont typeface="Arial" panose="020B0604020202020204" pitchFamily="34" charset="0"/>
+              <a:buNone/>
+              <a:defRPr sz="1600" kern="1200">
+                <a:solidFill>
+                  <a:schemeClr val="tx1"/>
+                </a:solidFill>
+                <a:latin typeface="+mn-lt"/>
+                <a:ea typeface="+mn-ea"/>
+                <a:cs typeface="+mn-cs"/>
+              </a:defRPr>
+            </a:lvl4pPr>
+            <a:lvl5pPr marL="1828800" indent="0" algn="ctr" defTabSz="914400" rtl="0" eaLnBrk="1" latinLnBrk="1" hangingPunct="1">
+              <a:lnSpc>
+                <a:spcPct val="90000"/>
+              </a:lnSpc>
+              <a:spcBef>
+                <a:spcPts val="500"/>
+              </a:spcBef>
+              <a:buFont typeface="Arial" panose="020B0604020202020204" pitchFamily="34" charset="0"/>
+              <a:buNone/>
+              <a:defRPr sz="1600" kern="1200">
+                <a:solidFill>
+                  <a:schemeClr val="tx1"/>
+                </a:solidFill>
+                <a:latin typeface="+mn-lt"/>
+                <a:ea typeface="+mn-ea"/>
+                <a:cs typeface="+mn-cs"/>
+              </a:defRPr>
+            </a:lvl5pPr>
+            <a:lvl6pPr marL="2286000" indent="0" algn="ctr" defTabSz="914400" rtl="0" eaLnBrk="1" latinLnBrk="1" hangingPunct="1">
+              <a:lnSpc>
+                <a:spcPct val="90000"/>
+              </a:lnSpc>
+              <a:spcBef>
+                <a:spcPts val="500"/>
+              </a:spcBef>
+              <a:buFont typeface="Arial" panose="020B0604020202020204" pitchFamily="34" charset="0"/>
+              <a:buNone/>
+              <a:defRPr sz="1600" kern="1200">
+                <a:solidFill>
+                  <a:schemeClr val="tx1"/>
+                </a:solidFill>
+                <a:latin typeface="+mn-lt"/>
+                <a:ea typeface="+mn-ea"/>
+                <a:cs typeface="+mn-cs"/>
+              </a:defRPr>
+            </a:lvl6pPr>
+            <a:lvl7pPr marL="2743200" indent="0" algn="ctr" defTabSz="914400" rtl="0" eaLnBrk="1" latinLnBrk="1" hangingPunct="1">
+              <a:lnSpc>
+                <a:spcPct val="90000"/>
+              </a:lnSpc>
+              <a:spcBef>
+                <a:spcPts val="500"/>
+              </a:spcBef>
+              <a:buFont typeface="Arial" panose="020B0604020202020204" pitchFamily="34" charset="0"/>
+              <a:buNone/>
+              <a:defRPr sz="1600" kern="1200">
+                <a:solidFill>
+                  <a:schemeClr val="tx1"/>
+                </a:solidFill>
+                <a:latin typeface="+mn-lt"/>
+                <a:ea typeface="+mn-ea"/>
+                <a:cs typeface="+mn-cs"/>
+              </a:defRPr>
+            </a:lvl7pPr>
+            <a:lvl8pPr marL="3200400" indent="0" algn="ctr" defTabSz="914400" rtl="0" eaLnBrk="1" latinLnBrk="1" hangingPunct="1">
+              <a:lnSpc>
+                <a:spcPct val="90000"/>
+              </a:lnSpc>
+              <a:spcBef>
+                <a:spcPts val="500"/>
+              </a:spcBef>
+              <a:buFont typeface="Arial" panose="020B0604020202020204" pitchFamily="34" charset="0"/>
+              <a:buNone/>
+              <a:defRPr sz="1600" kern="1200">
+                <a:solidFill>
+                  <a:schemeClr val="tx1"/>
+                </a:solidFill>
+                <a:latin typeface="+mn-lt"/>
+                <a:ea typeface="+mn-ea"/>
+                <a:cs typeface="+mn-cs"/>
+              </a:defRPr>
+            </a:lvl8pPr>
+            <a:lvl9pPr marL="3657600" indent="0" algn="ctr" defTabSz="914400" rtl="0" eaLnBrk="1" latinLnBrk="1" hangingPunct="1">
+              <a:lnSpc>
+                <a:spcPct val="90000"/>
+              </a:lnSpc>
+              <a:spcBef>
+                <a:spcPts val="500"/>
+              </a:spcBef>
+              <a:buFont typeface="Arial" panose="020B0604020202020204" pitchFamily="34" charset="0"/>
+              <a:buNone/>
+              <a:defRPr sz="1600" kern="1200">
+                <a:solidFill>
+                  <a:schemeClr val="tx1"/>
+                </a:solidFill>
+                <a:latin typeface="+mn-lt"/>
+                <a:ea typeface="+mn-ea"/>
+                <a:cs typeface="+mn-cs"/>
+              </a:defRPr>
+            </a:lvl9pPr>
+          </a:lstStyle>
+          <a:p>
+            <a:pPr algn="l"/>
+            <a:r>
+              <a:rPr lang="en-US" altLang="ko-KR" sz="2200" dirty="0" smtClean="0"/>
+              <a:t>.2 </a:t>
+            </a:r>
+            <a:r>
+              <a:rPr lang="ko-KR" altLang="en-US" sz="2200" dirty="0" smtClean="0"/>
+              <a:t>메인 메뉴</a:t>
+            </a:r>
+            <a:endParaRPr lang="ko-KR" altLang="en-US" sz="2200" dirty="0"/>
+          </a:p>
+        </p:txBody>
+      </p:sp>
+      <p:sp>
+        <p:nvSpPr>
+          <p:cNvPr id="11" name="부제목 2"/>
+          <p:cNvSpPr txBox="1">
+            <a:spLocks/>
+          </p:cNvSpPr>
+          <p:nvPr/>
+        </p:nvSpPr>
+        <p:spPr>
+          <a:xfrm>
+            <a:off x="4676272" y="3269604"/>
+            <a:ext cx="5983706" cy="528804"/>
+          </a:xfrm>
+          <a:prstGeom prst="rect">
+            <a:avLst/>
+          </a:prstGeom>
+        </p:spPr>
+        <p:txBody>
+          <a:bodyPr vert="horz" lIns="91440" tIns="45720" rIns="91440" bIns="45720" rtlCol="0">
+            <a:normAutofit/>
+          </a:bodyPr>
+          <a:lstStyle>
+            <a:lvl1pPr marL="0" indent="0" algn="ctr" defTabSz="914400" rtl="0" eaLnBrk="1" latinLnBrk="1" hangingPunct="1">
+              <a:lnSpc>
+                <a:spcPct val="90000"/>
+              </a:lnSpc>
+              <a:spcBef>
+                <a:spcPts val="1000"/>
+              </a:spcBef>
+              <a:buFont typeface="Arial" panose="020B0604020202020204" pitchFamily="34" charset="0"/>
+              <a:buNone/>
+              <a:defRPr sz="2400" kern="1200">
+                <a:solidFill>
+                  <a:schemeClr val="tx1"/>
+                </a:solidFill>
+                <a:latin typeface="+mn-lt"/>
+                <a:ea typeface="+mn-ea"/>
+                <a:cs typeface="+mn-cs"/>
+              </a:defRPr>
+            </a:lvl1pPr>
+            <a:lvl2pPr marL="457200" indent="0" algn="ctr" defTabSz="914400" rtl="0" eaLnBrk="1" latinLnBrk="1" hangingPunct="1">
+              <a:lnSpc>
+                <a:spcPct val="90000"/>
+              </a:lnSpc>
+              <a:spcBef>
+                <a:spcPts val="500"/>
+              </a:spcBef>
+              <a:buFont typeface="Arial" panose="020B0604020202020204" pitchFamily="34" charset="0"/>
+              <a:buNone/>
+              <a:defRPr sz="2000" kern="1200">
+                <a:solidFill>
+                  <a:schemeClr val="tx1"/>
+                </a:solidFill>
+                <a:latin typeface="+mn-lt"/>
+                <a:ea typeface="+mn-ea"/>
+                <a:cs typeface="+mn-cs"/>
+              </a:defRPr>
+            </a:lvl2pPr>
+            <a:lvl3pPr marL="914400" indent="0" algn="ctr" defTabSz="914400" rtl="0" eaLnBrk="1" latinLnBrk="1" hangingPunct="1">
+              <a:lnSpc>
+                <a:spcPct val="90000"/>
+              </a:lnSpc>
+              <a:spcBef>
+                <a:spcPts val="500"/>
+              </a:spcBef>
+              <a:buFont typeface="Arial" panose="020B0604020202020204" pitchFamily="34" charset="0"/>
+              <a:buNone/>
+              <a:defRPr sz="1800" kern="1200">
+                <a:solidFill>
+                  <a:schemeClr val="tx1"/>
+                </a:solidFill>
+                <a:latin typeface="+mn-lt"/>
+                <a:ea typeface="+mn-ea"/>
+                <a:cs typeface="+mn-cs"/>
+              </a:defRPr>
+            </a:lvl3pPr>
+            <a:lvl4pPr marL="1371600" indent="0" algn="ctr" defTabSz="914400" rtl="0" eaLnBrk="1" latinLnBrk="1" hangingPunct="1">
+              <a:lnSpc>
+                <a:spcPct val="90000"/>
+              </a:lnSpc>
+              <a:spcBef>
+                <a:spcPts val="500"/>
+              </a:spcBef>
+              <a:buFont typeface="Arial" panose="020B0604020202020204" pitchFamily="34" charset="0"/>
+              <a:buNone/>
+              <a:defRPr sz="1600" kern="1200">
+                <a:solidFill>
+                  <a:schemeClr val="tx1"/>
+                </a:solidFill>
+                <a:latin typeface="+mn-lt"/>
+                <a:ea typeface="+mn-ea"/>
+                <a:cs typeface="+mn-cs"/>
+              </a:defRPr>
+            </a:lvl4pPr>
+            <a:lvl5pPr marL="1828800" indent="0" algn="ctr" defTabSz="914400" rtl="0" eaLnBrk="1" latinLnBrk="1" hangingPunct="1">
+              <a:lnSpc>
+                <a:spcPct val="90000"/>
+              </a:lnSpc>
+              <a:spcBef>
+                <a:spcPts val="500"/>
+              </a:spcBef>
+              <a:buFont typeface="Arial" panose="020B0604020202020204" pitchFamily="34" charset="0"/>
+              <a:buNone/>
+              <a:defRPr sz="1600" kern="1200">
+                <a:solidFill>
+                  <a:schemeClr val="tx1"/>
+                </a:solidFill>
+                <a:latin typeface="+mn-lt"/>
+                <a:ea typeface="+mn-ea"/>
+                <a:cs typeface="+mn-cs"/>
+              </a:defRPr>
+            </a:lvl5pPr>
+            <a:lvl6pPr marL="2286000" indent="0" algn="ctr" defTabSz="914400" rtl="0" eaLnBrk="1" latinLnBrk="1" hangingPunct="1">
+              <a:lnSpc>
+                <a:spcPct val="90000"/>
+              </a:lnSpc>
+              <a:spcBef>
+                <a:spcPts val="500"/>
+              </a:spcBef>
+              <a:buFont typeface="Arial" panose="020B0604020202020204" pitchFamily="34" charset="0"/>
+              <a:buNone/>
+              <a:defRPr sz="1600" kern="1200">
+                <a:solidFill>
+                  <a:schemeClr val="tx1"/>
+                </a:solidFill>
+                <a:latin typeface="+mn-lt"/>
+                <a:ea typeface="+mn-ea"/>
+                <a:cs typeface="+mn-cs"/>
+              </a:defRPr>
+            </a:lvl6pPr>
+            <a:lvl7pPr marL="2743200" indent="0" algn="ctr" defTabSz="914400" rtl="0" eaLnBrk="1" latinLnBrk="1" hangingPunct="1">
+              <a:lnSpc>
+                <a:spcPct val="90000"/>
+              </a:lnSpc>
+              <a:spcBef>
+                <a:spcPts val="500"/>
+              </a:spcBef>
+              <a:buFont typeface="Arial" panose="020B0604020202020204" pitchFamily="34" charset="0"/>
+              <a:buNone/>
+              <a:defRPr sz="1600" kern="1200">
+                <a:solidFill>
+                  <a:schemeClr val="tx1"/>
+                </a:solidFill>
+                <a:latin typeface="+mn-lt"/>
+                <a:ea typeface="+mn-ea"/>
+                <a:cs typeface="+mn-cs"/>
+              </a:defRPr>
+            </a:lvl7pPr>
+            <a:lvl8pPr marL="3200400" indent="0" algn="ctr" defTabSz="914400" rtl="0" eaLnBrk="1" latinLnBrk="1" hangingPunct="1">
+              <a:lnSpc>
+                <a:spcPct val="90000"/>
+              </a:lnSpc>
+              <a:spcBef>
+                <a:spcPts val="500"/>
+              </a:spcBef>
+              <a:buFont typeface="Arial" panose="020B0604020202020204" pitchFamily="34" charset="0"/>
+              <a:buNone/>
+              <a:defRPr sz="1600" kern="1200">
+                <a:solidFill>
+                  <a:schemeClr val="tx1"/>
+                </a:solidFill>
+                <a:latin typeface="+mn-lt"/>
+                <a:ea typeface="+mn-ea"/>
+                <a:cs typeface="+mn-cs"/>
+              </a:defRPr>
+            </a:lvl8pPr>
+            <a:lvl9pPr marL="3657600" indent="0" algn="ctr" defTabSz="914400" rtl="0" eaLnBrk="1" latinLnBrk="1" hangingPunct="1">
+              <a:lnSpc>
+                <a:spcPct val="90000"/>
+              </a:lnSpc>
+              <a:spcBef>
+                <a:spcPts val="500"/>
+              </a:spcBef>
+              <a:buFont typeface="Arial" panose="020B0604020202020204" pitchFamily="34" charset="0"/>
+              <a:buNone/>
+              <a:defRPr sz="1600" kern="1200">
+                <a:solidFill>
+                  <a:schemeClr val="tx1"/>
+                </a:solidFill>
+                <a:latin typeface="+mn-lt"/>
+                <a:ea typeface="+mn-ea"/>
+                <a:cs typeface="+mn-cs"/>
+              </a:defRPr>
+            </a:lvl9pPr>
+          </a:lstStyle>
+          <a:p>
+            <a:pPr algn="l"/>
+            <a:r>
+              <a:rPr lang="en-US" altLang="ko-KR" sz="2200" dirty="0" smtClean="0"/>
+              <a:t>.3 </a:t>
+            </a:r>
+            <a:r>
+              <a:rPr lang="ko-KR" altLang="en-US" sz="2200" dirty="0" smtClean="0"/>
+              <a:t>동물 검색</a:t>
+            </a:r>
+            <a:endParaRPr lang="ko-KR" altLang="en-US" sz="2200" dirty="0"/>
+          </a:p>
+        </p:txBody>
+      </p:sp>
+      <p:sp>
+        <p:nvSpPr>
+          <p:cNvPr id="12" name="부제목 2"/>
+          <p:cNvSpPr txBox="1">
+            <a:spLocks/>
+          </p:cNvSpPr>
+          <p:nvPr/>
+        </p:nvSpPr>
+        <p:spPr>
+          <a:xfrm>
+            <a:off x="4676272" y="3628766"/>
+            <a:ext cx="5983706" cy="528804"/>
+          </a:xfrm>
+          <a:prstGeom prst="rect">
+            <a:avLst/>
+          </a:prstGeom>
+        </p:spPr>
+        <p:txBody>
+          <a:bodyPr vert="horz" lIns="91440" tIns="45720" rIns="91440" bIns="45720" rtlCol="0">
+            <a:normAutofit/>
+          </a:bodyPr>
+          <a:lstStyle>
+            <a:lvl1pPr marL="0" indent="0" algn="ctr" defTabSz="914400" rtl="0" eaLnBrk="1" latinLnBrk="1" hangingPunct="1">
+              <a:lnSpc>
+                <a:spcPct val="90000"/>
+              </a:lnSpc>
+              <a:spcBef>
+                <a:spcPts val="1000"/>
+              </a:spcBef>
+              <a:buFont typeface="Arial" panose="020B0604020202020204" pitchFamily="34" charset="0"/>
+              <a:buNone/>
+              <a:defRPr sz="2400" kern="1200">
+                <a:solidFill>
+                  <a:schemeClr val="tx1"/>
+                </a:solidFill>
+                <a:latin typeface="+mn-lt"/>
+                <a:ea typeface="+mn-ea"/>
+                <a:cs typeface="+mn-cs"/>
+              </a:defRPr>
+            </a:lvl1pPr>
+            <a:lvl2pPr marL="457200" indent="0" algn="ctr" defTabSz="914400" rtl="0" eaLnBrk="1" latinLnBrk="1" hangingPunct="1">
+              <a:lnSpc>
+                <a:spcPct val="90000"/>
+              </a:lnSpc>
+              <a:spcBef>
+                <a:spcPts val="500"/>
+              </a:spcBef>
+              <a:buFont typeface="Arial" panose="020B0604020202020204" pitchFamily="34" charset="0"/>
+              <a:buNone/>
+              <a:defRPr sz="2000" kern="1200">
+                <a:solidFill>
+                  <a:schemeClr val="tx1"/>
+                </a:solidFill>
+                <a:latin typeface="+mn-lt"/>
+                <a:ea typeface="+mn-ea"/>
+                <a:cs typeface="+mn-cs"/>
+              </a:defRPr>
+            </a:lvl2pPr>
+            <a:lvl3pPr marL="914400" indent="0" algn="ctr" defTabSz="914400" rtl="0" eaLnBrk="1" latinLnBrk="1" hangingPunct="1">
+              <a:lnSpc>
+                <a:spcPct val="90000"/>
+              </a:lnSpc>
+              <a:spcBef>
+                <a:spcPts val="500"/>
+              </a:spcBef>
+              <a:buFont typeface="Arial" panose="020B0604020202020204" pitchFamily="34" charset="0"/>
+              <a:buNone/>
+              <a:defRPr sz="1800" kern="1200">
+                <a:solidFill>
+                  <a:schemeClr val="tx1"/>
+                </a:solidFill>
+                <a:latin typeface="+mn-lt"/>
+                <a:ea typeface="+mn-ea"/>
+                <a:cs typeface="+mn-cs"/>
+              </a:defRPr>
+            </a:lvl3pPr>
+            <a:lvl4pPr marL="1371600" indent="0" algn="ctr" defTabSz="914400" rtl="0" eaLnBrk="1" latinLnBrk="1" hangingPunct="1">
+              <a:lnSpc>
+                <a:spcPct val="90000"/>
+              </a:lnSpc>
+              <a:spcBef>
+                <a:spcPts val="500"/>
+              </a:spcBef>
+              <a:buFont typeface="Arial" panose="020B0604020202020204" pitchFamily="34" charset="0"/>
+              <a:buNone/>
+              <a:defRPr sz="1600" kern="1200">
+                <a:solidFill>
+                  <a:schemeClr val="tx1"/>
+                </a:solidFill>
+                <a:latin typeface="+mn-lt"/>
+                <a:ea typeface="+mn-ea"/>
+                <a:cs typeface="+mn-cs"/>
+              </a:defRPr>
+            </a:lvl4pPr>
+            <a:lvl5pPr marL="1828800" indent="0" algn="ctr" defTabSz="914400" rtl="0" eaLnBrk="1" latinLnBrk="1" hangingPunct="1">
+              <a:lnSpc>
+                <a:spcPct val="90000"/>
+              </a:lnSpc>
+              <a:spcBef>
+                <a:spcPts val="500"/>
+              </a:spcBef>
+              <a:buFont typeface="Arial" panose="020B0604020202020204" pitchFamily="34" charset="0"/>
+              <a:buNone/>
+              <a:defRPr sz="1600" kern="1200">
+                <a:solidFill>
+                  <a:schemeClr val="tx1"/>
+                </a:solidFill>
+                <a:latin typeface="+mn-lt"/>
+                <a:ea typeface="+mn-ea"/>
+                <a:cs typeface="+mn-cs"/>
+              </a:defRPr>
+            </a:lvl5pPr>
+            <a:lvl6pPr marL="2286000" indent="0" algn="ctr" defTabSz="914400" rtl="0" eaLnBrk="1" latinLnBrk="1" hangingPunct="1">
+              <a:lnSpc>
+                <a:spcPct val="90000"/>
+              </a:lnSpc>
+              <a:spcBef>
+                <a:spcPts val="500"/>
+              </a:spcBef>
+              <a:buFont typeface="Arial" panose="020B0604020202020204" pitchFamily="34" charset="0"/>
+              <a:buNone/>
+              <a:defRPr sz="1600" kern="1200">
+                <a:solidFill>
+                  <a:schemeClr val="tx1"/>
+                </a:solidFill>
+                <a:latin typeface="+mn-lt"/>
+                <a:ea typeface="+mn-ea"/>
+                <a:cs typeface="+mn-cs"/>
+              </a:defRPr>
+            </a:lvl6pPr>
+            <a:lvl7pPr marL="2743200" indent="0" algn="ctr" defTabSz="914400" rtl="0" eaLnBrk="1" latinLnBrk="1" hangingPunct="1">
+              <a:lnSpc>
+                <a:spcPct val="90000"/>
+              </a:lnSpc>
+              <a:spcBef>
+                <a:spcPts val="500"/>
+              </a:spcBef>
+              <a:buFont typeface="Arial" panose="020B0604020202020204" pitchFamily="34" charset="0"/>
+              <a:buNone/>
+              <a:defRPr sz="1600" kern="1200">
+                <a:solidFill>
+                  <a:schemeClr val="tx1"/>
+                </a:solidFill>
+                <a:latin typeface="+mn-lt"/>
+                <a:ea typeface="+mn-ea"/>
+                <a:cs typeface="+mn-cs"/>
+              </a:defRPr>
+            </a:lvl7pPr>
+            <a:lvl8pPr marL="3200400" indent="0" algn="ctr" defTabSz="914400" rtl="0" eaLnBrk="1" latinLnBrk="1" hangingPunct="1">
+              <a:lnSpc>
+                <a:spcPct val="90000"/>
+              </a:lnSpc>
+              <a:spcBef>
+                <a:spcPts val="500"/>
+              </a:spcBef>
+              <a:buFont typeface="Arial" panose="020B0604020202020204" pitchFamily="34" charset="0"/>
+              <a:buNone/>
+              <a:defRPr sz="1600" kern="1200">
+                <a:solidFill>
+                  <a:schemeClr val="tx1"/>
+                </a:solidFill>
+                <a:latin typeface="+mn-lt"/>
+                <a:ea typeface="+mn-ea"/>
+                <a:cs typeface="+mn-cs"/>
+              </a:defRPr>
+            </a:lvl8pPr>
+            <a:lvl9pPr marL="3657600" indent="0" algn="ctr" defTabSz="914400" rtl="0" eaLnBrk="1" latinLnBrk="1" hangingPunct="1">
+              <a:lnSpc>
+                <a:spcPct val="90000"/>
+              </a:lnSpc>
+              <a:spcBef>
+                <a:spcPts val="500"/>
+              </a:spcBef>
+              <a:buFont typeface="Arial" panose="020B0604020202020204" pitchFamily="34" charset="0"/>
+              <a:buNone/>
+              <a:defRPr sz="1600" kern="1200">
+                <a:solidFill>
+                  <a:schemeClr val="tx1"/>
+                </a:solidFill>
+                <a:latin typeface="+mn-lt"/>
+                <a:ea typeface="+mn-ea"/>
+                <a:cs typeface="+mn-cs"/>
+              </a:defRPr>
+            </a:lvl9pPr>
+          </a:lstStyle>
+          <a:p>
+            <a:pPr algn="l"/>
+            <a:r>
+              <a:rPr lang="en-US" altLang="ko-KR" sz="2200" dirty="0" smtClean="0"/>
+              <a:t>.4 </a:t>
+            </a:r>
+            <a:r>
+              <a:rPr lang="ko-KR" altLang="en-US" sz="2200" dirty="0" smtClean="0"/>
+              <a:t>온도 측정</a:t>
+            </a:r>
+            <a:endParaRPr lang="ko-KR" altLang="en-US" sz="2200" dirty="0"/>
+          </a:p>
+        </p:txBody>
+      </p:sp>
+      <p:sp>
+        <p:nvSpPr>
+          <p:cNvPr id="13" name="부제목 2"/>
+          <p:cNvSpPr txBox="1">
+            <a:spLocks/>
+          </p:cNvSpPr>
+          <p:nvPr/>
+        </p:nvSpPr>
+        <p:spPr>
+          <a:xfrm>
+            <a:off x="4676272" y="3987926"/>
+            <a:ext cx="5983706" cy="528804"/>
+          </a:xfrm>
+          <a:prstGeom prst="rect">
+            <a:avLst/>
+          </a:prstGeom>
+        </p:spPr>
+        <p:txBody>
+          <a:bodyPr vert="horz" lIns="91440" tIns="45720" rIns="91440" bIns="45720" rtlCol="0">
+            <a:normAutofit/>
+          </a:bodyPr>
+          <a:lstStyle>
+            <a:lvl1pPr marL="0" indent="0" algn="ctr" defTabSz="914400" rtl="0" eaLnBrk="1" latinLnBrk="1" hangingPunct="1">
+              <a:lnSpc>
+                <a:spcPct val="90000"/>
+              </a:lnSpc>
+              <a:spcBef>
+                <a:spcPts val="1000"/>
+              </a:spcBef>
+              <a:buFont typeface="Arial" panose="020B0604020202020204" pitchFamily="34" charset="0"/>
+              <a:buNone/>
+              <a:defRPr sz="2400" kern="1200">
+                <a:solidFill>
+                  <a:schemeClr val="tx1"/>
+                </a:solidFill>
+                <a:latin typeface="+mn-lt"/>
+                <a:ea typeface="+mn-ea"/>
+                <a:cs typeface="+mn-cs"/>
+              </a:defRPr>
+            </a:lvl1pPr>
+            <a:lvl2pPr marL="457200" indent="0" algn="ctr" defTabSz="914400" rtl="0" eaLnBrk="1" latinLnBrk="1" hangingPunct="1">
+              <a:lnSpc>
+                <a:spcPct val="90000"/>
+              </a:lnSpc>
+              <a:spcBef>
+                <a:spcPts val="500"/>
+              </a:spcBef>
+              <a:buFont typeface="Arial" panose="020B0604020202020204" pitchFamily="34" charset="0"/>
+              <a:buNone/>
+              <a:defRPr sz="2000" kern="1200">
+                <a:solidFill>
+                  <a:schemeClr val="tx1"/>
+                </a:solidFill>
+                <a:latin typeface="+mn-lt"/>
+                <a:ea typeface="+mn-ea"/>
+                <a:cs typeface="+mn-cs"/>
+              </a:defRPr>
+            </a:lvl2pPr>
+            <a:lvl3pPr marL="914400" indent="0" algn="ctr" defTabSz="914400" rtl="0" eaLnBrk="1" latinLnBrk="1" hangingPunct="1">
+              <a:lnSpc>
+                <a:spcPct val="90000"/>
+              </a:lnSpc>
+              <a:spcBef>
+                <a:spcPts val="500"/>
+              </a:spcBef>
+              <a:buFont typeface="Arial" panose="020B0604020202020204" pitchFamily="34" charset="0"/>
+              <a:buNone/>
+              <a:defRPr sz="1800" kern="1200">
+                <a:solidFill>
+                  <a:schemeClr val="tx1"/>
+                </a:solidFill>
+                <a:latin typeface="+mn-lt"/>
+                <a:ea typeface="+mn-ea"/>
+                <a:cs typeface="+mn-cs"/>
+              </a:defRPr>
+            </a:lvl3pPr>
+            <a:lvl4pPr marL="1371600" indent="0" algn="ctr" defTabSz="914400" rtl="0" eaLnBrk="1" latinLnBrk="1" hangingPunct="1">
+              <a:lnSpc>
+                <a:spcPct val="90000"/>
+              </a:lnSpc>
+              <a:spcBef>
+                <a:spcPts val="500"/>
+              </a:spcBef>
+              <a:buFont typeface="Arial" panose="020B0604020202020204" pitchFamily="34" charset="0"/>
+              <a:buNone/>
+              <a:defRPr sz="1600" kern="1200">
+                <a:solidFill>
+                  <a:schemeClr val="tx1"/>
+                </a:solidFill>
+                <a:latin typeface="+mn-lt"/>
+                <a:ea typeface="+mn-ea"/>
+                <a:cs typeface="+mn-cs"/>
+              </a:defRPr>
+            </a:lvl4pPr>
+            <a:lvl5pPr marL="1828800" indent="0" algn="ctr" defTabSz="914400" rtl="0" eaLnBrk="1" latinLnBrk="1" hangingPunct="1">
+              <a:lnSpc>
+                <a:spcPct val="90000"/>
+              </a:lnSpc>
+              <a:spcBef>
+                <a:spcPts val="500"/>
+              </a:spcBef>
+              <a:buFont typeface="Arial" panose="020B0604020202020204" pitchFamily="34" charset="0"/>
+              <a:buNone/>
+              <a:defRPr sz="1600" kern="1200">
+                <a:solidFill>
+                  <a:schemeClr val="tx1"/>
+                </a:solidFill>
+                <a:latin typeface="+mn-lt"/>
+                <a:ea typeface="+mn-ea"/>
+                <a:cs typeface="+mn-cs"/>
+              </a:defRPr>
+            </a:lvl5pPr>
+            <a:lvl6pPr marL="2286000" indent="0" algn="ctr" defTabSz="914400" rtl="0" eaLnBrk="1" latinLnBrk="1" hangingPunct="1">
+              <a:lnSpc>
+                <a:spcPct val="90000"/>
+              </a:lnSpc>
+              <a:spcBef>
+                <a:spcPts val="500"/>
+              </a:spcBef>
+              <a:buFont typeface="Arial" panose="020B0604020202020204" pitchFamily="34" charset="0"/>
+              <a:buNone/>
+              <a:defRPr sz="1600" kern="1200">
+                <a:solidFill>
+                  <a:schemeClr val="tx1"/>
+                </a:solidFill>
+                <a:latin typeface="+mn-lt"/>
+                <a:ea typeface="+mn-ea"/>
+                <a:cs typeface="+mn-cs"/>
+              </a:defRPr>
+            </a:lvl6pPr>
+            <a:lvl7pPr marL="2743200" indent="0" algn="ctr" defTabSz="914400" rtl="0" eaLnBrk="1" latinLnBrk="1" hangingPunct="1">
+              <a:lnSpc>
+                <a:spcPct val="90000"/>
+              </a:lnSpc>
+              <a:spcBef>
+                <a:spcPts val="500"/>
+              </a:spcBef>
+              <a:buFont typeface="Arial" panose="020B0604020202020204" pitchFamily="34" charset="0"/>
+              <a:buNone/>
+              <a:defRPr sz="1600" kern="1200">
+                <a:solidFill>
+                  <a:schemeClr val="tx1"/>
+                </a:solidFill>
+                <a:latin typeface="+mn-lt"/>
+                <a:ea typeface="+mn-ea"/>
+                <a:cs typeface="+mn-cs"/>
+              </a:defRPr>
+            </a:lvl7pPr>
+            <a:lvl8pPr marL="3200400" indent="0" algn="ctr" defTabSz="914400" rtl="0" eaLnBrk="1" latinLnBrk="1" hangingPunct="1">
+              <a:lnSpc>
+                <a:spcPct val="90000"/>
+              </a:lnSpc>
+              <a:spcBef>
+                <a:spcPts val="500"/>
+              </a:spcBef>
+              <a:buFont typeface="Arial" panose="020B0604020202020204" pitchFamily="34" charset="0"/>
+              <a:buNone/>
+              <a:defRPr sz="1600" kern="1200">
+                <a:solidFill>
+                  <a:schemeClr val="tx1"/>
+                </a:solidFill>
+                <a:latin typeface="+mn-lt"/>
+                <a:ea typeface="+mn-ea"/>
+                <a:cs typeface="+mn-cs"/>
+              </a:defRPr>
+            </a:lvl8pPr>
+            <a:lvl9pPr marL="3657600" indent="0" algn="ctr" defTabSz="914400" rtl="0" eaLnBrk="1" latinLnBrk="1" hangingPunct="1">
+              <a:lnSpc>
+                <a:spcPct val="90000"/>
+              </a:lnSpc>
+              <a:spcBef>
+                <a:spcPts val="500"/>
+              </a:spcBef>
+              <a:buFont typeface="Arial" panose="020B0604020202020204" pitchFamily="34" charset="0"/>
+              <a:buNone/>
+              <a:defRPr sz="1600" kern="1200">
+                <a:solidFill>
+                  <a:schemeClr val="tx1"/>
+                </a:solidFill>
+                <a:latin typeface="+mn-lt"/>
+                <a:ea typeface="+mn-ea"/>
+                <a:cs typeface="+mn-cs"/>
+              </a:defRPr>
+            </a:lvl9pPr>
+          </a:lstStyle>
+          <a:p>
+            <a:pPr algn="l"/>
+            <a:r>
+              <a:rPr lang="en-US" altLang="ko-KR" sz="2200" dirty="0" smtClean="0"/>
+              <a:t>.5 </a:t>
+            </a:r>
+            <a:r>
+              <a:rPr lang="ko-KR" altLang="en-US" sz="2200" dirty="0" smtClean="0"/>
+              <a:t>일정</a:t>
+            </a:r>
+            <a:endParaRPr lang="ko-KR" altLang="en-US" sz="2200" dirty="0"/>
+          </a:p>
+        </p:txBody>
+      </p:sp>
+      <p:sp>
+        <p:nvSpPr>
+          <p:cNvPr id="14" name="부제목 2"/>
+          <p:cNvSpPr txBox="1">
+            <a:spLocks/>
+          </p:cNvSpPr>
+          <p:nvPr/>
+        </p:nvSpPr>
+        <p:spPr>
+          <a:xfrm>
+            <a:off x="4379494" y="4347088"/>
+            <a:ext cx="5983706" cy="528804"/>
+          </a:xfrm>
+          <a:prstGeom prst="rect">
+            <a:avLst/>
+          </a:prstGeom>
+        </p:spPr>
+        <p:txBody>
+          <a:bodyPr vert="horz" lIns="91440" tIns="45720" rIns="91440" bIns="45720" rtlCol="0">
+            <a:normAutofit fontScale="85000" lnSpcReduction="20000"/>
+          </a:bodyPr>
+          <a:lstStyle>
+            <a:lvl1pPr marL="0" indent="0" algn="ctr" defTabSz="914400" rtl="0" eaLnBrk="1" latinLnBrk="1" hangingPunct="1">
+              <a:lnSpc>
+                <a:spcPct val="90000"/>
+              </a:lnSpc>
+              <a:spcBef>
+                <a:spcPts val="1000"/>
+              </a:spcBef>
+              <a:buFont typeface="Arial" panose="020B0604020202020204" pitchFamily="34" charset="0"/>
+              <a:buNone/>
+              <a:defRPr sz="2400" kern="1200">
+                <a:solidFill>
+                  <a:schemeClr val="tx1"/>
+                </a:solidFill>
+                <a:latin typeface="+mn-lt"/>
+                <a:ea typeface="+mn-ea"/>
+                <a:cs typeface="+mn-cs"/>
+              </a:defRPr>
+            </a:lvl1pPr>
+            <a:lvl2pPr marL="457200" indent="0" algn="ctr" defTabSz="914400" rtl="0" eaLnBrk="1" latinLnBrk="1" hangingPunct="1">
+              <a:lnSpc>
+                <a:spcPct val="90000"/>
+              </a:lnSpc>
+              <a:spcBef>
+                <a:spcPts val="500"/>
+              </a:spcBef>
+              <a:buFont typeface="Arial" panose="020B0604020202020204" pitchFamily="34" charset="0"/>
+              <a:buNone/>
+              <a:defRPr sz="2000" kern="1200">
+                <a:solidFill>
+                  <a:schemeClr val="tx1"/>
+                </a:solidFill>
+                <a:latin typeface="+mn-lt"/>
+                <a:ea typeface="+mn-ea"/>
+                <a:cs typeface="+mn-cs"/>
+              </a:defRPr>
+            </a:lvl2pPr>
+            <a:lvl3pPr marL="914400" indent="0" algn="ctr" defTabSz="914400" rtl="0" eaLnBrk="1" latinLnBrk="1" hangingPunct="1">
+              <a:lnSpc>
+                <a:spcPct val="90000"/>
+              </a:lnSpc>
+              <a:spcBef>
+                <a:spcPts val="500"/>
+              </a:spcBef>
+              <a:buFont typeface="Arial" panose="020B0604020202020204" pitchFamily="34" charset="0"/>
+              <a:buNone/>
+              <a:defRPr sz="1800" kern="1200">
+                <a:solidFill>
+                  <a:schemeClr val="tx1"/>
+                </a:solidFill>
+                <a:latin typeface="+mn-lt"/>
+                <a:ea typeface="+mn-ea"/>
+                <a:cs typeface="+mn-cs"/>
+              </a:defRPr>
+            </a:lvl3pPr>
+            <a:lvl4pPr marL="1371600" indent="0" algn="ctr" defTabSz="914400" rtl="0" eaLnBrk="1" latinLnBrk="1" hangingPunct="1">
+              <a:lnSpc>
+                <a:spcPct val="90000"/>
+              </a:lnSpc>
+              <a:spcBef>
+                <a:spcPts val="500"/>
+              </a:spcBef>
+              <a:buFont typeface="Arial" panose="020B0604020202020204" pitchFamily="34" charset="0"/>
+              <a:buNone/>
+              <a:defRPr sz="1600" kern="1200">
+                <a:solidFill>
+                  <a:schemeClr val="tx1"/>
+                </a:solidFill>
+                <a:latin typeface="+mn-lt"/>
+                <a:ea typeface="+mn-ea"/>
+                <a:cs typeface="+mn-cs"/>
+              </a:defRPr>
+            </a:lvl4pPr>
+            <a:lvl5pPr marL="1828800" indent="0" algn="ctr" defTabSz="914400" rtl="0" eaLnBrk="1" latinLnBrk="1" hangingPunct="1">
+              <a:lnSpc>
+                <a:spcPct val="90000"/>
+              </a:lnSpc>
+              <a:spcBef>
+                <a:spcPts val="500"/>
+              </a:spcBef>
+              <a:buFont typeface="Arial" panose="020B0604020202020204" pitchFamily="34" charset="0"/>
+              <a:buNone/>
+              <a:defRPr sz="1600" kern="1200">
+                <a:solidFill>
+                  <a:schemeClr val="tx1"/>
+                </a:solidFill>
+                <a:latin typeface="+mn-lt"/>
+                <a:ea typeface="+mn-ea"/>
+                <a:cs typeface="+mn-cs"/>
+              </a:defRPr>
+            </a:lvl5pPr>
+            <a:lvl6pPr marL="2286000" indent="0" algn="ctr" defTabSz="914400" rtl="0" eaLnBrk="1" latinLnBrk="1" hangingPunct="1">
+              <a:lnSpc>
+                <a:spcPct val="90000"/>
+              </a:lnSpc>
+              <a:spcBef>
+                <a:spcPts val="500"/>
+              </a:spcBef>
+              <a:buFont typeface="Arial" panose="020B0604020202020204" pitchFamily="34" charset="0"/>
+              <a:buNone/>
+              <a:defRPr sz="1600" kern="1200">
+                <a:solidFill>
+                  <a:schemeClr val="tx1"/>
+                </a:solidFill>
+                <a:latin typeface="+mn-lt"/>
+                <a:ea typeface="+mn-ea"/>
+                <a:cs typeface="+mn-cs"/>
+              </a:defRPr>
+            </a:lvl6pPr>
+            <a:lvl7pPr marL="2743200" indent="0" algn="ctr" defTabSz="914400" rtl="0" eaLnBrk="1" latinLnBrk="1" hangingPunct="1">
+              <a:lnSpc>
+                <a:spcPct val="90000"/>
+              </a:lnSpc>
+              <a:spcBef>
+                <a:spcPts val="500"/>
+              </a:spcBef>
+              <a:buFont typeface="Arial" panose="020B0604020202020204" pitchFamily="34" charset="0"/>
+              <a:buNone/>
+              <a:defRPr sz="1600" kern="1200">
+                <a:solidFill>
+                  <a:schemeClr val="tx1"/>
+                </a:solidFill>
+                <a:latin typeface="+mn-lt"/>
+                <a:ea typeface="+mn-ea"/>
+                <a:cs typeface="+mn-cs"/>
+              </a:defRPr>
+            </a:lvl7pPr>
+            <a:lvl8pPr marL="3200400" indent="0" algn="ctr" defTabSz="914400" rtl="0" eaLnBrk="1" latinLnBrk="1" hangingPunct="1">
+              <a:lnSpc>
+                <a:spcPct val="90000"/>
+              </a:lnSpc>
+              <a:spcBef>
+                <a:spcPts val="500"/>
+              </a:spcBef>
+              <a:buFont typeface="Arial" panose="020B0604020202020204" pitchFamily="34" charset="0"/>
+              <a:buNone/>
+              <a:defRPr sz="1600" kern="1200">
+                <a:solidFill>
+                  <a:schemeClr val="tx1"/>
+                </a:solidFill>
+                <a:latin typeface="+mn-lt"/>
+                <a:ea typeface="+mn-ea"/>
+                <a:cs typeface="+mn-cs"/>
+              </a:defRPr>
+            </a:lvl8pPr>
+            <a:lvl9pPr marL="3657600" indent="0" algn="ctr" defTabSz="914400" rtl="0" eaLnBrk="1" latinLnBrk="1" hangingPunct="1">
+              <a:lnSpc>
+                <a:spcPct val="90000"/>
+              </a:lnSpc>
+              <a:spcBef>
+                <a:spcPts val="500"/>
+              </a:spcBef>
+              <a:buFont typeface="Arial" panose="020B0604020202020204" pitchFamily="34" charset="0"/>
+              <a:buNone/>
+              <a:defRPr sz="1600" kern="1200">
+                <a:solidFill>
+                  <a:schemeClr val="tx1"/>
+                </a:solidFill>
+                <a:latin typeface="+mn-lt"/>
+                <a:ea typeface="+mn-ea"/>
+                <a:cs typeface="+mn-cs"/>
+              </a:defRPr>
+            </a:lvl9pPr>
+          </a:lstStyle>
+          <a:p>
+            <a:pPr algn="l"/>
+            <a:r>
+              <a:rPr lang="en-US" altLang="ko-KR" sz="4300" dirty="0"/>
+              <a:t>5</a:t>
+            </a:r>
+            <a:r>
+              <a:rPr lang="en-US" altLang="ko-KR" sz="4300" dirty="0" smtClean="0"/>
+              <a:t>.</a:t>
+            </a:r>
+            <a:r>
+              <a:rPr lang="en-US" altLang="ko-KR" dirty="0" smtClean="0"/>
+              <a:t>UML </a:t>
+            </a:r>
+            <a:endParaRPr lang="ko-KR" altLang="en-US" dirty="0"/>
+          </a:p>
+        </p:txBody>
+      </p:sp>
+      <p:sp>
+        <p:nvSpPr>
+          <p:cNvPr id="16" name="부제목 2"/>
+          <p:cNvSpPr txBox="1">
+            <a:spLocks/>
+          </p:cNvSpPr>
+          <p:nvPr/>
+        </p:nvSpPr>
+        <p:spPr>
+          <a:xfrm>
+            <a:off x="4527883" y="4774837"/>
+            <a:ext cx="5983706" cy="528804"/>
+          </a:xfrm>
+          <a:prstGeom prst="rect">
+            <a:avLst/>
+          </a:prstGeom>
+        </p:spPr>
+        <p:txBody>
+          <a:bodyPr vert="horz" lIns="91440" tIns="45720" rIns="91440" bIns="45720" rtlCol="0">
+            <a:normAutofit/>
+          </a:bodyPr>
+          <a:lstStyle>
+            <a:lvl1pPr marL="0" indent="0" algn="ctr" defTabSz="914400" rtl="0" eaLnBrk="1" latinLnBrk="1" hangingPunct="1">
+              <a:lnSpc>
+                <a:spcPct val="90000"/>
+              </a:lnSpc>
+              <a:spcBef>
+                <a:spcPts val="1000"/>
+              </a:spcBef>
+              <a:buFont typeface="Arial" panose="020B0604020202020204" pitchFamily="34" charset="0"/>
+              <a:buNone/>
+              <a:defRPr sz="2400" kern="1200">
+                <a:solidFill>
+                  <a:schemeClr val="tx1"/>
+                </a:solidFill>
+                <a:latin typeface="+mn-lt"/>
+                <a:ea typeface="+mn-ea"/>
+                <a:cs typeface="+mn-cs"/>
+              </a:defRPr>
+            </a:lvl1pPr>
+            <a:lvl2pPr marL="457200" indent="0" algn="ctr" defTabSz="914400" rtl="0" eaLnBrk="1" latinLnBrk="1" hangingPunct="1">
+              <a:lnSpc>
+                <a:spcPct val="90000"/>
+              </a:lnSpc>
+              <a:spcBef>
+                <a:spcPts val="500"/>
+              </a:spcBef>
+              <a:buFont typeface="Arial" panose="020B0604020202020204" pitchFamily="34" charset="0"/>
+              <a:buNone/>
+              <a:defRPr sz="2000" kern="1200">
+                <a:solidFill>
+                  <a:schemeClr val="tx1"/>
+                </a:solidFill>
+                <a:latin typeface="+mn-lt"/>
+                <a:ea typeface="+mn-ea"/>
+                <a:cs typeface="+mn-cs"/>
+              </a:defRPr>
+            </a:lvl2pPr>
+            <a:lvl3pPr marL="914400" indent="0" algn="ctr" defTabSz="914400" rtl="0" eaLnBrk="1" latinLnBrk="1" hangingPunct="1">
+              <a:lnSpc>
+                <a:spcPct val="90000"/>
+              </a:lnSpc>
+              <a:spcBef>
+                <a:spcPts val="500"/>
+              </a:spcBef>
+              <a:buFont typeface="Arial" panose="020B0604020202020204" pitchFamily="34" charset="0"/>
+              <a:buNone/>
+              <a:defRPr sz="1800" kern="1200">
+                <a:solidFill>
+                  <a:schemeClr val="tx1"/>
+                </a:solidFill>
+                <a:latin typeface="+mn-lt"/>
+                <a:ea typeface="+mn-ea"/>
+                <a:cs typeface="+mn-cs"/>
+              </a:defRPr>
+            </a:lvl3pPr>
+            <a:lvl4pPr marL="1371600" indent="0" algn="ctr" defTabSz="914400" rtl="0" eaLnBrk="1" latinLnBrk="1" hangingPunct="1">
+              <a:lnSpc>
+                <a:spcPct val="90000"/>
+              </a:lnSpc>
+              <a:spcBef>
+                <a:spcPts val="500"/>
+              </a:spcBef>
+              <a:buFont typeface="Arial" panose="020B0604020202020204" pitchFamily="34" charset="0"/>
+              <a:buNone/>
+              <a:defRPr sz="1600" kern="1200">
+                <a:solidFill>
+                  <a:schemeClr val="tx1"/>
+                </a:solidFill>
+                <a:latin typeface="+mn-lt"/>
+                <a:ea typeface="+mn-ea"/>
+                <a:cs typeface="+mn-cs"/>
+              </a:defRPr>
+            </a:lvl4pPr>
+            <a:lvl5pPr marL="1828800" indent="0" algn="ctr" defTabSz="914400" rtl="0" eaLnBrk="1" latinLnBrk="1" hangingPunct="1">
+              <a:lnSpc>
+                <a:spcPct val="90000"/>
+              </a:lnSpc>
+              <a:spcBef>
+                <a:spcPts val="500"/>
+              </a:spcBef>
+              <a:buFont typeface="Arial" panose="020B0604020202020204" pitchFamily="34" charset="0"/>
+              <a:buNone/>
+              <a:defRPr sz="1600" kern="1200">
+                <a:solidFill>
+                  <a:schemeClr val="tx1"/>
+                </a:solidFill>
+                <a:latin typeface="+mn-lt"/>
+                <a:ea typeface="+mn-ea"/>
+                <a:cs typeface="+mn-cs"/>
+              </a:defRPr>
+            </a:lvl5pPr>
+            <a:lvl6pPr marL="2286000" indent="0" algn="ctr" defTabSz="914400" rtl="0" eaLnBrk="1" latinLnBrk="1" hangingPunct="1">
+              <a:lnSpc>
+                <a:spcPct val="90000"/>
+              </a:lnSpc>
+              <a:spcBef>
+                <a:spcPts val="500"/>
+              </a:spcBef>
+              <a:buFont typeface="Arial" panose="020B0604020202020204" pitchFamily="34" charset="0"/>
+              <a:buNone/>
+              <a:defRPr sz="1600" kern="1200">
+                <a:solidFill>
+                  <a:schemeClr val="tx1"/>
+                </a:solidFill>
+                <a:latin typeface="+mn-lt"/>
+                <a:ea typeface="+mn-ea"/>
+                <a:cs typeface="+mn-cs"/>
+              </a:defRPr>
+            </a:lvl6pPr>
+            <a:lvl7pPr marL="2743200" indent="0" algn="ctr" defTabSz="914400" rtl="0" eaLnBrk="1" latinLnBrk="1" hangingPunct="1">
+              <a:lnSpc>
+                <a:spcPct val="90000"/>
+              </a:lnSpc>
+              <a:spcBef>
+                <a:spcPts val="500"/>
+              </a:spcBef>
+              <a:buFont typeface="Arial" panose="020B0604020202020204" pitchFamily="34" charset="0"/>
+              <a:buNone/>
+              <a:defRPr sz="1600" kern="1200">
+                <a:solidFill>
+                  <a:schemeClr val="tx1"/>
+                </a:solidFill>
+                <a:latin typeface="+mn-lt"/>
+                <a:ea typeface="+mn-ea"/>
+                <a:cs typeface="+mn-cs"/>
+              </a:defRPr>
+            </a:lvl7pPr>
+            <a:lvl8pPr marL="3200400" indent="0" algn="ctr" defTabSz="914400" rtl="0" eaLnBrk="1" latinLnBrk="1" hangingPunct="1">
+              <a:lnSpc>
+                <a:spcPct val="90000"/>
+              </a:lnSpc>
+              <a:spcBef>
+                <a:spcPts val="500"/>
+              </a:spcBef>
+              <a:buFont typeface="Arial" panose="020B0604020202020204" pitchFamily="34" charset="0"/>
+              <a:buNone/>
+              <a:defRPr sz="1600" kern="1200">
+                <a:solidFill>
+                  <a:schemeClr val="tx1"/>
+                </a:solidFill>
+                <a:latin typeface="+mn-lt"/>
+                <a:ea typeface="+mn-ea"/>
+                <a:cs typeface="+mn-cs"/>
+              </a:defRPr>
+            </a:lvl8pPr>
+            <a:lvl9pPr marL="3657600" indent="0" algn="ctr" defTabSz="914400" rtl="0" eaLnBrk="1" latinLnBrk="1" hangingPunct="1">
+              <a:lnSpc>
+                <a:spcPct val="90000"/>
+              </a:lnSpc>
+              <a:spcBef>
+                <a:spcPts val="500"/>
+              </a:spcBef>
+              <a:buFont typeface="Arial" panose="020B0604020202020204" pitchFamily="34" charset="0"/>
+              <a:buNone/>
+              <a:defRPr sz="1600" kern="1200">
+                <a:solidFill>
+                  <a:schemeClr val="tx1"/>
+                </a:solidFill>
+                <a:latin typeface="+mn-lt"/>
+                <a:ea typeface="+mn-ea"/>
+                <a:cs typeface="+mn-cs"/>
+              </a:defRPr>
+            </a:lvl9pPr>
+          </a:lstStyle>
+          <a:p>
+            <a:pPr algn="l"/>
+            <a:r>
+              <a:rPr lang="en-US" altLang="ko-KR" sz="2200" dirty="0" smtClean="0"/>
+              <a:t>.1 </a:t>
+            </a:r>
+            <a:r>
+              <a:rPr lang="en-US" altLang="ko-KR" sz="2000" dirty="0" smtClean="0"/>
+              <a:t>Use Cases</a:t>
+            </a:r>
+            <a:endParaRPr lang="ko-KR" altLang="en-US" sz="2200" dirty="0"/>
           </a:p>
         </p:txBody>
       </p:sp>
@@ -3312,6 +6440,13 @@
   <p:clrMapOvr>
     <a:masterClrMapping/>
   </p:clrMapOvr>
+  <p:timing>
+    <p:tnLst>
+      <p:par>
+        <p:cTn id="1" dur="indefinite" restart="never" nodeType="tmRoot"/>
+      </p:par>
+    </p:tnLst>
+  </p:timing>
 </p:sld>
 </file>
 
@@ -3344,7 +6479,7 @@
         </p:nvSpPr>
         <p:spPr>
           <a:xfrm>
-            <a:off x="393031" y="681205"/>
+            <a:off x="3930315" y="761416"/>
             <a:ext cx="3585411" cy="1027279"/>
           </a:xfrm>
         </p:spPr>
@@ -3374,15 +6509,49 @@
         </p:nvSpPr>
         <p:spPr>
           <a:xfrm>
-            <a:off x="1219200" y="2246481"/>
+            <a:off x="1243263" y="3521828"/>
             <a:ext cx="9144000" cy="1655762"/>
           </a:xfrm>
         </p:spPr>
         <p:txBody>
-          <a:bodyPr/>
+          <a:bodyPr>
+            <a:normAutofit/>
+          </a:bodyPr>
           <a:lstStyle/>
           <a:p>
-            <a:endParaRPr lang="ko-KR" altLang="en-US" dirty="0"/>
+            <a:r>
+              <a:rPr lang="ko-KR" altLang="en-US" dirty="0" smtClean="0"/>
+              <a:t>동물원 안에 있는 동물들은 </a:t>
+            </a:r>
+            <a:r>
+              <a:rPr lang="ko-KR" altLang="en-US" dirty="0" err="1" smtClean="0"/>
+              <a:t>관리사한테</a:t>
+            </a:r>
+            <a:r>
+              <a:rPr lang="ko-KR" altLang="en-US" dirty="0" smtClean="0"/>
+              <a:t> 관리를 받습니다</a:t>
+            </a:r>
+            <a:r>
+              <a:rPr lang="en-US" altLang="ko-KR" dirty="0" smtClean="0"/>
+              <a:t>.</a:t>
+            </a:r>
+          </a:p>
+          <a:p>
+            <a:r>
+              <a:rPr lang="ko-KR" altLang="en-US" dirty="0" smtClean="0"/>
+              <a:t>그 관리사들은 여러 가지 종류의 동물을 케어를 하는데</a:t>
+            </a:r>
+            <a:endParaRPr lang="en-US" altLang="ko-KR" dirty="0" smtClean="0"/>
+          </a:p>
+          <a:p>
+            <a:r>
+              <a:rPr lang="ko-KR" altLang="en-US" dirty="0" smtClean="0"/>
+              <a:t>그 분들을 도움을 주고 싶어 이 프로그램을 만들었습니다</a:t>
+            </a:r>
+            <a:r>
+              <a:rPr lang="en-US" altLang="ko-KR" dirty="0" smtClean="0"/>
+              <a:t>.</a:t>
+            </a:r>
           </a:p>
         </p:txBody>
       </p:sp>
@@ -3396,6 +6565,13 @@
   <p:clrMapOvr>
     <a:masterClrMapping/>
   </p:clrMapOvr>
+  <p:timing>
+    <p:tnLst>
+      <p:par>
+        <p:cTn id="1" dur="indefinite" restart="never" nodeType="tmRoot"/>
+      </p:par>
+    </p:tnLst>
+  </p:timing>
 </p:sld>
 </file>
 
@@ -3428,7 +6604,7 @@
         </p:nvSpPr>
         <p:spPr>
           <a:xfrm>
-            <a:off x="368968" y="665163"/>
+            <a:off x="0" y="63584"/>
             <a:ext cx="3585411" cy="1027279"/>
           </a:xfrm>
         </p:spPr>
@@ -3468,8 +6644,8 @@
         </p:blipFill>
         <p:spPr>
           <a:xfrm>
-            <a:off x="175527" y="1901834"/>
-            <a:ext cx="1862629" cy="1862629"/>
+            <a:off x="1613001" y="1984110"/>
+            <a:ext cx="1315697" cy="1315697"/>
           </a:xfrm>
           <a:prstGeom prst="rect">
             <a:avLst/>
@@ -3498,8 +6674,8 @@
         </p:blipFill>
         <p:spPr>
           <a:xfrm>
-            <a:off x="2396576" y="1812405"/>
-            <a:ext cx="2000784" cy="2000784"/>
+            <a:off x="3154932" y="1978724"/>
+            <a:ext cx="1326469" cy="1326469"/>
           </a:xfrm>
           <a:prstGeom prst="rect">
             <a:avLst/>
@@ -3528,8 +6704,8 @@
         </p:blipFill>
         <p:spPr>
           <a:xfrm>
-            <a:off x="7888159" y="1771285"/>
-            <a:ext cx="2041904" cy="2041904"/>
+            <a:off x="9184920" y="1944238"/>
+            <a:ext cx="1395440" cy="1395440"/>
           </a:xfrm>
           <a:prstGeom prst="rect">
             <a:avLst/>
@@ -3558,8 +6734,8 @@
         </p:blipFill>
         <p:spPr>
           <a:xfrm>
-            <a:off x="4720364" y="3848294"/>
-            <a:ext cx="2009299" cy="2009299"/>
+            <a:off x="7653974" y="1911004"/>
+            <a:ext cx="1461908" cy="1461908"/>
           </a:xfrm>
           <a:prstGeom prst="rect">
             <a:avLst/>
@@ -3588,8 +6764,8 @@
         </p:blipFill>
         <p:spPr>
           <a:xfrm>
-            <a:off x="1944899" y="4772409"/>
-            <a:ext cx="2030289" cy="2030289"/>
+            <a:off x="10649398" y="1914670"/>
+            <a:ext cx="1454576" cy="1454576"/>
           </a:xfrm>
           <a:prstGeom prst="rect">
             <a:avLst/>
@@ -3618,8 +6794,531 @@
         </p:blipFill>
         <p:spPr>
           <a:xfrm>
-            <a:off x="4587443" y="1709550"/>
-            <a:ext cx="2142220" cy="2142220"/>
+            <a:off x="6193871" y="1943105"/>
+            <a:ext cx="1397706" cy="1397706"/>
+          </a:xfrm>
+          <a:prstGeom prst="rect">
+            <a:avLst/>
+          </a:prstGeom>
+        </p:spPr>
+      </p:pic>
+      <p:pic>
+        <p:nvPicPr>
+          <p:cNvPr id="3" name="그림 2"/>
+          <p:cNvPicPr>
+            <a:picLocks noChangeAspect="1"/>
+          </p:cNvPicPr>
+          <p:nvPr/>
+        </p:nvPicPr>
+        <p:blipFill>
+          <a:blip r:embed="rId8">
+            <a:extLst>
+              <a:ext uri="{28A0092B-C50C-407E-A947-70E740481C1C}">
+                <a14:useLocalDpi xmlns:a14="http://schemas.microsoft.com/office/drawing/2010/main" val="0"/>
+              </a:ext>
+            </a:extLst>
+          </a:blip>
+          <a:stretch>
+            <a:fillRect/>
+          </a:stretch>
+        </p:blipFill>
+        <p:spPr>
+          <a:xfrm>
+            <a:off x="4664510" y="1987363"/>
+            <a:ext cx="1309190" cy="1309190"/>
+          </a:xfrm>
+          <a:prstGeom prst="rect">
+            <a:avLst/>
+          </a:prstGeom>
+        </p:spPr>
+      </p:pic>
+      <p:graphicFrame>
+        <p:nvGraphicFramePr>
+          <p:cNvPr id="6" name="표 5"/>
+          <p:cNvGraphicFramePr>
+            <a:graphicFrameLocks noGrp="1"/>
+          </p:cNvGraphicFramePr>
+          <p:nvPr>
+            <p:extLst>
+              <p:ext uri="{D42A27DB-BD31-4B8C-83A1-F6EECF244321}">
+                <p14:modId xmlns:p14="http://schemas.microsoft.com/office/powerpoint/2010/main" val="383803118"/>
+              </p:ext>
+            </p:extLst>
+          </p:nvPr>
+        </p:nvGraphicFramePr>
+        <p:xfrm>
+          <a:off x="0" y="4090042"/>
+          <a:ext cx="12192000" cy="1900614"/>
+        </p:xfrm>
+        <a:graphic>
+          <a:graphicData uri="http://schemas.openxmlformats.org/drawingml/2006/table">
+            <a:tbl>
+              <a:tblPr firstRow="1" bandRow="1">
+                <a:tableStyleId>{5C22544A-7EE6-4342-B048-85BDC9FD1C3A}</a:tableStyleId>
+              </a:tblPr>
+              <a:tblGrid>
+                <a:gridCol w="1524000">
+                  <a:extLst>
+                    <a:ext uri="{9D8B030D-6E8A-4147-A177-3AD203B41FA5}">
+                      <a16:colId xmlns:a16="http://schemas.microsoft.com/office/drawing/2014/main" val="3288720842"/>
+                    </a:ext>
+                  </a:extLst>
+                </a:gridCol>
+                <a:gridCol w="1524000">
+                  <a:extLst>
+                    <a:ext uri="{9D8B030D-6E8A-4147-A177-3AD203B41FA5}">
+                      <a16:colId xmlns:a16="http://schemas.microsoft.com/office/drawing/2014/main" val="692392618"/>
+                    </a:ext>
+                  </a:extLst>
+                </a:gridCol>
+                <a:gridCol w="1524000">
+                  <a:extLst>
+                    <a:ext uri="{9D8B030D-6E8A-4147-A177-3AD203B41FA5}">
+                      <a16:colId xmlns:a16="http://schemas.microsoft.com/office/drawing/2014/main" val="1466348707"/>
+                    </a:ext>
+                  </a:extLst>
+                </a:gridCol>
+                <a:gridCol w="1524000">
+                  <a:extLst>
+                    <a:ext uri="{9D8B030D-6E8A-4147-A177-3AD203B41FA5}">
+                      <a16:colId xmlns:a16="http://schemas.microsoft.com/office/drawing/2014/main" val="3173844754"/>
+                    </a:ext>
+                  </a:extLst>
+                </a:gridCol>
+                <a:gridCol w="1524000">
+                  <a:extLst>
+                    <a:ext uri="{9D8B030D-6E8A-4147-A177-3AD203B41FA5}">
+                      <a16:colId xmlns:a16="http://schemas.microsoft.com/office/drawing/2014/main" val="1132087488"/>
+                    </a:ext>
+                  </a:extLst>
+                </a:gridCol>
+                <a:gridCol w="1524000">
+                  <a:extLst>
+                    <a:ext uri="{9D8B030D-6E8A-4147-A177-3AD203B41FA5}">
+                      <a16:colId xmlns:a16="http://schemas.microsoft.com/office/drawing/2014/main" val="1451228461"/>
+                    </a:ext>
+                  </a:extLst>
+                </a:gridCol>
+                <a:gridCol w="1524000">
+                  <a:extLst>
+                    <a:ext uri="{9D8B030D-6E8A-4147-A177-3AD203B41FA5}">
+                      <a16:colId xmlns:a16="http://schemas.microsoft.com/office/drawing/2014/main" val="1891922717"/>
+                    </a:ext>
+                  </a:extLst>
+                </a:gridCol>
+                <a:gridCol w="1524000">
+                  <a:extLst>
+                    <a:ext uri="{9D8B030D-6E8A-4147-A177-3AD203B41FA5}">
+                      <a16:colId xmlns:a16="http://schemas.microsoft.com/office/drawing/2014/main" val="2900323265"/>
+                    </a:ext>
+                  </a:extLst>
+                </a:gridCol>
+              </a:tblGrid>
+              <a:tr h="642380">
+                <a:tc>
+                  <a:txBody>
+                    <a:bodyPr/>
+                    <a:lstStyle/>
+                    <a:p>
+                      <a:pPr algn="ctr" latinLnBrk="1"/>
+                      <a:r>
+                        <a:rPr lang="en-US" altLang="ko-KR" dirty="0" smtClean="0"/>
+                        <a:t>Windows 10</a:t>
+                      </a:r>
+                      <a:endParaRPr lang="ko-KR" altLang="en-US" dirty="0"/>
+                    </a:p>
+                  </a:txBody>
+                  <a:tcPr/>
+                </a:tc>
+                <a:tc>
+                  <a:txBody>
+                    <a:bodyPr/>
+                    <a:lstStyle/>
+                    <a:p>
+                      <a:pPr marL="0" marR="0" indent="0" algn="ctr" defTabSz="914400" rtl="0" eaLnBrk="1" fontAlgn="auto" latinLnBrk="1" hangingPunct="1">
+                        <a:lnSpc>
+                          <a:spcPct val="100000"/>
+                        </a:lnSpc>
+                        <a:spcBef>
+                          <a:spcPts val="0"/>
+                        </a:spcBef>
+                        <a:spcAft>
+                          <a:spcPts val="0"/>
+                        </a:spcAft>
+                        <a:buClrTx/>
+                        <a:buSzTx/>
+                        <a:buFontTx/>
+                        <a:buNone/>
+                        <a:tabLst/>
+                        <a:defRPr/>
+                      </a:pPr>
+                      <a:r>
+                        <a:rPr lang="en-US" altLang="ko-KR" dirty="0" err="1" smtClean="0"/>
+                        <a:t>Balsamiq</a:t>
+                      </a:r>
+                      <a:r>
+                        <a:rPr lang="en-US" altLang="ko-KR" dirty="0" smtClean="0"/>
+                        <a:t> Wireframes</a:t>
+                      </a:r>
+                      <a:endParaRPr lang="ko-KR" altLang="en-US" dirty="0" smtClean="0"/>
+                    </a:p>
+                    <a:p>
+                      <a:pPr algn="ctr" latinLnBrk="1"/>
+                      <a:endParaRPr lang="ko-KR" altLang="en-US" dirty="0"/>
+                    </a:p>
+                  </a:txBody>
+                  <a:tcPr/>
+                </a:tc>
+                <a:tc>
+                  <a:txBody>
+                    <a:bodyPr/>
+                    <a:lstStyle/>
+                    <a:p>
+                      <a:pPr algn="ctr"/>
+                      <a:endParaRPr lang="en-US" altLang="ko-KR" dirty="0" smtClean="0"/>
+                    </a:p>
+                    <a:p>
+                      <a:pPr algn="ctr"/>
+                      <a:r>
+                        <a:rPr lang="en-US" altLang="ko-KR" dirty="0" err="1" smtClean="0"/>
+                        <a:t>Java™SE</a:t>
+                      </a:r>
+                      <a:endParaRPr lang="en-US" altLang="ko-KR" dirty="0" smtClean="0"/>
+                    </a:p>
+                    <a:p>
+                      <a:pPr algn="ctr" latinLnBrk="1"/>
+                      <a:endParaRPr lang="ko-KR" altLang="en-US" dirty="0"/>
+                    </a:p>
+                  </a:txBody>
+                  <a:tcPr/>
+                </a:tc>
+                <a:tc>
+                  <a:txBody>
+                    <a:bodyPr/>
+                    <a:lstStyle/>
+                    <a:p>
+                      <a:pPr algn="ctr" latinLnBrk="1"/>
+                      <a:endParaRPr lang="en-US" altLang="ko-KR" dirty="0" smtClean="0"/>
+                    </a:p>
+                    <a:p>
+                      <a:pPr algn="ctr" latinLnBrk="1"/>
+                      <a:r>
+                        <a:rPr lang="en-US" altLang="ko-KR" dirty="0" smtClean="0"/>
+                        <a:t>Eclipse</a:t>
+                      </a:r>
+                      <a:endParaRPr lang="ko-KR" altLang="en-US" dirty="0"/>
+                    </a:p>
+                  </a:txBody>
+                  <a:tcPr/>
+                </a:tc>
+                <a:tc>
+                  <a:txBody>
+                    <a:bodyPr/>
+                    <a:lstStyle/>
+                    <a:p>
+                      <a:pPr algn="ctr" latinLnBrk="1"/>
+                      <a:endParaRPr lang="en-US" altLang="ko-KR" dirty="0" smtClean="0"/>
+                    </a:p>
+                    <a:p>
+                      <a:pPr algn="ctr" latinLnBrk="1"/>
+                      <a:r>
+                        <a:rPr lang="en-US" altLang="ko-KR" dirty="0" smtClean="0"/>
+                        <a:t>ORACLE</a:t>
+                      </a:r>
+                      <a:endParaRPr lang="ko-KR" altLang="en-US" dirty="0"/>
+                    </a:p>
+                  </a:txBody>
+                  <a:tcPr/>
+                </a:tc>
+                <a:tc>
+                  <a:txBody>
+                    <a:bodyPr/>
+                    <a:lstStyle/>
+                    <a:p>
+                      <a:pPr algn="ctr" latinLnBrk="1"/>
+                      <a:endParaRPr lang="en-US" altLang="ko-KR" dirty="0" smtClean="0"/>
+                    </a:p>
+                    <a:p>
+                      <a:pPr algn="ctr" latinLnBrk="1"/>
+                      <a:r>
+                        <a:rPr lang="en-US" altLang="ko-KR" dirty="0" err="1" smtClean="0"/>
+                        <a:t>Dbeaver</a:t>
+                      </a:r>
+                      <a:endParaRPr lang="ko-KR" altLang="en-US" dirty="0"/>
+                    </a:p>
+                  </a:txBody>
+                  <a:tcPr/>
+                </a:tc>
+                <a:tc>
+                  <a:txBody>
+                    <a:bodyPr/>
+                    <a:lstStyle/>
+                    <a:p>
+                      <a:pPr algn="ctr" latinLnBrk="1"/>
+                      <a:endParaRPr lang="en-US" altLang="ko-KR" dirty="0" smtClean="0"/>
+                    </a:p>
+                    <a:p>
+                      <a:pPr algn="ctr" latinLnBrk="1"/>
+                      <a:r>
+                        <a:rPr lang="en-US" altLang="ko-KR" dirty="0" smtClean="0"/>
+                        <a:t>Arduino</a:t>
+                      </a:r>
+                    </a:p>
+                  </a:txBody>
+                  <a:tcPr/>
+                </a:tc>
+                <a:tc>
+                  <a:txBody>
+                    <a:bodyPr/>
+                    <a:lstStyle/>
+                    <a:p>
+                      <a:pPr algn="ctr" latinLnBrk="1"/>
+                      <a:endParaRPr lang="en-US" altLang="ko-KR" dirty="0" smtClean="0"/>
+                    </a:p>
+                    <a:p>
+                      <a:pPr algn="ctr" latinLnBrk="1"/>
+                      <a:r>
+                        <a:rPr lang="en-US" altLang="ko-KR" dirty="0" err="1" smtClean="0"/>
+                        <a:t>Git</a:t>
+                      </a:r>
+                      <a:r>
+                        <a:rPr lang="en-US" altLang="ko-KR" baseline="0" dirty="0" smtClean="0"/>
+                        <a:t> Hub</a:t>
+                      </a:r>
+                      <a:endParaRPr lang="ko-KR" altLang="en-US" dirty="0"/>
+                    </a:p>
+                  </a:txBody>
+                  <a:tcPr/>
+                </a:tc>
+                <a:extLst>
+                  <a:ext uri="{0D108BD9-81ED-4DB2-BD59-A6C34878D82A}">
+                    <a16:rowId xmlns:a16="http://schemas.microsoft.com/office/drawing/2014/main" val="3244293943"/>
+                  </a:ext>
+                </a:extLst>
+              </a:tr>
+              <a:tr h="986214">
+                <a:tc>
+                  <a:txBody>
+                    <a:bodyPr/>
+                    <a:lstStyle/>
+                    <a:p>
+                      <a:pPr algn="ctr" latinLnBrk="1"/>
+                      <a:endParaRPr lang="en-US" altLang="ko-KR" dirty="0" smtClean="0"/>
+                    </a:p>
+                    <a:p>
+                      <a:pPr algn="ctr" latinLnBrk="1"/>
+                      <a:r>
+                        <a:rPr lang="en-US" altLang="ko-KR" dirty="0" smtClean="0"/>
+                        <a:t>22H2</a:t>
+                      </a:r>
+                      <a:endParaRPr lang="ko-KR" altLang="en-US" dirty="0"/>
+                    </a:p>
+                  </a:txBody>
+                  <a:tcPr/>
+                </a:tc>
+                <a:tc>
+                  <a:txBody>
+                    <a:bodyPr/>
+                    <a:lstStyle/>
+                    <a:p>
+                      <a:pPr marL="0" marR="0" indent="0" algn="ctr" defTabSz="914400" rtl="0" eaLnBrk="1" fontAlgn="auto" latinLnBrk="1" hangingPunct="1">
+                        <a:lnSpc>
+                          <a:spcPct val="100000"/>
+                        </a:lnSpc>
+                        <a:spcBef>
+                          <a:spcPts val="0"/>
+                        </a:spcBef>
+                        <a:spcAft>
+                          <a:spcPts val="0"/>
+                        </a:spcAft>
+                        <a:buClrTx/>
+                        <a:buSzTx/>
+                        <a:buFontTx/>
+                        <a:buNone/>
+                        <a:tabLst/>
+                        <a:defRPr/>
+                      </a:pPr>
+                      <a:endParaRPr lang="en-US" altLang="ko-KR" dirty="0" smtClean="0"/>
+                    </a:p>
+                    <a:p>
+                      <a:pPr marL="0" marR="0" indent="0" algn="ctr" defTabSz="914400" rtl="0" eaLnBrk="1" fontAlgn="auto" latinLnBrk="1" hangingPunct="1">
+                        <a:lnSpc>
+                          <a:spcPct val="100000"/>
+                        </a:lnSpc>
+                        <a:spcBef>
+                          <a:spcPts val="0"/>
+                        </a:spcBef>
+                        <a:spcAft>
+                          <a:spcPts val="0"/>
+                        </a:spcAft>
+                        <a:buClrTx/>
+                        <a:buSzTx/>
+                        <a:buFontTx/>
+                        <a:buNone/>
+                        <a:tabLst/>
+                        <a:defRPr/>
+                      </a:pPr>
+                      <a:r>
+                        <a:rPr lang="en-US" altLang="ko-KR" dirty="0" smtClean="0"/>
+                        <a:t>4.7.2</a:t>
+                      </a:r>
+                      <a:endParaRPr lang="ko-KR" altLang="en-US" dirty="0" smtClean="0"/>
+                    </a:p>
+                    <a:p>
+                      <a:pPr algn="ctr" latinLnBrk="1"/>
+                      <a:endParaRPr lang="ko-KR" altLang="en-US" dirty="0"/>
+                    </a:p>
+                  </a:txBody>
+                  <a:tcPr/>
+                </a:tc>
+                <a:tc>
+                  <a:txBody>
+                    <a:bodyPr/>
+                    <a:lstStyle/>
+                    <a:p>
+                      <a:pPr algn="ctr" latinLnBrk="1"/>
+                      <a:endParaRPr lang="en-US" altLang="ko-KR" dirty="0" smtClean="0"/>
+                    </a:p>
+                    <a:p>
+                      <a:pPr algn="ctr" latinLnBrk="1"/>
+                      <a:r>
+                        <a:rPr lang="en-US" altLang="ko-KR" dirty="0" smtClean="0"/>
+                        <a:t>11.0.19.0</a:t>
+                      </a:r>
+                      <a:endParaRPr lang="ko-KR" altLang="en-US" dirty="0"/>
+                    </a:p>
+                  </a:txBody>
+                  <a:tcPr/>
+                </a:tc>
+                <a:tc>
+                  <a:txBody>
+                    <a:bodyPr/>
+                    <a:lstStyle/>
+                    <a:p>
+                      <a:pPr algn="ctr" latinLnBrk="1"/>
+                      <a:endParaRPr lang="en-US" altLang="ko-KR" dirty="0" smtClean="0"/>
+                    </a:p>
+                    <a:p>
+                      <a:pPr algn="ctr" latinLnBrk="1"/>
+                      <a:r>
+                        <a:rPr lang="en-US" altLang="ko-KR" dirty="0" smtClean="0"/>
+                        <a:t>17</a:t>
+                      </a:r>
+                      <a:endParaRPr lang="ko-KR" altLang="en-US" dirty="0"/>
+                    </a:p>
+                  </a:txBody>
+                  <a:tcPr/>
+                </a:tc>
+                <a:tc>
+                  <a:txBody>
+                    <a:bodyPr/>
+                    <a:lstStyle/>
+                    <a:p>
+                      <a:pPr algn="ctr" latinLnBrk="1"/>
+                      <a:endParaRPr lang="en-US" altLang="ko-KR" dirty="0" smtClean="0"/>
+                    </a:p>
+                    <a:p>
+                      <a:pPr algn="ctr" latinLnBrk="1"/>
+                      <a:r>
+                        <a:rPr lang="en-US" altLang="ko-KR" dirty="0" smtClean="0"/>
+                        <a:t>21</a:t>
+                      </a:r>
+                      <a:endParaRPr lang="ko-KR" altLang="en-US" dirty="0"/>
+                    </a:p>
+                  </a:txBody>
+                  <a:tcPr/>
+                </a:tc>
+                <a:tc>
+                  <a:txBody>
+                    <a:bodyPr/>
+                    <a:lstStyle/>
+                    <a:p>
+                      <a:pPr algn="ctr" latinLnBrk="1"/>
+                      <a:endParaRPr lang="en-US" altLang="ko-KR" dirty="0" smtClean="0"/>
+                    </a:p>
+                    <a:p>
+                      <a:pPr algn="ctr" latinLnBrk="1"/>
+                      <a:r>
+                        <a:rPr lang="en-US" altLang="ko-KR" dirty="0" smtClean="0"/>
+                        <a:t>23.1.0</a:t>
+                      </a:r>
+                      <a:endParaRPr lang="ko-KR" altLang="en-US" dirty="0"/>
+                    </a:p>
+                  </a:txBody>
+                  <a:tcPr/>
+                </a:tc>
+                <a:tc>
+                  <a:txBody>
+                    <a:bodyPr/>
+                    <a:lstStyle/>
+                    <a:p>
+                      <a:pPr algn="ctr" latinLnBrk="1"/>
+                      <a:endParaRPr lang="en-US" altLang="ko-KR" dirty="0" smtClean="0"/>
+                    </a:p>
+                    <a:p>
+                      <a:pPr algn="ctr" latinLnBrk="1"/>
+                      <a:r>
+                        <a:rPr lang="en-US" altLang="ko-KR" dirty="0" smtClean="0"/>
+                        <a:t>2.10</a:t>
+                      </a:r>
+                      <a:endParaRPr lang="ko-KR" altLang="en-US" dirty="0"/>
+                    </a:p>
+                  </a:txBody>
+                  <a:tcPr/>
+                </a:tc>
+                <a:tc>
+                  <a:txBody>
+                    <a:bodyPr/>
+                    <a:lstStyle/>
+                    <a:p>
+                      <a:pPr algn="ctr" latinLnBrk="1"/>
+                      <a:endParaRPr lang="en-US" altLang="ko-KR" dirty="0" smtClean="0"/>
+                    </a:p>
+                    <a:p>
+                      <a:pPr algn="ctr" latinLnBrk="1"/>
+                      <a:r>
+                        <a:rPr lang="en-US" altLang="ko-KR" dirty="0" smtClean="0"/>
+                        <a:t>X</a:t>
+                      </a:r>
+                      <a:endParaRPr lang="ko-KR" altLang="en-US" dirty="0"/>
+                    </a:p>
+                  </a:txBody>
+                  <a:tcPr/>
+                </a:tc>
+                <a:extLst>
+                  <a:ext uri="{0D108BD9-81ED-4DB2-BD59-A6C34878D82A}">
+                    <a16:rowId xmlns:a16="http://schemas.microsoft.com/office/drawing/2014/main" val="310749767"/>
+                  </a:ext>
+                </a:extLst>
+              </a:tr>
+            </a:tbl>
+          </a:graphicData>
+        </a:graphic>
+      </p:graphicFrame>
+      <p:pic>
+        <p:nvPicPr>
+          <p:cNvPr id="7" name="그림 6"/>
+          <p:cNvPicPr>
+            <a:picLocks noChangeAspect="1"/>
+          </p:cNvPicPr>
+          <p:nvPr/>
+        </p:nvPicPr>
+        <p:blipFill>
+          <a:blip r:embed="rId9">
+            <a:extLst>
+              <a:ext uri="{28A0092B-C50C-407E-A947-70E740481C1C}">
+                <a14:useLocalDpi xmlns:a14="http://schemas.microsoft.com/office/drawing/2010/main" val="0"/>
+              </a:ext>
+            </a:extLst>
+          </a:blip>
+          <a:stretch>
+            <a:fillRect/>
+          </a:stretch>
+        </p:blipFill>
+        <p:spPr>
+          <a:xfrm>
+            <a:off x="49532" y="1986455"/>
+            <a:ext cx="1311007" cy="1311007"/>
           </a:xfrm>
           <a:prstGeom prst="rect">
             <a:avLst/>
@@ -3675,7 +7374,7 @@
         </p:nvSpPr>
         <p:spPr>
           <a:xfrm>
-            <a:off x="368967" y="665163"/>
+            <a:off x="148961" y="0"/>
             <a:ext cx="4628149" cy="1027279"/>
           </a:xfrm>
         </p:spPr>
@@ -3686,29 +7385,2841 @@
           <a:lstStyle/>
           <a:p>
             <a:r>
-              <a:rPr lang="ko-KR" altLang="en-US" smtClean="0"/>
+              <a:rPr lang="ko-KR" altLang="en-US" dirty="0" smtClean="0"/>
               <a:t>프로젝트 일정</a:t>
             </a:r>
             <a:endParaRPr lang="ko-KR" altLang="en-US" dirty="0"/>
           </a:p>
         </p:txBody>
       </p:sp>
-      <p:sp>
-        <p:nvSpPr>
-          <p:cNvPr id="5" name="부제목 4"/>
-          <p:cNvSpPr>
-            <a:spLocks noGrp="1"/>
-          </p:cNvSpPr>
+      <p:graphicFrame>
+        <p:nvGraphicFramePr>
+          <p:cNvPr id="6" name="표 5">
+            <a:extLst>
+              <a:ext uri="{FF2B5EF4-FFF2-40B4-BE49-F238E27FC236}">
+                <a16:creationId xmlns:a16="http://schemas.microsoft.com/office/drawing/2014/main" id="{E54EF835-6F6C-4597-8A78-1B4224893FA1}"/>
+              </a:ext>
+            </a:extLst>
+          </p:cNvPr>
+          <p:cNvGraphicFramePr>
+            <a:graphicFrameLocks noGrp="1"/>
+          </p:cNvGraphicFramePr>
           <p:nvPr>
-            <p:ph type="subTitle" idx="1"/>
+            <p:extLst>
+              <p:ext uri="{D42A27DB-BD31-4B8C-83A1-F6EECF244321}">
+                <p14:modId xmlns:p14="http://schemas.microsoft.com/office/powerpoint/2010/main" val="1096315595"/>
+              </p:ext>
+            </p:extLst>
           </p:nvPr>
-        </p:nvSpPr>
-        <p:spPr/>
-        <p:txBody>
-          <a:bodyPr/>
+        </p:nvGraphicFramePr>
+        <p:xfrm>
+          <a:off x="0" y="946482"/>
+          <a:ext cx="12191997" cy="5911515"/>
+        </p:xfrm>
+        <a:graphic>
+          <a:graphicData uri="http://schemas.openxmlformats.org/drawingml/2006/table">
+            <a:tbl>
+              <a:tblPr firstRow="1" bandRow="1">
+                <a:tableStyleId>{5C22544A-7EE6-4342-B048-85BDC9FD1C3A}</a:tableStyleId>
+              </a:tblPr>
+              <a:tblGrid>
+                <a:gridCol w="2991148">
+                  <a:extLst>
+                    <a:ext uri="{9D8B030D-6E8A-4147-A177-3AD203B41FA5}">
+                      <a16:colId xmlns:a16="http://schemas.microsoft.com/office/drawing/2014/main" val="1364843148"/>
+                    </a:ext>
+                  </a:extLst>
+                </a:gridCol>
+                <a:gridCol w="920085">
+                  <a:extLst>
+                    <a:ext uri="{9D8B030D-6E8A-4147-A177-3AD203B41FA5}">
+                      <a16:colId xmlns:a16="http://schemas.microsoft.com/office/drawing/2014/main" val="1294437965"/>
+                    </a:ext>
+                  </a:extLst>
+                </a:gridCol>
+                <a:gridCol w="920085">
+                  <a:extLst>
+                    <a:ext uri="{9D8B030D-6E8A-4147-A177-3AD203B41FA5}">
+                      <a16:colId xmlns:a16="http://schemas.microsoft.com/office/drawing/2014/main" val="623188565"/>
+                    </a:ext>
+                  </a:extLst>
+                </a:gridCol>
+                <a:gridCol w="920085">
+                  <a:extLst>
+                    <a:ext uri="{9D8B030D-6E8A-4147-A177-3AD203B41FA5}">
+                      <a16:colId xmlns:a16="http://schemas.microsoft.com/office/drawing/2014/main" val="3169909634"/>
+                    </a:ext>
+                  </a:extLst>
+                </a:gridCol>
+                <a:gridCol w="917418">
+                  <a:extLst>
+                    <a:ext uri="{9D8B030D-6E8A-4147-A177-3AD203B41FA5}">
+                      <a16:colId xmlns:a16="http://schemas.microsoft.com/office/drawing/2014/main" val="470602459"/>
+                    </a:ext>
+                  </a:extLst>
+                </a:gridCol>
+                <a:gridCol w="922751">
+                  <a:extLst>
+                    <a:ext uri="{9D8B030D-6E8A-4147-A177-3AD203B41FA5}">
+                      <a16:colId xmlns:a16="http://schemas.microsoft.com/office/drawing/2014/main" val="256743802"/>
+                    </a:ext>
+                  </a:extLst>
+                </a:gridCol>
+                <a:gridCol w="920085">
+                  <a:extLst>
+                    <a:ext uri="{9D8B030D-6E8A-4147-A177-3AD203B41FA5}">
+                      <a16:colId xmlns:a16="http://schemas.microsoft.com/office/drawing/2014/main" val="2532097863"/>
+                    </a:ext>
+                  </a:extLst>
+                </a:gridCol>
+                <a:gridCol w="920085">
+                  <a:extLst>
+                    <a:ext uri="{9D8B030D-6E8A-4147-A177-3AD203B41FA5}">
+                      <a16:colId xmlns:a16="http://schemas.microsoft.com/office/drawing/2014/main" val="115240132"/>
+                    </a:ext>
+                  </a:extLst>
+                </a:gridCol>
+                <a:gridCol w="920085">
+                  <a:extLst>
+                    <a:ext uri="{9D8B030D-6E8A-4147-A177-3AD203B41FA5}">
+                      <a16:colId xmlns:a16="http://schemas.microsoft.com/office/drawing/2014/main" val="776606010"/>
+                    </a:ext>
+                  </a:extLst>
+                </a:gridCol>
+                <a:gridCol w="920085">
+                  <a:extLst>
+                    <a:ext uri="{9D8B030D-6E8A-4147-A177-3AD203B41FA5}">
+                      <a16:colId xmlns:a16="http://schemas.microsoft.com/office/drawing/2014/main" val="886604305"/>
+                    </a:ext>
+                  </a:extLst>
+                </a:gridCol>
+                <a:gridCol w="920085">
+                  <a:extLst>
+                    <a:ext uri="{9D8B030D-6E8A-4147-A177-3AD203B41FA5}">
+                      <a16:colId xmlns:a16="http://schemas.microsoft.com/office/drawing/2014/main" val="1180581372"/>
+                    </a:ext>
+                  </a:extLst>
+                </a:gridCol>
+              </a:tblGrid>
+              <a:tr h="536649">
+                <a:tc>
+                  <a:txBody>
+                    <a:bodyPr/>
+                    <a:lstStyle/>
+                    <a:p>
+                      <a:pPr latinLnBrk="1"/>
+                      <a:r>
+                        <a:rPr lang="ko-KR" altLang="en-US" dirty="0"/>
+                        <a:t>주차</a:t>
+                      </a:r>
+                    </a:p>
+                  </a:txBody>
+                  <a:tcPr/>
+                </a:tc>
+                <a:tc>
+                  <a:txBody>
+                    <a:bodyPr/>
+                    <a:lstStyle/>
+                    <a:p>
+                      <a:pPr latinLnBrk="1"/>
+                      <a:r>
+                        <a:rPr lang="en-US" altLang="ko-KR" sz="1300" dirty="0"/>
+                        <a:t>1</a:t>
+                      </a:r>
+                    </a:p>
+                    <a:p>
+                      <a:pPr latinLnBrk="1"/>
+                      <a:r>
+                        <a:rPr lang="en-US" altLang="ko-KR" sz="1100" dirty="0" smtClean="0"/>
+                        <a:t>6.12~15</a:t>
+                      </a:r>
+                      <a:endParaRPr lang="ko-KR" altLang="en-US" sz="1100" dirty="0"/>
+                    </a:p>
+                  </a:txBody>
+                  <a:tcPr/>
+                </a:tc>
+                <a:tc>
+                  <a:txBody>
+                    <a:bodyPr/>
+                    <a:lstStyle/>
+                    <a:p>
+                      <a:pPr latinLnBrk="1"/>
+                      <a:r>
+                        <a:rPr lang="en-US" altLang="ko-KR" sz="1300" dirty="0"/>
+                        <a:t>2</a:t>
+                      </a:r>
+                    </a:p>
+                    <a:p>
+                      <a:pPr latinLnBrk="1"/>
+                      <a:r>
+                        <a:rPr lang="en-US" altLang="ko-KR" sz="1000" dirty="0" smtClean="0"/>
+                        <a:t>6.16~6.20</a:t>
+                      </a:r>
+                      <a:endParaRPr lang="ko-KR" altLang="en-US" sz="1000" dirty="0"/>
+                    </a:p>
+                  </a:txBody>
+                  <a:tcPr/>
+                </a:tc>
+                <a:tc>
+                  <a:txBody>
+                    <a:bodyPr/>
+                    <a:lstStyle/>
+                    <a:p>
+                      <a:pPr latinLnBrk="1"/>
+                      <a:r>
+                        <a:rPr lang="en-US" altLang="ko-KR" sz="1300" dirty="0" smtClean="0"/>
+                        <a:t>3</a:t>
+                      </a:r>
+                      <a:endParaRPr lang="en-US" altLang="ko-KR" sz="1300" dirty="0"/>
+                    </a:p>
+                    <a:p>
+                      <a:pPr latinLnBrk="1"/>
+                      <a:r>
+                        <a:rPr lang="en-US" altLang="ko-KR" sz="1000" dirty="0" smtClean="0"/>
+                        <a:t>6.20~6.21</a:t>
+                      </a:r>
+                      <a:endParaRPr lang="en-US" altLang="ko-KR" sz="1000" dirty="0"/>
+                    </a:p>
+                  </a:txBody>
+                  <a:tcPr/>
+                </a:tc>
+                <a:tc>
+                  <a:txBody>
+                    <a:bodyPr/>
+                    <a:lstStyle/>
+                    <a:p>
+                      <a:pPr latinLnBrk="1"/>
+                      <a:r>
+                        <a:rPr lang="en-US" altLang="ko-KR" sz="1300" dirty="0"/>
+                        <a:t>4</a:t>
+                      </a:r>
+                    </a:p>
+                    <a:p>
+                      <a:pPr latinLnBrk="1"/>
+                      <a:r>
+                        <a:rPr lang="en-US" altLang="ko-KR" sz="1000" dirty="0" smtClean="0"/>
+                        <a:t>6.21~6.22</a:t>
+                      </a:r>
+                      <a:endParaRPr lang="ko-KR" altLang="en-US" sz="1000" dirty="0"/>
+                    </a:p>
+                  </a:txBody>
+                  <a:tcPr/>
+                </a:tc>
+                <a:tc>
+                  <a:txBody>
+                    <a:bodyPr/>
+                    <a:lstStyle/>
+                    <a:p>
+                      <a:pPr latinLnBrk="1"/>
+                      <a:r>
+                        <a:rPr lang="en-US" altLang="ko-KR" sz="1300" dirty="0"/>
+                        <a:t>5</a:t>
+                      </a:r>
+                    </a:p>
+                    <a:p>
+                      <a:pPr latinLnBrk="1"/>
+                      <a:r>
+                        <a:rPr lang="en-US" altLang="ko-KR" sz="1000" dirty="0" smtClean="0"/>
+                        <a:t>6.22~6.25</a:t>
+                      </a:r>
+                      <a:endParaRPr lang="ko-KR" altLang="en-US" sz="1000" dirty="0"/>
+                    </a:p>
+                  </a:txBody>
+                  <a:tcPr/>
+                </a:tc>
+                <a:tc>
+                  <a:txBody>
+                    <a:bodyPr/>
+                    <a:lstStyle/>
+                    <a:p>
+                      <a:pPr latinLnBrk="1"/>
+                      <a:r>
+                        <a:rPr lang="en-US" altLang="ko-KR" sz="1300" dirty="0"/>
+                        <a:t>6</a:t>
+                      </a:r>
+                    </a:p>
+                    <a:p>
+                      <a:pPr latinLnBrk="1"/>
+                      <a:r>
+                        <a:rPr lang="en-US" altLang="ko-KR" sz="1000" dirty="0" smtClean="0"/>
+                        <a:t>6.25~6.28</a:t>
+                      </a:r>
+                    </a:p>
+                  </a:txBody>
+                  <a:tcPr/>
+                </a:tc>
+                <a:tc>
+                  <a:txBody>
+                    <a:bodyPr/>
+                    <a:lstStyle/>
+                    <a:p>
+                      <a:pPr latinLnBrk="1"/>
+                      <a:r>
+                        <a:rPr lang="en-US" altLang="ko-KR" sz="1300" dirty="0"/>
+                        <a:t>7</a:t>
+                      </a:r>
+                    </a:p>
+                    <a:p>
+                      <a:pPr latinLnBrk="1"/>
+                      <a:r>
+                        <a:rPr lang="en-US" altLang="ko-KR" sz="1000" dirty="0" smtClean="0"/>
+                        <a:t>6.28~7.0</a:t>
+                      </a:r>
+                      <a:r>
+                        <a:rPr lang="en-US" altLang="ko-KR" sz="1000" dirty="0"/>
+                        <a:t>3</a:t>
+                      </a:r>
+                      <a:endParaRPr lang="en-US" altLang="ko-KR" sz="1000" dirty="0" smtClean="0"/>
+                    </a:p>
+                  </a:txBody>
+                  <a:tcPr/>
+                </a:tc>
+                <a:tc>
+                  <a:txBody>
+                    <a:bodyPr/>
+                    <a:lstStyle/>
+                    <a:p>
+                      <a:pPr latinLnBrk="1"/>
+                      <a:r>
+                        <a:rPr lang="en-US" altLang="ko-KR" sz="1300" dirty="0"/>
+                        <a:t>8</a:t>
+                      </a:r>
+                    </a:p>
+                    <a:p>
+                      <a:pPr latinLnBrk="1"/>
+                      <a:r>
+                        <a:rPr lang="en-US" altLang="ko-KR" sz="1000" dirty="0" smtClean="0"/>
+                        <a:t>7.03~7.05</a:t>
+                      </a:r>
+                      <a:endParaRPr lang="ko-KR" altLang="en-US" sz="1000" dirty="0"/>
+                    </a:p>
+                  </a:txBody>
+                  <a:tcPr/>
+                </a:tc>
+                <a:tc>
+                  <a:txBody>
+                    <a:bodyPr/>
+                    <a:lstStyle/>
+                    <a:p>
+                      <a:pPr latinLnBrk="1"/>
+                      <a:r>
+                        <a:rPr lang="en-US" altLang="ko-KR" sz="1300" dirty="0"/>
+                        <a:t>9</a:t>
+                      </a:r>
+                    </a:p>
+                    <a:p>
+                      <a:pPr latinLnBrk="1"/>
+                      <a:r>
+                        <a:rPr lang="en-US" altLang="ko-KR" sz="1000" dirty="0" smtClean="0"/>
+                        <a:t>7.05~7.09</a:t>
+                      </a:r>
+                      <a:endParaRPr lang="ko-KR" altLang="en-US" sz="1000" dirty="0"/>
+                    </a:p>
+                  </a:txBody>
+                  <a:tcPr/>
+                </a:tc>
+                <a:tc>
+                  <a:txBody>
+                    <a:bodyPr/>
+                    <a:lstStyle/>
+                    <a:p>
+                      <a:pPr latinLnBrk="1"/>
+                      <a:r>
+                        <a:rPr lang="en-US" altLang="ko-KR" sz="1300" dirty="0"/>
+                        <a:t>10</a:t>
+                      </a:r>
+                    </a:p>
+                    <a:p>
+                      <a:pPr latinLnBrk="1"/>
+                      <a:r>
+                        <a:rPr lang="en-US" altLang="ko-KR" sz="1000" dirty="0" smtClean="0"/>
+                        <a:t>7.09~7.10</a:t>
+                      </a:r>
+                      <a:endParaRPr lang="ko-KR" altLang="en-US" sz="1000" dirty="0"/>
+                    </a:p>
+                  </a:txBody>
+                  <a:tcPr/>
+                </a:tc>
+                <a:extLst>
+                  <a:ext uri="{0D108BD9-81ED-4DB2-BD59-A6C34878D82A}">
+                    <a16:rowId xmlns:a16="http://schemas.microsoft.com/office/drawing/2014/main" val="1215805426"/>
+                  </a:ext>
+                </a:extLst>
+              </a:tr>
+              <a:tr h="378910">
+                <a:tc>
+                  <a:txBody>
+                    <a:bodyPr/>
+                    <a:lstStyle/>
+                    <a:p>
+                      <a:pPr latinLnBrk="1"/>
+                      <a:r>
+                        <a:rPr lang="ko-KR" altLang="en-US" sz="1600" dirty="0" smtClean="0"/>
+                        <a:t>아이디어 구성하기</a:t>
+                      </a:r>
+                      <a:endParaRPr lang="ko-KR" altLang="en-US" sz="1600" dirty="0"/>
+                    </a:p>
+                  </a:txBody>
+                  <a:tcPr/>
+                </a:tc>
+                <a:tc>
+                  <a:txBody>
+                    <a:bodyPr/>
+                    <a:lstStyle/>
+                    <a:p>
+                      <a:pPr latinLnBrk="1"/>
+                      <a:endParaRPr lang="ko-KR" altLang="en-US" sz="1600" dirty="0"/>
+                    </a:p>
+                  </a:txBody>
+                  <a:tcPr>
+                    <a:solidFill>
+                      <a:srgbClr val="5B9BD5"/>
+                    </a:solidFill>
+                  </a:tcPr>
+                </a:tc>
+                <a:tc>
+                  <a:txBody>
+                    <a:bodyPr/>
+                    <a:lstStyle/>
+                    <a:p>
+                      <a:pPr latinLnBrk="1"/>
+                      <a:endParaRPr lang="ko-KR" altLang="en-US" sz="1600" dirty="0"/>
+                    </a:p>
+                  </a:txBody>
+                  <a:tcPr>
+                    <a:solidFill>
+                      <a:srgbClr val="D2DEEF"/>
+                    </a:solidFill>
+                  </a:tcPr>
+                </a:tc>
+                <a:tc>
+                  <a:txBody>
+                    <a:bodyPr/>
+                    <a:lstStyle/>
+                    <a:p>
+                      <a:pPr latinLnBrk="1"/>
+                      <a:endParaRPr lang="ko-KR" altLang="en-US" sz="1600" dirty="0"/>
+                    </a:p>
+                  </a:txBody>
+                  <a:tcPr>
+                    <a:solidFill>
+                      <a:srgbClr val="D2DEEF"/>
+                    </a:solidFill>
+                  </a:tcPr>
+                </a:tc>
+                <a:tc>
+                  <a:txBody>
+                    <a:bodyPr/>
+                    <a:lstStyle/>
+                    <a:p>
+                      <a:pPr latinLnBrk="1"/>
+                      <a:endParaRPr lang="ko-KR" altLang="en-US" sz="1600" dirty="0"/>
+                    </a:p>
+                  </a:txBody>
+                  <a:tcPr>
+                    <a:solidFill>
+                      <a:srgbClr val="D2DEEF"/>
+                    </a:solidFill>
+                  </a:tcPr>
+                </a:tc>
+                <a:tc>
+                  <a:txBody>
+                    <a:bodyPr/>
+                    <a:lstStyle/>
+                    <a:p>
+                      <a:pPr latinLnBrk="1"/>
+                      <a:endParaRPr lang="ko-KR" altLang="en-US" sz="1600" dirty="0"/>
+                    </a:p>
+                  </a:txBody>
+                  <a:tcPr/>
+                </a:tc>
+                <a:tc>
+                  <a:txBody>
+                    <a:bodyPr/>
+                    <a:lstStyle/>
+                    <a:p>
+                      <a:pPr latinLnBrk="1"/>
+                      <a:endParaRPr lang="ko-KR" altLang="en-US" sz="1600" dirty="0"/>
+                    </a:p>
+                  </a:txBody>
+                  <a:tcPr/>
+                </a:tc>
+                <a:tc>
+                  <a:txBody>
+                    <a:bodyPr/>
+                    <a:lstStyle/>
+                    <a:p>
+                      <a:pPr latinLnBrk="1"/>
+                      <a:endParaRPr lang="ko-KR" altLang="en-US" sz="1600" dirty="0"/>
+                    </a:p>
+                  </a:txBody>
+                  <a:tcPr/>
+                </a:tc>
+                <a:tc>
+                  <a:txBody>
+                    <a:bodyPr/>
+                    <a:lstStyle/>
+                    <a:p>
+                      <a:pPr latinLnBrk="1"/>
+                      <a:endParaRPr lang="ko-KR" altLang="en-US" sz="1600" dirty="0"/>
+                    </a:p>
+                  </a:txBody>
+                  <a:tcPr/>
+                </a:tc>
+                <a:tc>
+                  <a:txBody>
+                    <a:bodyPr/>
+                    <a:lstStyle/>
+                    <a:p>
+                      <a:pPr latinLnBrk="1"/>
+                      <a:endParaRPr lang="ko-KR" altLang="en-US" sz="1600" dirty="0"/>
+                    </a:p>
+                  </a:txBody>
+                  <a:tcPr/>
+                </a:tc>
+                <a:tc>
+                  <a:txBody>
+                    <a:bodyPr/>
+                    <a:lstStyle/>
+                    <a:p>
+                      <a:pPr latinLnBrk="1"/>
+                      <a:endParaRPr lang="ko-KR" altLang="en-US" sz="1600" dirty="0"/>
+                    </a:p>
+                  </a:txBody>
+                  <a:tcPr/>
+                </a:tc>
+                <a:extLst>
+                  <a:ext uri="{0D108BD9-81ED-4DB2-BD59-A6C34878D82A}">
+                    <a16:rowId xmlns:a16="http://schemas.microsoft.com/office/drawing/2014/main" val="2666746422"/>
+                  </a:ext>
+                </a:extLst>
+              </a:tr>
+              <a:tr h="378910">
+                <a:tc>
+                  <a:txBody>
+                    <a:bodyPr/>
+                    <a:lstStyle/>
+                    <a:p>
+                      <a:pPr latinLnBrk="1"/>
+                      <a:r>
+                        <a:rPr lang="ko-KR" altLang="en-US" sz="1600" dirty="0" smtClean="0"/>
+                        <a:t>와이어 프레임 구성</a:t>
+                      </a:r>
+                      <a:endParaRPr lang="ko-KR" altLang="en-US" sz="1600" dirty="0"/>
+                    </a:p>
+                  </a:txBody>
+                  <a:tcPr/>
+                </a:tc>
+                <a:tc>
+                  <a:txBody>
+                    <a:bodyPr/>
+                    <a:lstStyle/>
+                    <a:p>
+                      <a:pPr latinLnBrk="1"/>
+                      <a:endParaRPr lang="ko-KR" altLang="en-US" sz="1600" dirty="0"/>
+                    </a:p>
+                  </a:txBody>
+                  <a:tcPr>
+                    <a:solidFill>
+                      <a:srgbClr val="5B9BD5"/>
+                    </a:solidFill>
+                  </a:tcPr>
+                </a:tc>
+                <a:tc>
+                  <a:txBody>
+                    <a:bodyPr/>
+                    <a:lstStyle/>
+                    <a:p>
+                      <a:pPr latinLnBrk="1"/>
+                      <a:endParaRPr lang="ko-KR" altLang="en-US" sz="1600" dirty="0"/>
+                    </a:p>
+                  </a:txBody>
+                  <a:tcPr>
+                    <a:solidFill>
+                      <a:srgbClr val="EAEFF7"/>
+                    </a:solidFill>
+                  </a:tcPr>
+                </a:tc>
+                <a:tc>
+                  <a:txBody>
+                    <a:bodyPr/>
+                    <a:lstStyle/>
+                    <a:p>
+                      <a:pPr latinLnBrk="1"/>
+                      <a:endParaRPr lang="ko-KR" altLang="en-US" sz="1600" dirty="0"/>
+                    </a:p>
+                  </a:txBody>
+                  <a:tcPr>
+                    <a:solidFill>
+                      <a:srgbClr val="EAEFF7"/>
+                    </a:solidFill>
+                  </a:tcPr>
+                </a:tc>
+                <a:tc>
+                  <a:txBody>
+                    <a:bodyPr/>
+                    <a:lstStyle/>
+                    <a:p>
+                      <a:pPr latinLnBrk="1"/>
+                      <a:endParaRPr lang="ko-KR" altLang="en-US" sz="1600" dirty="0"/>
+                    </a:p>
+                  </a:txBody>
+                  <a:tcPr>
+                    <a:solidFill>
+                      <a:srgbClr val="EAEFF7"/>
+                    </a:solidFill>
+                  </a:tcPr>
+                </a:tc>
+                <a:tc>
+                  <a:txBody>
+                    <a:bodyPr/>
+                    <a:lstStyle/>
+                    <a:p>
+                      <a:pPr latinLnBrk="1"/>
+                      <a:endParaRPr lang="ko-KR" altLang="en-US" sz="1600" dirty="0"/>
+                    </a:p>
+                  </a:txBody>
+                  <a:tcPr/>
+                </a:tc>
+                <a:tc>
+                  <a:txBody>
+                    <a:bodyPr/>
+                    <a:lstStyle/>
+                    <a:p>
+                      <a:pPr latinLnBrk="1"/>
+                      <a:endParaRPr lang="ko-KR" altLang="en-US" sz="1600" dirty="0"/>
+                    </a:p>
+                  </a:txBody>
+                  <a:tcPr>
+                    <a:solidFill>
+                      <a:srgbClr val="EAEFF7"/>
+                    </a:solidFill>
+                  </a:tcPr>
+                </a:tc>
+                <a:tc>
+                  <a:txBody>
+                    <a:bodyPr/>
+                    <a:lstStyle/>
+                    <a:p>
+                      <a:pPr latinLnBrk="1"/>
+                      <a:endParaRPr lang="ko-KR" altLang="en-US" sz="1600" dirty="0"/>
+                    </a:p>
+                  </a:txBody>
+                  <a:tcPr/>
+                </a:tc>
+                <a:tc>
+                  <a:txBody>
+                    <a:bodyPr/>
+                    <a:lstStyle/>
+                    <a:p>
+                      <a:pPr latinLnBrk="1"/>
+                      <a:endParaRPr lang="ko-KR" altLang="en-US" sz="1600" dirty="0"/>
+                    </a:p>
+                  </a:txBody>
+                  <a:tcPr/>
+                </a:tc>
+                <a:tc>
+                  <a:txBody>
+                    <a:bodyPr/>
+                    <a:lstStyle/>
+                    <a:p>
+                      <a:pPr latinLnBrk="1"/>
+                      <a:endParaRPr lang="ko-KR" altLang="en-US" sz="1600" dirty="0"/>
+                    </a:p>
+                  </a:txBody>
+                  <a:tcPr/>
+                </a:tc>
+                <a:tc>
+                  <a:txBody>
+                    <a:bodyPr/>
+                    <a:lstStyle/>
+                    <a:p>
+                      <a:pPr latinLnBrk="1"/>
+                      <a:endParaRPr lang="ko-KR" altLang="en-US" sz="1600" dirty="0"/>
+                    </a:p>
+                  </a:txBody>
+                  <a:tcPr/>
+                </a:tc>
+                <a:extLst>
+                  <a:ext uri="{0D108BD9-81ED-4DB2-BD59-A6C34878D82A}">
+                    <a16:rowId xmlns:a16="http://schemas.microsoft.com/office/drawing/2014/main" val="3956162745"/>
+                  </a:ext>
+                </a:extLst>
+              </a:tr>
+              <a:tr h="378910">
+                <a:tc>
+                  <a:txBody>
+                    <a:bodyPr/>
+                    <a:lstStyle/>
+                    <a:p>
+                      <a:r>
+                        <a:rPr lang="ko-KR" altLang="en-US" sz="1600" dirty="0" smtClean="0"/>
+                        <a:t>로그인 </a:t>
+                      </a:r>
+                      <a:r>
+                        <a:rPr lang="en-US" altLang="ko-KR" sz="1600" dirty="0" smtClean="0"/>
+                        <a:t>&amp; </a:t>
+                      </a:r>
+                      <a:r>
+                        <a:rPr lang="ko-KR" altLang="en-US" sz="1600" dirty="0" smtClean="0"/>
+                        <a:t>회원가입 구성</a:t>
+                      </a:r>
+                      <a:endParaRPr lang="ko-KR" altLang="en-US" sz="1600" dirty="0"/>
+                    </a:p>
+                  </a:txBody>
+                  <a:tcPr/>
+                </a:tc>
+                <a:tc>
+                  <a:txBody>
+                    <a:bodyPr/>
+                    <a:lstStyle/>
+                    <a:p>
+                      <a:pPr latinLnBrk="1"/>
+                      <a:endParaRPr lang="ko-KR" altLang="en-US" sz="1600" dirty="0"/>
+                    </a:p>
+                  </a:txBody>
+                  <a:tcPr>
+                    <a:solidFill>
+                      <a:schemeClr val="accent6"/>
+                    </a:solidFill>
+                  </a:tcPr>
+                </a:tc>
+                <a:tc>
+                  <a:txBody>
+                    <a:bodyPr/>
+                    <a:lstStyle/>
+                    <a:p>
+                      <a:pPr latinLnBrk="1"/>
+                      <a:endParaRPr lang="ko-KR" altLang="en-US" sz="1600" dirty="0"/>
+                    </a:p>
+                  </a:txBody>
+                  <a:tcPr>
+                    <a:solidFill>
+                      <a:schemeClr val="accent6"/>
+                    </a:solidFill>
+                  </a:tcPr>
+                </a:tc>
+                <a:tc>
+                  <a:txBody>
+                    <a:bodyPr/>
+                    <a:lstStyle/>
+                    <a:p>
+                      <a:pPr latinLnBrk="1"/>
+                      <a:endParaRPr lang="ko-KR" altLang="en-US" sz="1600" dirty="0"/>
+                    </a:p>
+                  </a:txBody>
+                  <a:tcPr>
+                    <a:solidFill>
+                      <a:srgbClr val="D2DEEF"/>
+                    </a:solidFill>
+                  </a:tcPr>
+                </a:tc>
+                <a:tc>
+                  <a:txBody>
+                    <a:bodyPr/>
+                    <a:lstStyle/>
+                    <a:p>
+                      <a:pPr latinLnBrk="1"/>
+                      <a:endParaRPr lang="ko-KR" altLang="en-US" sz="1600" dirty="0"/>
+                    </a:p>
+                  </a:txBody>
+                  <a:tcPr>
+                    <a:solidFill>
+                      <a:srgbClr val="D2DEEF"/>
+                    </a:solidFill>
+                  </a:tcPr>
+                </a:tc>
+                <a:tc>
+                  <a:txBody>
+                    <a:bodyPr/>
+                    <a:lstStyle/>
+                    <a:p>
+                      <a:pPr latinLnBrk="1"/>
+                      <a:endParaRPr lang="ko-KR" altLang="en-US" sz="1600" dirty="0"/>
+                    </a:p>
+                  </a:txBody>
+                  <a:tcPr>
+                    <a:solidFill>
+                      <a:srgbClr val="D2DEEF"/>
+                    </a:solidFill>
+                  </a:tcPr>
+                </a:tc>
+                <a:tc>
+                  <a:txBody>
+                    <a:bodyPr/>
+                    <a:lstStyle/>
+                    <a:p>
+                      <a:pPr latinLnBrk="1"/>
+                      <a:endParaRPr lang="ko-KR" altLang="en-US" sz="1600" dirty="0"/>
+                    </a:p>
+                  </a:txBody>
+                  <a:tcPr/>
+                </a:tc>
+                <a:tc>
+                  <a:txBody>
+                    <a:bodyPr/>
+                    <a:lstStyle/>
+                    <a:p>
+                      <a:pPr latinLnBrk="1"/>
+                      <a:endParaRPr lang="ko-KR" altLang="en-US" sz="1600" dirty="0"/>
+                    </a:p>
+                  </a:txBody>
+                  <a:tcPr/>
+                </a:tc>
+                <a:tc>
+                  <a:txBody>
+                    <a:bodyPr/>
+                    <a:lstStyle/>
+                    <a:p>
+                      <a:pPr latinLnBrk="1"/>
+                      <a:endParaRPr lang="ko-KR" altLang="en-US" sz="1600" dirty="0"/>
+                    </a:p>
+                  </a:txBody>
+                  <a:tcPr/>
+                </a:tc>
+                <a:tc>
+                  <a:txBody>
+                    <a:bodyPr/>
+                    <a:lstStyle/>
+                    <a:p>
+                      <a:pPr latinLnBrk="1"/>
+                      <a:endParaRPr lang="ko-KR" altLang="en-US" sz="1600" dirty="0"/>
+                    </a:p>
+                  </a:txBody>
+                  <a:tcPr/>
+                </a:tc>
+                <a:tc>
+                  <a:txBody>
+                    <a:bodyPr/>
+                    <a:lstStyle/>
+                    <a:p>
+                      <a:pPr latinLnBrk="1"/>
+                      <a:endParaRPr lang="ko-KR" altLang="en-US" sz="1600" dirty="0"/>
+                    </a:p>
+                  </a:txBody>
+                  <a:tcPr/>
+                </a:tc>
+                <a:extLst>
+                  <a:ext uri="{0D108BD9-81ED-4DB2-BD59-A6C34878D82A}">
+                    <a16:rowId xmlns:a16="http://schemas.microsoft.com/office/drawing/2014/main" val="804203866"/>
+                  </a:ext>
+                </a:extLst>
+              </a:tr>
+              <a:tr h="541036">
+                <a:tc>
+                  <a:txBody>
+                    <a:bodyPr/>
+                    <a:lstStyle/>
+                    <a:p>
+                      <a:pPr marL="0" marR="0" indent="0" algn="l" defTabSz="914400" rtl="0" eaLnBrk="1" fontAlgn="auto" latinLnBrk="1" hangingPunct="1">
+                        <a:lnSpc>
+                          <a:spcPct val="100000"/>
+                        </a:lnSpc>
+                        <a:spcBef>
+                          <a:spcPts val="0"/>
+                        </a:spcBef>
+                        <a:spcAft>
+                          <a:spcPts val="0"/>
+                        </a:spcAft>
+                        <a:buClrTx/>
+                        <a:buSzTx/>
+                        <a:buFontTx/>
+                        <a:buNone/>
+                        <a:tabLst/>
+                        <a:defRPr/>
+                      </a:pPr>
+                      <a:r>
+                        <a:rPr lang="ko-KR" altLang="en-US" sz="1600" dirty="0" smtClean="0"/>
+                        <a:t>자바 </a:t>
+                      </a:r>
+                      <a:r>
+                        <a:rPr lang="en-US" altLang="ko-KR" sz="1600" dirty="0" smtClean="0"/>
+                        <a:t>&amp; </a:t>
+                      </a:r>
+                      <a:r>
+                        <a:rPr lang="ko-KR" altLang="en-US" sz="1600" dirty="0" smtClean="0"/>
+                        <a:t>시리얼 포트 연결</a:t>
+                      </a:r>
+                    </a:p>
+                  </a:txBody>
+                  <a:tcPr/>
+                </a:tc>
+                <a:tc>
+                  <a:txBody>
+                    <a:bodyPr/>
+                    <a:lstStyle/>
+                    <a:p>
+                      <a:pPr latinLnBrk="1"/>
+                      <a:endParaRPr lang="ko-KR" altLang="en-US" sz="1600" dirty="0"/>
+                    </a:p>
+                  </a:txBody>
+                  <a:tcPr>
+                    <a:solidFill>
+                      <a:srgbClr val="EAEFF7"/>
+                    </a:solidFill>
+                  </a:tcPr>
+                </a:tc>
+                <a:tc>
+                  <a:txBody>
+                    <a:bodyPr/>
+                    <a:lstStyle/>
+                    <a:p>
+                      <a:pPr latinLnBrk="1"/>
+                      <a:endParaRPr lang="ko-KR" altLang="en-US" sz="1600" dirty="0"/>
+                    </a:p>
+                  </a:txBody>
+                  <a:tcPr/>
+                </a:tc>
+                <a:tc>
+                  <a:txBody>
+                    <a:bodyPr/>
+                    <a:lstStyle/>
+                    <a:p>
+                      <a:pPr latinLnBrk="1"/>
+                      <a:endParaRPr lang="ko-KR" altLang="en-US" sz="1600" dirty="0"/>
+                    </a:p>
+                  </a:txBody>
+                  <a:tcPr>
+                    <a:solidFill>
+                      <a:schemeClr val="accent6"/>
+                    </a:solidFill>
+                  </a:tcPr>
+                </a:tc>
+                <a:tc>
+                  <a:txBody>
+                    <a:bodyPr/>
+                    <a:lstStyle/>
+                    <a:p>
+                      <a:pPr latinLnBrk="1"/>
+                      <a:endParaRPr lang="ko-KR" altLang="en-US" sz="1600" dirty="0"/>
+                    </a:p>
+                  </a:txBody>
+                  <a:tcPr>
+                    <a:solidFill>
+                      <a:srgbClr val="EAEFF7"/>
+                    </a:solidFill>
+                  </a:tcPr>
+                </a:tc>
+                <a:tc>
+                  <a:txBody>
+                    <a:bodyPr/>
+                    <a:lstStyle/>
+                    <a:p>
+                      <a:pPr latinLnBrk="1"/>
+                      <a:endParaRPr lang="ko-KR" altLang="en-US" sz="1600" dirty="0"/>
+                    </a:p>
+                  </a:txBody>
+                  <a:tcPr>
+                    <a:solidFill>
+                      <a:srgbClr val="EAEFF7"/>
+                    </a:solidFill>
+                  </a:tcPr>
+                </a:tc>
+                <a:tc>
+                  <a:txBody>
+                    <a:bodyPr/>
+                    <a:lstStyle/>
+                    <a:p>
+                      <a:pPr latinLnBrk="1"/>
+                      <a:endParaRPr lang="ko-KR" altLang="en-US" sz="1600" dirty="0"/>
+                    </a:p>
+                  </a:txBody>
+                  <a:tcPr/>
+                </a:tc>
+                <a:tc>
+                  <a:txBody>
+                    <a:bodyPr/>
+                    <a:lstStyle/>
+                    <a:p>
+                      <a:pPr latinLnBrk="1"/>
+                      <a:endParaRPr lang="ko-KR" altLang="en-US" sz="1600" dirty="0"/>
+                    </a:p>
+                  </a:txBody>
+                  <a:tcPr/>
+                </a:tc>
+                <a:tc>
+                  <a:txBody>
+                    <a:bodyPr/>
+                    <a:lstStyle/>
+                    <a:p>
+                      <a:pPr latinLnBrk="1"/>
+                      <a:endParaRPr lang="ko-KR" altLang="en-US" sz="1600" dirty="0"/>
+                    </a:p>
+                  </a:txBody>
+                  <a:tcPr/>
+                </a:tc>
+                <a:tc>
+                  <a:txBody>
+                    <a:bodyPr/>
+                    <a:lstStyle/>
+                    <a:p>
+                      <a:pPr latinLnBrk="1"/>
+                      <a:endParaRPr lang="ko-KR" altLang="en-US" sz="1600" dirty="0"/>
+                    </a:p>
+                  </a:txBody>
+                  <a:tcPr/>
+                </a:tc>
+                <a:tc>
+                  <a:txBody>
+                    <a:bodyPr/>
+                    <a:lstStyle/>
+                    <a:p>
+                      <a:pPr latinLnBrk="1"/>
+                      <a:endParaRPr lang="ko-KR" altLang="en-US" sz="1600" dirty="0"/>
+                    </a:p>
+                  </a:txBody>
+                  <a:tcPr/>
+                </a:tc>
+                <a:extLst>
+                  <a:ext uri="{0D108BD9-81ED-4DB2-BD59-A6C34878D82A}">
+                    <a16:rowId xmlns:a16="http://schemas.microsoft.com/office/drawing/2014/main" val="2693716771"/>
+                  </a:ext>
+                </a:extLst>
+              </a:tr>
+              <a:tr h="500781">
+                <a:tc>
+                  <a:txBody>
+                    <a:bodyPr/>
+                    <a:lstStyle/>
+                    <a:p>
+                      <a:pPr marL="0" marR="0" indent="0" algn="l" defTabSz="914400" rtl="0" eaLnBrk="1" fontAlgn="auto" latinLnBrk="1" hangingPunct="1">
+                        <a:lnSpc>
+                          <a:spcPct val="100000"/>
+                        </a:lnSpc>
+                        <a:spcBef>
+                          <a:spcPts val="0"/>
+                        </a:spcBef>
+                        <a:spcAft>
+                          <a:spcPts val="0"/>
+                        </a:spcAft>
+                        <a:buClrTx/>
+                        <a:buSzTx/>
+                        <a:buFontTx/>
+                        <a:buNone/>
+                        <a:tabLst/>
+                        <a:defRPr/>
+                      </a:pPr>
+                      <a:r>
+                        <a:rPr lang="ko-KR" altLang="en-US" sz="1600" dirty="0" smtClean="0"/>
+                        <a:t>아이디어</a:t>
+                      </a:r>
+                      <a:r>
+                        <a:rPr lang="ko-KR" altLang="en-US" sz="1600" baseline="0" dirty="0" smtClean="0"/>
+                        <a:t> 수정</a:t>
+                      </a:r>
+                      <a:r>
+                        <a:rPr lang="en-US" altLang="ko-KR" sz="1600" baseline="0" dirty="0" smtClean="0"/>
+                        <a:t>(</a:t>
+                      </a:r>
+                      <a:r>
+                        <a:rPr lang="ko-KR" altLang="en-US" sz="1600" baseline="0" dirty="0" smtClean="0"/>
+                        <a:t>변경</a:t>
+                      </a:r>
+                      <a:r>
+                        <a:rPr lang="en-US" altLang="ko-KR" sz="1600" baseline="0" dirty="0" smtClean="0"/>
+                        <a:t>,</a:t>
+                      </a:r>
+                      <a:r>
+                        <a:rPr lang="ko-KR" altLang="en-US" sz="1600" baseline="0" dirty="0" smtClean="0"/>
+                        <a:t>추가</a:t>
+                      </a:r>
+                      <a:r>
+                        <a:rPr lang="en-US" altLang="ko-KR" sz="1600" baseline="0" dirty="0" smtClean="0"/>
+                        <a:t>)</a:t>
+                      </a:r>
+                      <a:endParaRPr lang="ko-KR" altLang="en-US" sz="1600" dirty="0" smtClean="0"/>
+                    </a:p>
+                  </a:txBody>
+                  <a:tcPr/>
+                </a:tc>
+                <a:tc>
+                  <a:txBody>
+                    <a:bodyPr/>
+                    <a:lstStyle/>
+                    <a:p>
+                      <a:pPr latinLnBrk="1"/>
+                      <a:endParaRPr lang="ko-KR" altLang="en-US" sz="1600" dirty="0"/>
+                    </a:p>
+                  </a:txBody>
+                  <a:tcPr>
+                    <a:solidFill>
+                      <a:srgbClr val="D2DEEF"/>
+                    </a:solidFill>
+                  </a:tcPr>
+                </a:tc>
+                <a:tc>
+                  <a:txBody>
+                    <a:bodyPr/>
+                    <a:lstStyle/>
+                    <a:p>
+                      <a:pPr latinLnBrk="1"/>
+                      <a:endParaRPr lang="ko-KR" altLang="en-US" sz="1600" dirty="0"/>
+                    </a:p>
+                  </a:txBody>
+                  <a:tcPr>
+                    <a:solidFill>
+                      <a:srgbClr val="D2DEEF"/>
+                    </a:solidFill>
+                  </a:tcPr>
+                </a:tc>
+                <a:tc>
+                  <a:txBody>
+                    <a:bodyPr/>
+                    <a:lstStyle/>
+                    <a:p>
+                      <a:pPr latinLnBrk="1"/>
+                      <a:endParaRPr lang="ko-KR" altLang="en-US" sz="1600" dirty="0"/>
+                    </a:p>
+                  </a:txBody>
+                  <a:tcPr>
+                    <a:solidFill>
+                      <a:srgbClr val="D2DEEF"/>
+                    </a:solidFill>
+                  </a:tcPr>
+                </a:tc>
+                <a:tc>
+                  <a:txBody>
+                    <a:bodyPr/>
+                    <a:lstStyle/>
+                    <a:p>
+                      <a:pPr latinLnBrk="1"/>
+                      <a:endParaRPr lang="ko-KR" altLang="en-US" sz="1600" dirty="0"/>
+                    </a:p>
+                  </a:txBody>
+                  <a:tcPr>
+                    <a:solidFill>
+                      <a:schemeClr val="accent6"/>
+                    </a:solidFill>
+                  </a:tcPr>
+                </a:tc>
+                <a:tc>
+                  <a:txBody>
+                    <a:bodyPr/>
+                    <a:lstStyle/>
+                    <a:p>
+                      <a:pPr latinLnBrk="1"/>
+                      <a:endParaRPr lang="ko-KR" altLang="en-US" sz="1600" dirty="0"/>
+                    </a:p>
+                  </a:txBody>
+                  <a:tcPr>
+                    <a:solidFill>
+                      <a:srgbClr val="D2DEEF"/>
+                    </a:solidFill>
+                  </a:tcPr>
+                </a:tc>
+                <a:tc>
+                  <a:txBody>
+                    <a:bodyPr/>
+                    <a:lstStyle/>
+                    <a:p>
+                      <a:pPr latinLnBrk="1"/>
+                      <a:endParaRPr lang="ko-KR" altLang="en-US" sz="1600" dirty="0"/>
+                    </a:p>
+                  </a:txBody>
+                  <a:tcPr>
+                    <a:solidFill>
+                      <a:srgbClr val="D2DEEF"/>
+                    </a:solidFill>
+                  </a:tcPr>
+                </a:tc>
+                <a:tc>
+                  <a:txBody>
+                    <a:bodyPr/>
+                    <a:lstStyle/>
+                    <a:p>
+                      <a:pPr latinLnBrk="1"/>
+                      <a:endParaRPr lang="ko-KR" altLang="en-US" sz="1600" dirty="0"/>
+                    </a:p>
+                  </a:txBody>
+                  <a:tcPr/>
+                </a:tc>
+                <a:tc>
+                  <a:txBody>
+                    <a:bodyPr/>
+                    <a:lstStyle/>
+                    <a:p>
+                      <a:pPr latinLnBrk="1"/>
+                      <a:endParaRPr lang="ko-KR" altLang="en-US" sz="1600" dirty="0"/>
+                    </a:p>
+                  </a:txBody>
+                  <a:tcPr/>
+                </a:tc>
+                <a:tc>
+                  <a:txBody>
+                    <a:bodyPr/>
+                    <a:lstStyle/>
+                    <a:p>
+                      <a:pPr latinLnBrk="1"/>
+                      <a:endParaRPr lang="ko-KR" altLang="en-US" sz="1600" dirty="0"/>
+                    </a:p>
+                  </a:txBody>
+                  <a:tcPr/>
+                </a:tc>
+                <a:tc>
+                  <a:txBody>
+                    <a:bodyPr/>
+                    <a:lstStyle/>
+                    <a:p>
+                      <a:pPr latinLnBrk="1"/>
+                      <a:endParaRPr lang="ko-KR" altLang="en-US" sz="1600" dirty="0"/>
+                    </a:p>
+                  </a:txBody>
+                  <a:tcPr/>
+                </a:tc>
+                <a:extLst>
+                  <a:ext uri="{0D108BD9-81ED-4DB2-BD59-A6C34878D82A}">
+                    <a16:rowId xmlns:a16="http://schemas.microsoft.com/office/drawing/2014/main" val="1046104645"/>
+                  </a:ext>
+                </a:extLst>
+              </a:tr>
+              <a:tr h="378910">
+                <a:tc>
+                  <a:txBody>
+                    <a:bodyPr/>
+                    <a:lstStyle/>
+                    <a:p>
+                      <a:pPr marL="0" marR="0" indent="0" algn="l" defTabSz="914400" rtl="0" eaLnBrk="1" fontAlgn="auto" latinLnBrk="1" hangingPunct="1">
+                        <a:lnSpc>
+                          <a:spcPct val="100000"/>
+                        </a:lnSpc>
+                        <a:spcBef>
+                          <a:spcPts val="0"/>
+                        </a:spcBef>
+                        <a:spcAft>
+                          <a:spcPts val="0"/>
+                        </a:spcAft>
+                        <a:buClrTx/>
+                        <a:buSzTx/>
+                        <a:buFontTx/>
+                        <a:buNone/>
+                        <a:tabLst/>
+                        <a:defRPr/>
+                      </a:pPr>
+                      <a:r>
+                        <a:rPr lang="ko-KR" altLang="en-US" sz="1600" dirty="0" smtClean="0"/>
+                        <a:t>실시간 온도 구성</a:t>
+                      </a:r>
+                    </a:p>
+                  </a:txBody>
+                  <a:tcPr/>
+                </a:tc>
+                <a:tc>
+                  <a:txBody>
+                    <a:bodyPr/>
+                    <a:lstStyle/>
+                    <a:p>
+                      <a:pPr latinLnBrk="1"/>
+                      <a:endParaRPr lang="ko-KR" altLang="en-US" sz="1600" dirty="0"/>
+                    </a:p>
+                  </a:txBody>
+                  <a:tcPr>
+                    <a:solidFill>
+                      <a:srgbClr val="EAEFF7"/>
+                    </a:solidFill>
+                  </a:tcPr>
+                </a:tc>
+                <a:tc>
+                  <a:txBody>
+                    <a:bodyPr/>
+                    <a:lstStyle/>
+                    <a:p>
+                      <a:pPr latinLnBrk="1"/>
+                      <a:endParaRPr lang="ko-KR" altLang="en-US" sz="1600" dirty="0"/>
+                    </a:p>
+                  </a:txBody>
+                  <a:tcPr>
+                    <a:solidFill>
+                      <a:srgbClr val="EAEFF7"/>
+                    </a:solidFill>
+                  </a:tcPr>
+                </a:tc>
+                <a:tc>
+                  <a:txBody>
+                    <a:bodyPr/>
+                    <a:lstStyle/>
+                    <a:p>
+                      <a:pPr latinLnBrk="1"/>
+                      <a:endParaRPr lang="ko-KR" altLang="en-US" sz="1600" dirty="0"/>
+                    </a:p>
+                  </a:txBody>
+                  <a:tcPr>
+                    <a:solidFill>
+                      <a:srgbClr val="EAEFF7"/>
+                    </a:solidFill>
+                  </a:tcPr>
+                </a:tc>
+                <a:tc>
+                  <a:txBody>
+                    <a:bodyPr/>
+                    <a:lstStyle/>
+                    <a:p>
+                      <a:pPr latinLnBrk="1"/>
+                      <a:endParaRPr lang="ko-KR" altLang="en-US" sz="1600" dirty="0"/>
+                    </a:p>
+                  </a:txBody>
+                  <a:tcPr>
+                    <a:solidFill>
+                      <a:srgbClr val="EAEFF7"/>
+                    </a:solidFill>
+                  </a:tcPr>
+                </a:tc>
+                <a:tc>
+                  <a:txBody>
+                    <a:bodyPr/>
+                    <a:lstStyle/>
+                    <a:p>
+                      <a:pPr latinLnBrk="1"/>
+                      <a:endParaRPr lang="ko-KR" altLang="en-US" sz="1600" dirty="0"/>
+                    </a:p>
+                  </a:txBody>
+                  <a:tcPr>
+                    <a:solidFill>
+                      <a:schemeClr val="accent6"/>
+                    </a:solidFill>
+                  </a:tcPr>
+                </a:tc>
+                <a:tc>
+                  <a:txBody>
+                    <a:bodyPr/>
+                    <a:lstStyle/>
+                    <a:p>
+                      <a:pPr latinLnBrk="1"/>
+                      <a:endParaRPr lang="ko-KR" altLang="en-US" sz="1600" dirty="0"/>
+                    </a:p>
+                  </a:txBody>
+                  <a:tcPr>
+                    <a:solidFill>
+                      <a:schemeClr val="accent6"/>
+                    </a:solidFill>
+                  </a:tcPr>
+                </a:tc>
+                <a:tc>
+                  <a:txBody>
+                    <a:bodyPr/>
+                    <a:lstStyle/>
+                    <a:p>
+                      <a:pPr latinLnBrk="1"/>
+                      <a:endParaRPr lang="ko-KR" altLang="en-US" sz="1600" dirty="0"/>
+                    </a:p>
+                  </a:txBody>
+                  <a:tcPr>
+                    <a:solidFill>
+                      <a:srgbClr val="EAEFF7"/>
+                    </a:solidFill>
+                  </a:tcPr>
+                </a:tc>
+                <a:tc>
+                  <a:txBody>
+                    <a:bodyPr/>
+                    <a:lstStyle/>
+                    <a:p>
+                      <a:pPr latinLnBrk="1"/>
+                      <a:endParaRPr lang="ko-KR" altLang="en-US" sz="1600" dirty="0"/>
+                    </a:p>
+                  </a:txBody>
+                  <a:tcPr>
+                    <a:solidFill>
+                      <a:srgbClr val="EAEFF7"/>
+                    </a:solidFill>
+                  </a:tcPr>
+                </a:tc>
+                <a:tc>
+                  <a:txBody>
+                    <a:bodyPr/>
+                    <a:lstStyle/>
+                    <a:p>
+                      <a:pPr latinLnBrk="1"/>
+                      <a:endParaRPr lang="ko-KR" altLang="en-US" sz="1600" dirty="0"/>
+                    </a:p>
+                  </a:txBody>
+                  <a:tcPr/>
+                </a:tc>
+                <a:tc>
+                  <a:txBody>
+                    <a:bodyPr/>
+                    <a:lstStyle/>
+                    <a:p>
+                      <a:pPr latinLnBrk="1"/>
+                      <a:endParaRPr lang="ko-KR" altLang="en-US" sz="1600" dirty="0"/>
+                    </a:p>
+                  </a:txBody>
+                  <a:tcPr/>
+                </a:tc>
+                <a:extLst>
+                  <a:ext uri="{0D108BD9-81ED-4DB2-BD59-A6C34878D82A}">
+                    <a16:rowId xmlns:a16="http://schemas.microsoft.com/office/drawing/2014/main" val="3388912552"/>
+                  </a:ext>
+                </a:extLst>
+              </a:tr>
+              <a:tr h="402487">
+                <a:tc>
+                  <a:txBody>
+                    <a:bodyPr/>
+                    <a:lstStyle/>
+                    <a:p>
+                      <a:r>
+                        <a:rPr lang="en-US" altLang="ko-KR" dirty="0" smtClean="0"/>
+                        <a:t>1</a:t>
+                      </a:r>
+                      <a:r>
+                        <a:rPr lang="ko-KR" altLang="en-US" dirty="0" smtClean="0"/>
+                        <a:t>차 통합 테스트</a:t>
+                      </a:r>
+                      <a:endParaRPr lang="ko-KR" altLang="en-US" dirty="0"/>
+                    </a:p>
+                  </a:txBody>
+                  <a:tcPr/>
+                </a:tc>
+                <a:tc>
+                  <a:txBody>
+                    <a:bodyPr/>
+                    <a:lstStyle/>
+                    <a:p>
+                      <a:pPr latinLnBrk="1"/>
+                      <a:endParaRPr lang="ko-KR" altLang="en-US" sz="1600" dirty="0"/>
+                    </a:p>
+                  </a:txBody>
+                  <a:tcPr>
+                    <a:solidFill>
+                      <a:srgbClr val="D2DEEF"/>
+                    </a:solidFill>
+                  </a:tcPr>
+                </a:tc>
+                <a:tc>
+                  <a:txBody>
+                    <a:bodyPr/>
+                    <a:lstStyle/>
+                    <a:p>
+                      <a:pPr latinLnBrk="1"/>
+                      <a:endParaRPr lang="ko-KR" altLang="en-US" sz="1600" dirty="0"/>
+                    </a:p>
+                  </a:txBody>
+                  <a:tcPr>
+                    <a:solidFill>
+                      <a:srgbClr val="D2DEEF"/>
+                    </a:solidFill>
+                  </a:tcPr>
+                </a:tc>
+                <a:tc>
+                  <a:txBody>
+                    <a:bodyPr/>
+                    <a:lstStyle/>
+                    <a:p>
+                      <a:pPr latinLnBrk="1"/>
+                      <a:endParaRPr lang="ko-KR" altLang="en-US" sz="1600" dirty="0"/>
+                    </a:p>
+                  </a:txBody>
+                  <a:tcPr>
+                    <a:solidFill>
+                      <a:srgbClr val="D2DEEF"/>
+                    </a:solidFill>
+                  </a:tcPr>
+                </a:tc>
+                <a:tc>
+                  <a:txBody>
+                    <a:bodyPr/>
+                    <a:lstStyle/>
+                    <a:p>
+                      <a:pPr latinLnBrk="1"/>
+                      <a:endParaRPr lang="ko-KR" altLang="en-US" sz="1600" dirty="0"/>
+                    </a:p>
+                  </a:txBody>
+                  <a:tcPr>
+                    <a:solidFill>
+                      <a:srgbClr val="D2DEEF"/>
+                    </a:solidFill>
+                  </a:tcPr>
+                </a:tc>
+                <a:tc>
+                  <a:txBody>
+                    <a:bodyPr/>
+                    <a:lstStyle/>
+                    <a:p>
+                      <a:pPr latinLnBrk="1"/>
+                      <a:endParaRPr lang="ko-KR" altLang="en-US" sz="1600" dirty="0"/>
+                    </a:p>
+                  </a:txBody>
+                  <a:tcPr>
+                    <a:solidFill>
+                      <a:schemeClr val="accent6"/>
+                    </a:solidFill>
+                  </a:tcPr>
+                </a:tc>
+                <a:tc>
+                  <a:txBody>
+                    <a:bodyPr/>
+                    <a:lstStyle/>
+                    <a:p>
+                      <a:pPr latinLnBrk="1"/>
+                      <a:endParaRPr lang="ko-KR" altLang="en-US" sz="1600" dirty="0"/>
+                    </a:p>
+                  </a:txBody>
+                  <a:tcPr>
+                    <a:solidFill>
+                      <a:schemeClr val="accent6"/>
+                    </a:solidFill>
+                  </a:tcPr>
+                </a:tc>
+                <a:tc>
+                  <a:txBody>
+                    <a:bodyPr/>
+                    <a:lstStyle/>
+                    <a:p>
+                      <a:pPr latinLnBrk="1"/>
+                      <a:endParaRPr lang="ko-KR" altLang="en-US" sz="1600" dirty="0"/>
+                    </a:p>
+                  </a:txBody>
+                  <a:tcPr>
+                    <a:solidFill>
+                      <a:srgbClr val="D2DEEF"/>
+                    </a:solidFill>
+                  </a:tcPr>
+                </a:tc>
+                <a:tc>
+                  <a:txBody>
+                    <a:bodyPr/>
+                    <a:lstStyle/>
+                    <a:p>
+                      <a:pPr latinLnBrk="1"/>
+                      <a:endParaRPr lang="ko-KR" altLang="en-US" sz="1600" dirty="0"/>
+                    </a:p>
+                  </a:txBody>
+                  <a:tcPr>
+                    <a:solidFill>
+                      <a:srgbClr val="D2DEEF"/>
+                    </a:solidFill>
+                  </a:tcPr>
+                </a:tc>
+                <a:tc>
+                  <a:txBody>
+                    <a:bodyPr/>
+                    <a:lstStyle/>
+                    <a:p>
+                      <a:pPr latinLnBrk="1"/>
+                      <a:endParaRPr lang="ko-KR" altLang="en-US" sz="1600" dirty="0"/>
+                    </a:p>
+                  </a:txBody>
+                  <a:tcPr>
+                    <a:solidFill>
+                      <a:srgbClr val="D2DEEF"/>
+                    </a:solidFill>
+                  </a:tcPr>
+                </a:tc>
+                <a:tc>
+                  <a:txBody>
+                    <a:bodyPr/>
+                    <a:lstStyle/>
+                    <a:p>
+                      <a:pPr latinLnBrk="1"/>
+                      <a:endParaRPr lang="ko-KR" altLang="en-US" sz="1600" dirty="0"/>
+                    </a:p>
+                  </a:txBody>
+                  <a:tcPr>
+                    <a:solidFill>
+                      <a:srgbClr val="D2DEEF"/>
+                    </a:solidFill>
+                  </a:tcPr>
+                </a:tc>
+                <a:extLst>
+                  <a:ext uri="{0D108BD9-81ED-4DB2-BD59-A6C34878D82A}">
+                    <a16:rowId xmlns:a16="http://schemas.microsoft.com/office/drawing/2014/main" val="2734720435"/>
+                  </a:ext>
+                </a:extLst>
+              </a:tr>
+              <a:tr h="402487">
+                <a:tc>
+                  <a:txBody>
+                    <a:bodyPr/>
+                    <a:lstStyle/>
+                    <a:p>
+                      <a:r>
+                        <a:rPr lang="ko-KR" altLang="en-US" dirty="0" smtClean="0"/>
+                        <a:t>동물 상</a:t>
+                      </a:r>
+                      <a:r>
+                        <a:rPr lang="ko-KR" altLang="en-US" baseline="0" dirty="0" smtClean="0"/>
+                        <a:t>태 검색 구성</a:t>
+                      </a:r>
+                      <a:endParaRPr lang="ko-KR" altLang="en-US" dirty="0"/>
+                    </a:p>
+                  </a:txBody>
+                  <a:tcPr/>
+                </a:tc>
+                <a:tc>
+                  <a:txBody>
+                    <a:bodyPr/>
+                    <a:lstStyle/>
+                    <a:p>
+                      <a:pPr latinLnBrk="1"/>
+                      <a:endParaRPr lang="ko-KR" altLang="en-US" sz="1600" dirty="0"/>
+                    </a:p>
+                  </a:txBody>
+                  <a:tcPr>
+                    <a:solidFill>
+                      <a:srgbClr val="EAEFF7"/>
+                    </a:solidFill>
+                  </a:tcPr>
+                </a:tc>
+                <a:tc>
+                  <a:txBody>
+                    <a:bodyPr/>
+                    <a:lstStyle/>
+                    <a:p>
+                      <a:pPr latinLnBrk="1"/>
+                      <a:endParaRPr lang="ko-KR" altLang="en-US" sz="1600" dirty="0"/>
+                    </a:p>
+                  </a:txBody>
+                  <a:tcPr>
+                    <a:solidFill>
+                      <a:srgbClr val="EAEFF7"/>
+                    </a:solidFill>
+                  </a:tcPr>
+                </a:tc>
+                <a:tc>
+                  <a:txBody>
+                    <a:bodyPr/>
+                    <a:lstStyle/>
+                    <a:p>
+                      <a:pPr latinLnBrk="1"/>
+                      <a:endParaRPr lang="ko-KR" altLang="en-US" sz="1600" dirty="0"/>
+                    </a:p>
+                  </a:txBody>
+                  <a:tcPr>
+                    <a:solidFill>
+                      <a:srgbClr val="EAEFF7"/>
+                    </a:solidFill>
+                  </a:tcPr>
+                </a:tc>
+                <a:tc>
+                  <a:txBody>
+                    <a:bodyPr/>
+                    <a:lstStyle/>
+                    <a:p>
+                      <a:pPr latinLnBrk="1"/>
+                      <a:endParaRPr lang="ko-KR" altLang="en-US" sz="1600" dirty="0"/>
+                    </a:p>
+                  </a:txBody>
+                  <a:tcPr>
+                    <a:solidFill>
+                      <a:srgbClr val="EAEFF7"/>
+                    </a:solidFill>
+                  </a:tcPr>
+                </a:tc>
+                <a:tc>
+                  <a:txBody>
+                    <a:bodyPr/>
+                    <a:lstStyle/>
+                    <a:p>
+                      <a:pPr latinLnBrk="1"/>
+                      <a:endParaRPr lang="ko-KR" altLang="en-US" sz="1600" dirty="0"/>
+                    </a:p>
+                  </a:txBody>
+                  <a:tcPr>
+                    <a:solidFill>
+                      <a:srgbClr val="EAEFF7"/>
+                    </a:solidFill>
+                  </a:tcPr>
+                </a:tc>
+                <a:tc>
+                  <a:txBody>
+                    <a:bodyPr/>
+                    <a:lstStyle/>
+                    <a:p>
+                      <a:pPr latinLnBrk="1"/>
+                      <a:endParaRPr lang="ko-KR" altLang="en-US" sz="1600" dirty="0"/>
+                    </a:p>
+                  </a:txBody>
+                  <a:tcPr>
+                    <a:solidFill>
+                      <a:srgbClr val="EAEFF7"/>
+                    </a:solidFill>
+                  </a:tcPr>
+                </a:tc>
+                <a:tc>
+                  <a:txBody>
+                    <a:bodyPr/>
+                    <a:lstStyle/>
+                    <a:p>
+                      <a:pPr latinLnBrk="1"/>
+                      <a:endParaRPr lang="ko-KR" altLang="en-US" sz="1600" dirty="0"/>
+                    </a:p>
+                  </a:txBody>
+                  <a:tcPr>
+                    <a:solidFill>
+                      <a:schemeClr val="accent6"/>
+                    </a:solidFill>
+                  </a:tcPr>
+                </a:tc>
+                <a:tc>
+                  <a:txBody>
+                    <a:bodyPr/>
+                    <a:lstStyle/>
+                    <a:p>
+                      <a:pPr latinLnBrk="1"/>
+                      <a:endParaRPr lang="ko-KR" altLang="en-US" sz="1600" dirty="0"/>
+                    </a:p>
+                  </a:txBody>
+                  <a:tcPr>
+                    <a:solidFill>
+                      <a:schemeClr val="accent6"/>
+                    </a:solidFill>
+                  </a:tcPr>
+                </a:tc>
+                <a:tc>
+                  <a:txBody>
+                    <a:bodyPr/>
+                    <a:lstStyle/>
+                    <a:p>
+                      <a:pPr latinLnBrk="1"/>
+                      <a:endParaRPr lang="ko-KR" altLang="en-US" sz="1600" dirty="0"/>
+                    </a:p>
+                  </a:txBody>
+                  <a:tcPr>
+                    <a:solidFill>
+                      <a:srgbClr val="EAEFF7"/>
+                    </a:solidFill>
+                  </a:tcPr>
+                </a:tc>
+                <a:tc>
+                  <a:txBody>
+                    <a:bodyPr/>
+                    <a:lstStyle/>
+                    <a:p>
+                      <a:pPr latinLnBrk="1"/>
+                      <a:endParaRPr lang="ko-KR" altLang="en-US" sz="1600" dirty="0"/>
+                    </a:p>
+                  </a:txBody>
+                  <a:tcPr>
+                    <a:solidFill>
+                      <a:srgbClr val="EAEFF7"/>
+                    </a:solidFill>
+                  </a:tcPr>
+                </a:tc>
+                <a:extLst>
+                  <a:ext uri="{0D108BD9-81ED-4DB2-BD59-A6C34878D82A}">
+                    <a16:rowId xmlns:a16="http://schemas.microsoft.com/office/drawing/2014/main" val="177223868"/>
+                  </a:ext>
+                </a:extLst>
+              </a:tr>
+              <a:tr h="402487">
+                <a:tc>
+                  <a:txBody>
+                    <a:bodyPr/>
+                    <a:lstStyle/>
+                    <a:p>
+                      <a:r>
+                        <a:rPr lang="ko-KR" altLang="en-US" dirty="0" smtClean="0"/>
+                        <a:t>동물 상태 추가 구성</a:t>
+                      </a:r>
+                      <a:endParaRPr lang="ko-KR" altLang="en-US" dirty="0"/>
+                    </a:p>
+                  </a:txBody>
+                  <a:tcPr/>
+                </a:tc>
+                <a:tc>
+                  <a:txBody>
+                    <a:bodyPr/>
+                    <a:lstStyle/>
+                    <a:p>
+                      <a:pPr latinLnBrk="1"/>
+                      <a:endParaRPr lang="ko-KR" altLang="en-US" sz="1600" dirty="0"/>
+                    </a:p>
+                  </a:txBody>
+                  <a:tcPr>
+                    <a:solidFill>
+                      <a:srgbClr val="D2DEEF"/>
+                    </a:solidFill>
+                  </a:tcPr>
+                </a:tc>
+                <a:tc>
+                  <a:txBody>
+                    <a:bodyPr/>
+                    <a:lstStyle/>
+                    <a:p>
+                      <a:pPr latinLnBrk="1"/>
+                      <a:endParaRPr lang="ko-KR" altLang="en-US" sz="1600" dirty="0"/>
+                    </a:p>
+                  </a:txBody>
+                  <a:tcPr>
+                    <a:solidFill>
+                      <a:srgbClr val="D2DEEF"/>
+                    </a:solidFill>
+                  </a:tcPr>
+                </a:tc>
+                <a:tc>
+                  <a:txBody>
+                    <a:bodyPr/>
+                    <a:lstStyle/>
+                    <a:p>
+                      <a:pPr latinLnBrk="1"/>
+                      <a:endParaRPr lang="ko-KR" altLang="en-US" sz="1600" dirty="0"/>
+                    </a:p>
+                  </a:txBody>
+                  <a:tcPr>
+                    <a:solidFill>
+                      <a:srgbClr val="D2DEEF"/>
+                    </a:solidFill>
+                  </a:tcPr>
+                </a:tc>
+                <a:tc>
+                  <a:txBody>
+                    <a:bodyPr/>
+                    <a:lstStyle/>
+                    <a:p>
+                      <a:pPr latinLnBrk="1"/>
+                      <a:endParaRPr lang="ko-KR" altLang="en-US" sz="1600" dirty="0"/>
+                    </a:p>
+                  </a:txBody>
+                  <a:tcPr>
+                    <a:solidFill>
+                      <a:srgbClr val="D2DEEF"/>
+                    </a:solidFill>
+                  </a:tcPr>
+                </a:tc>
+                <a:tc>
+                  <a:txBody>
+                    <a:bodyPr/>
+                    <a:lstStyle/>
+                    <a:p>
+                      <a:pPr latinLnBrk="1"/>
+                      <a:endParaRPr lang="ko-KR" altLang="en-US" sz="1600" dirty="0"/>
+                    </a:p>
+                  </a:txBody>
+                  <a:tcPr>
+                    <a:solidFill>
+                      <a:srgbClr val="D2DEEF"/>
+                    </a:solidFill>
+                  </a:tcPr>
+                </a:tc>
+                <a:tc>
+                  <a:txBody>
+                    <a:bodyPr/>
+                    <a:lstStyle/>
+                    <a:p>
+                      <a:pPr latinLnBrk="1"/>
+                      <a:endParaRPr lang="ko-KR" altLang="en-US" sz="1600" dirty="0"/>
+                    </a:p>
+                  </a:txBody>
+                  <a:tcPr>
+                    <a:solidFill>
+                      <a:srgbClr val="D2DEEF"/>
+                    </a:solidFill>
+                  </a:tcPr>
+                </a:tc>
+                <a:tc>
+                  <a:txBody>
+                    <a:bodyPr/>
+                    <a:lstStyle/>
+                    <a:p>
+                      <a:pPr latinLnBrk="1"/>
+                      <a:endParaRPr lang="ko-KR" altLang="en-US" sz="1600" dirty="0"/>
+                    </a:p>
+                  </a:txBody>
+                  <a:tcPr>
+                    <a:solidFill>
+                      <a:schemeClr val="accent6"/>
+                    </a:solidFill>
+                  </a:tcPr>
+                </a:tc>
+                <a:tc>
+                  <a:txBody>
+                    <a:bodyPr/>
+                    <a:lstStyle/>
+                    <a:p>
+                      <a:pPr latinLnBrk="1"/>
+                      <a:endParaRPr lang="ko-KR" altLang="en-US" sz="1600" dirty="0"/>
+                    </a:p>
+                  </a:txBody>
+                  <a:tcPr>
+                    <a:solidFill>
+                      <a:schemeClr val="accent6"/>
+                    </a:solidFill>
+                  </a:tcPr>
+                </a:tc>
+                <a:tc>
+                  <a:txBody>
+                    <a:bodyPr/>
+                    <a:lstStyle/>
+                    <a:p>
+                      <a:pPr latinLnBrk="1"/>
+                      <a:endParaRPr lang="ko-KR" altLang="en-US" sz="1600" dirty="0"/>
+                    </a:p>
+                  </a:txBody>
+                  <a:tcPr>
+                    <a:solidFill>
+                      <a:srgbClr val="D2DEEF"/>
+                    </a:solidFill>
+                  </a:tcPr>
+                </a:tc>
+                <a:tc>
+                  <a:txBody>
+                    <a:bodyPr/>
+                    <a:lstStyle/>
+                    <a:p>
+                      <a:pPr latinLnBrk="1"/>
+                      <a:endParaRPr lang="ko-KR" altLang="en-US" sz="1600" dirty="0"/>
+                    </a:p>
+                  </a:txBody>
+                  <a:tcPr/>
+                </a:tc>
+                <a:extLst>
+                  <a:ext uri="{0D108BD9-81ED-4DB2-BD59-A6C34878D82A}">
+                    <a16:rowId xmlns:a16="http://schemas.microsoft.com/office/drawing/2014/main" val="402237068"/>
+                  </a:ext>
+                </a:extLst>
+              </a:tr>
+              <a:tr h="402487">
+                <a:tc>
+                  <a:txBody>
+                    <a:bodyPr/>
+                    <a:lstStyle/>
+                    <a:p>
+                      <a:pPr marL="0" marR="0" indent="0" algn="l" defTabSz="914400" rtl="0" eaLnBrk="1" fontAlgn="auto" latinLnBrk="1" hangingPunct="1">
+                        <a:lnSpc>
+                          <a:spcPct val="100000"/>
+                        </a:lnSpc>
+                        <a:spcBef>
+                          <a:spcPts val="0"/>
+                        </a:spcBef>
+                        <a:spcAft>
+                          <a:spcPts val="0"/>
+                        </a:spcAft>
+                        <a:buClrTx/>
+                        <a:buSzTx/>
+                        <a:buFontTx/>
+                        <a:buNone/>
+                        <a:tabLst/>
+                        <a:defRPr/>
+                      </a:pPr>
+                      <a:r>
+                        <a:rPr lang="en-US" altLang="ko-KR" dirty="0" smtClean="0"/>
+                        <a:t>2</a:t>
+                      </a:r>
+                      <a:r>
+                        <a:rPr lang="ko-KR" altLang="en-US" dirty="0" smtClean="0"/>
+                        <a:t>차 통합</a:t>
+                      </a:r>
+                    </a:p>
+                  </a:txBody>
+                  <a:tcPr/>
+                </a:tc>
+                <a:tc>
+                  <a:txBody>
+                    <a:bodyPr/>
+                    <a:lstStyle/>
+                    <a:p>
+                      <a:pPr latinLnBrk="1"/>
+                      <a:endParaRPr lang="ko-KR" altLang="en-US" sz="1600" dirty="0"/>
+                    </a:p>
+                  </a:txBody>
+                  <a:tcPr>
+                    <a:solidFill>
+                      <a:srgbClr val="EAEFF7"/>
+                    </a:solidFill>
+                  </a:tcPr>
+                </a:tc>
+                <a:tc>
+                  <a:txBody>
+                    <a:bodyPr/>
+                    <a:lstStyle/>
+                    <a:p>
+                      <a:pPr latinLnBrk="1"/>
+                      <a:endParaRPr lang="ko-KR" altLang="en-US" sz="1600" dirty="0"/>
+                    </a:p>
+                  </a:txBody>
+                  <a:tcPr>
+                    <a:solidFill>
+                      <a:srgbClr val="EAEFF7"/>
+                    </a:solidFill>
+                  </a:tcPr>
+                </a:tc>
+                <a:tc>
+                  <a:txBody>
+                    <a:bodyPr/>
+                    <a:lstStyle/>
+                    <a:p>
+                      <a:pPr latinLnBrk="1"/>
+                      <a:endParaRPr lang="ko-KR" altLang="en-US" sz="1600" dirty="0"/>
+                    </a:p>
+                  </a:txBody>
+                  <a:tcPr>
+                    <a:solidFill>
+                      <a:srgbClr val="EAEFF7"/>
+                    </a:solidFill>
+                  </a:tcPr>
+                </a:tc>
+                <a:tc>
+                  <a:txBody>
+                    <a:bodyPr/>
+                    <a:lstStyle/>
+                    <a:p>
+                      <a:pPr latinLnBrk="1"/>
+                      <a:endParaRPr lang="ko-KR" altLang="en-US" sz="1600" dirty="0"/>
+                    </a:p>
+                  </a:txBody>
+                  <a:tcPr>
+                    <a:solidFill>
+                      <a:srgbClr val="EAEFF7"/>
+                    </a:solidFill>
+                  </a:tcPr>
+                </a:tc>
+                <a:tc>
+                  <a:txBody>
+                    <a:bodyPr/>
+                    <a:lstStyle/>
+                    <a:p>
+                      <a:pPr latinLnBrk="1"/>
+                      <a:endParaRPr lang="ko-KR" altLang="en-US" sz="1600" dirty="0"/>
+                    </a:p>
+                  </a:txBody>
+                  <a:tcPr>
+                    <a:solidFill>
+                      <a:srgbClr val="EAEFF7"/>
+                    </a:solidFill>
+                  </a:tcPr>
+                </a:tc>
+                <a:tc>
+                  <a:txBody>
+                    <a:bodyPr/>
+                    <a:lstStyle/>
+                    <a:p>
+                      <a:pPr latinLnBrk="1"/>
+                      <a:endParaRPr lang="ko-KR" altLang="en-US" sz="1600" dirty="0"/>
+                    </a:p>
+                  </a:txBody>
+                  <a:tcPr>
+                    <a:solidFill>
+                      <a:srgbClr val="EAEFF7"/>
+                    </a:solidFill>
+                  </a:tcPr>
+                </a:tc>
+                <a:tc>
+                  <a:txBody>
+                    <a:bodyPr/>
+                    <a:lstStyle/>
+                    <a:p>
+                      <a:pPr latinLnBrk="1"/>
+                      <a:endParaRPr lang="ko-KR" altLang="en-US" sz="1600" dirty="0"/>
+                    </a:p>
+                  </a:txBody>
+                  <a:tcPr>
+                    <a:solidFill>
+                      <a:schemeClr val="accent6"/>
+                    </a:solidFill>
+                  </a:tcPr>
+                </a:tc>
+                <a:tc>
+                  <a:txBody>
+                    <a:bodyPr/>
+                    <a:lstStyle/>
+                    <a:p>
+                      <a:pPr latinLnBrk="1"/>
+                      <a:endParaRPr lang="ko-KR" altLang="en-US" sz="1600" dirty="0">
+                        <a:solidFill>
+                          <a:srgbClr val="F3E7E9"/>
+                        </a:solidFill>
+                      </a:endParaRPr>
+                    </a:p>
+                  </a:txBody>
+                  <a:tcPr>
+                    <a:solidFill>
+                      <a:schemeClr val="accent6"/>
+                    </a:solidFill>
+                  </a:tcPr>
+                </a:tc>
+                <a:tc>
+                  <a:txBody>
+                    <a:bodyPr/>
+                    <a:lstStyle/>
+                    <a:p>
+                      <a:pPr latinLnBrk="1"/>
+                      <a:endParaRPr lang="ko-KR" altLang="en-US" sz="1600" dirty="0">
+                        <a:solidFill>
+                          <a:srgbClr val="F3E7E9"/>
+                        </a:solidFill>
+                      </a:endParaRPr>
+                    </a:p>
+                  </a:txBody>
+                  <a:tcPr>
+                    <a:solidFill>
+                      <a:srgbClr val="EAEFF7"/>
+                    </a:solidFill>
+                  </a:tcPr>
+                </a:tc>
+                <a:tc>
+                  <a:txBody>
+                    <a:bodyPr/>
+                    <a:lstStyle/>
+                    <a:p>
+                      <a:pPr latinLnBrk="1"/>
+                      <a:endParaRPr lang="ko-KR" altLang="en-US" sz="1600" dirty="0"/>
+                    </a:p>
+                  </a:txBody>
+                  <a:tcPr>
+                    <a:solidFill>
+                      <a:srgbClr val="EAEFF7"/>
+                    </a:solidFill>
+                  </a:tcPr>
+                </a:tc>
+                <a:extLst>
+                  <a:ext uri="{0D108BD9-81ED-4DB2-BD59-A6C34878D82A}">
+                    <a16:rowId xmlns:a16="http://schemas.microsoft.com/office/drawing/2014/main" val="923737613"/>
+                  </a:ext>
+                </a:extLst>
+              </a:tr>
+              <a:tr h="402487">
+                <a:tc>
+                  <a:txBody>
+                    <a:bodyPr/>
+                    <a:lstStyle/>
+                    <a:p>
+                      <a:r>
+                        <a:rPr lang="ko-KR" altLang="en-US" dirty="0" smtClean="0"/>
+                        <a:t>일정 구성하기</a:t>
+                      </a:r>
+                      <a:r>
+                        <a:rPr lang="en-US" altLang="ko-KR" dirty="0" smtClean="0"/>
+                        <a:t>(</a:t>
+                      </a:r>
+                      <a:r>
+                        <a:rPr lang="ko-KR" altLang="en-US" dirty="0" smtClean="0"/>
+                        <a:t>캘린더</a:t>
+                      </a:r>
+                      <a:r>
+                        <a:rPr lang="en-US" altLang="ko-KR" dirty="0" smtClean="0"/>
+                        <a:t>)</a:t>
+                      </a:r>
+                      <a:endParaRPr lang="ko-KR" altLang="en-US" dirty="0"/>
+                    </a:p>
+                  </a:txBody>
+                  <a:tcPr/>
+                </a:tc>
+                <a:tc>
+                  <a:txBody>
+                    <a:bodyPr/>
+                    <a:lstStyle/>
+                    <a:p>
+                      <a:pPr latinLnBrk="1"/>
+                      <a:endParaRPr lang="ko-KR" altLang="en-US" sz="1600" dirty="0"/>
+                    </a:p>
+                  </a:txBody>
+                  <a:tcPr>
+                    <a:solidFill>
+                      <a:srgbClr val="D2DEEF"/>
+                    </a:solidFill>
+                  </a:tcPr>
+                </a:tc>
+                <a:tc>
+                  <a:txBody>
+                    <a:bodyPr/>
+                    <a:lstStyle/>
+                    <a:p>
+                      <a:pPr latinLnBrk="1"/>
+                      <a:endParaRPr lang="ko-KR" altLang="en-US" sz="1600" dirty="0"/>
+                    </a:p>
+                  </a:txBody>
+                  <a:tcPr>
+                    <a:solidFill>
+                      <a:srgbClr val="D2DEEF"/>
+                    </a:solidFill>
+                  </a:tcPr>
+                </a:tc>
+                <a:tc>
+                  <a:txBody>
+                    <a:bodyPr/>
+                    <a:lstStyle/>
+                    <a:p>
+                      <a:pPr latinLnBrk="1"/>
+                      <a:endParaRPr lang="ko-KR" altLang="en-US" sz="1600"/>
+                    </a:p>
+                  </a:txBody>
+                  <a:tcPr>
+                    <a:solidFill>
+                      <a:srgbClr val="D2DEEF"/>
+                    </a:solidFill>
+                  </a:tcPr>
+                </a:tc>
+                <a:tc>
+                  <a:txBody>
+                    <a:bodyPr/>
+                    <a:lstStyle/>
+                    <a:p>
+                      <a:pPr latinLnBrk="1"/>
+                      <a:endParaRPr lang="ko-KR" altLang="en-US" sz="1600" dirty="0"/>
+                    </a:p>
+                  </a:txBody>
+                  <a:tcPr>
+                    <a:solidFill>
+                      <a:srgbClr val="D2DEEF"/>
+                    </a:solidFill>
+                  </a:tcPr>
+                </a:tc>
+                <a:tc>
+                  <a:txBody>
+                    <a:bodyPr/>
+                    <a:lstStyle/>
+                    <a:p>
+                      <a:pPr latinLnBrk="1"/>
+                      <a:endParaRPr lang="ko-KR" altLang="en-US" sz="1600" dirty="0"/>
+                    </a:p>
+                  </a:txBody>
+                  <a:tcPr>
+                    <a:solidFill>
+                      <a:srgbClr val="D2DEEF"/>
+                    </a:solidFill>
+                  </a:tcPr>
+                </a:tc>
+                <a:tc>
+                  <a:txBody>
+                    <a:bodyPr/>
+                    <a:lstStyle/>
+                    <a:p>
+                      <a:pPr latinLnBrk="1"/>
+                      <a:endParaRPr lang="ko-KR" altLang="en-US" sz="1600" dirty="0"/>
+                    </a:p>
+                  </a:txBody>
+                  <a:tcPr>
+                    <a:solidFill>
+                      <a:srgbClr val="D2DEEF"/>
+                    </a:solidFill>
+                  </a:tcPr>
+                </a:tc>
+                <a:tc>
+                  <a:txBody>
+                    <a:bodyPr/>
+                    <a:lstStyle/>
+                    <a:p>
+                      <a:pPr latinLnBrk="1"/>
+                      <a:endParaRPr lang="ko-KR" altLang="en-US" sz="1600" dirty="0"/>
+                    </a:p>
+                  </a:txBody>
+                  <a:tcPr>
+                    <a:solidFill>
+                      <a:srgbClr val="D2DEEF"/>
+                    </a:solidFill>
+                  </a:tcPr>
+                </a:tc>
+                <a:tc>
+                  <a:txBody>
+                    <a:bodyPr/>
+                    <a:lstStyle/>
+                    <a:p>
+                      <a:pPr latinLnBrk="1"/>
+                      <a:endParaRPr lang="ko-KR" altLang="en-US" sz="1600" dirty="0"/>
+                    </a:p>
+                  </a:txBody>
+                  <a:tcPr>
+                    <a:solidFill>
+                      <a:srgbClr val="D2DEEF"/>
+                    </a:solidFill>
+                  </a:tcPr>
+                </a:tc>
+                <a:tc>
+                  <a:txBody>
+                    <a:bodyPr/>
+                    <a:lstStyle/>
+                    <a:p>
+                      <a:pPr latinLnBrk="1"/>
+                      <a:endParaRPr lang="ko-KR" altLang="en-US" sz="1600" dirty="0"/>
+                    </a:p>
+                  </a:txBody>
+                  <a:tcPr>
+                    <a:solidFill>
+                      <a:schemeClr val="accent6"/>
+                    </a:solidFill>
+                  </a:tcPr>
+                </a:tc>
+                <a:tc>
+                  <a:txBody>
+                    <a:bodyPr/>
+                    <a:lstStyle/>
+                    <a:p>
+                      <a:pPr latinLnBrk="1"/>
+                      <a:endParaRPr lang="ko-KR" altLang="en-US" sz="1600" dirty="0"/>
+                    </a:p>
+                  </a:txBody>
+                  <a:tcPr>
+                    <a:solidFill>
+                      <a:schemeClr val="accent6"/>
+                    </a:solidFill>
+                  </a:tcPr>
+                </a:tc>
+                <a:extLst>
+                  <a:ext uri="{0D108BD9-81ED-4DB2-BD59-A6C34878D82A}">
+                    <a16:rowId xmlns:a16="http://schemas.microsoft.com/office/drawing/2014/main" val="1152860335"/>
+                  </a:ext>
+                </a:extLst>
+              </a:tr>
+              <a:tr h="402487">
+                <a:tc>
+                  <a:txBody>
+                    <a:bodyPr/>
+                    <a:lstStyle/>
+                    <a:p>
+                      <a:r>
+                        <a:rPr lang="ko-KR" altLang="en-US" dirty="0" smtClean="0"/>
+                        <a:t>일정 추가</a:t>
+                      </a:r>
+                      <a:r>
+                        <a:rPr lang="en-US" altLang="ko-KR" dirty="0" smtClean="0"/>
+                        <a:t>.</a:t>
+                      </a:r>
+                      <a:r>
+                        <a:rPr lang="ko-KR" altLang="en-US" dirty="0" smtClean="0"/>
+                        <a:t>삭제 구성</a:t>
+                      </a:r>
+                      <a:endParaRPr lang="ko-KR" altLang="en-US" dirty="0"/>
+                    </a:p>
+                  </a:txBody>
+                  <a:tcPr/>
+                </a:tc>
+                <a:tc>
+                  <a:txBody>
+                    <a:bodyPr/>
+                    <a:lstStyle/>
+                    <a:p>
+                      <a:pPr latinLnBrk="1"/>
+                      <a:endParaRPr lang="ko-KR" altLang="en-US" sz="1600" dirty="0"/>
+                    </a:p>
+                  </a:txBody>
+                  <a:tcPr>
+                    <a:solidFill>
+                      <a:srgbClr val="EAEFF7"/>
+                    </a:solidFill>
+                  </a:tcPr>
+                </a:tc>
+                <a:tc>
+                  <a:txBody>
+                    <a:bodyPr/>
+                    <a:lstStyle/>
+                    <a:p>
+                      <a:pPr latinLnBrk="1"/>
+                      <a:endParaRPr lang="ko-KR" altLang="en-US" sz="1600" dirty="0"/>
+                    </a:p>
+                  </a:txBody>
+                  <a:tcPr>
+                    <a:solidFill>
+                      <a:srgbClr val="EAEFF7"/>
+                    </a:solidFill>
+                  </a:tcPr>
+                </a:tc>
+                <a:tc>
+                  <a:txBody>
+                    <a:bodyPr/>
+                    <a:lstStyle/>
+                    <a:p>
+                      <a:pPr latinLnBrk="1"/>
+                      <a:endParaRPr lang="ko-KR" altLang="en-US" sz="1600"/>
+                    </a:p>
+                  </a:txBody>
+                  <a:tcPr>
+                    <a:solidFill>
+                      <a:srgbClr val="EAEFF7"/>
+                    </a:solidFill>
+                  </a:tcPr>
+                </a:tc>
+                <a:tc>
+                  <a:txBody>
+                    <a:bodyPr/>
+                    <a:lstStyle/>
+                    <a:p>
+                      <a:pPr latinLnBrk="1"/>
+                      <a:endParaRPr lang="ko-KR" altLang="en-US" sz="1600" dirty="0"/>
+                    </a:p>
+                  </a:txBody>
+                  <a:tcPr>
+                    <a:solidFill>
+                      <a:srgbClr val="EAEFF7"/>
+                    </a:solidFill>
+                  </a:tcPr>
+                </a:tc>
+                <a:tc>
+                  <a:txBody>
+                    <a:bodyPr/>
+                    <a:lstStyle/>
+                    <a:p>
+                      <a:pPr latinLnBrk="1"/>
+                      <a:endParaRPr lang="ko-KR" altLang="en-US" sz="1600" dirty="0"/>
+                    </a:p>
+                  </a:txBody>
+                  <a:tcPr>
+                    <a:solidFill>
+                      <a:srgbClr val="EAEFF7"/>
+                    </a:solidFill>
+                  </a:tcPr>
+                </a:tc>
+                <a:tc>
+                  <a:txBody>
+                    <a:bodyPr/>
+                    <a:lstStyle/>
+                    <a:p>
+                      <a:pPr latinLnBrk="1"/>
+                      <a:endParaRPr lang="ko-KR" altLang="en-US" sz="1600" dirty="0"/>
+                    </a:p>
+                  </a:txBody>
+                  <a:tcPr>
+                    <a:solidFill>
+                      <a:srgbClr val="EAEFF7"/>
+                    </a:solidFill>
+                  </a:tcPr>
+                </a:tc>
+                <a:tc>
+                  <a:txBody>
+                    <a:bodyPr/>
+                    <a:lstStyle/>
+                    <a:p>
+                      <a:pPr latinLnBrk="1"/>
+                      <a:endParaRPr lang="ko-KR" altLang="en-US" sz="1600" dirty="0"/>
+                    </a:p>
+                  </a:txBody>
+                  <a:tcPr>
+                    <a:solidFill>
+                      <a:srgbClr val="EAEFF7"/>
+                    </a:solidFill>
+                  </a:tcPr>
+                </a:tc>
+                <a:tc>
+                  <a:txBody>
+                    <a:bodyPr/>
+                    <a:lstStyle/>
+                    <a:p>
+                      <a:pPr latinLnBrk="1"/>
+                      <a:endParaRPr lang="ko-KR" altLang="en-US" sz="1600" dirty="0"/>
+                    </a:p>
+                  </a:txBody>
+                  <a:tcPr>
+                    <a:solidFill>
+                      <a:srgbClr val="EAEFF7"/>
+                    </a:solidFill>
+                  </a:tcPr>
+                </a:tc>
+                <a:tc>
+                  <a:txBody>
+                    <a:bodyPr/>
+                    <a:lstStyle/>
+                    <a:p>
+                      <a:pPr latinLnBrk="1"/>
+                      <a:endParaRPr lang="ko-KR" altLang="en-US" sz="1600" dirty="0"/>
+                    </a:p>
+                  </a:txBody>
+                  <a:tcPr>
+                    <a:solidFill>
+                      <a:schemeClr val="accent6"/>
+                    </a:solidFill>
+                  </a:tcPr>
+                </a:tc>
+                <a:tc>
+                  <a:txBody>
+                    <a:bodyPr/>
+                    <a:lstStyle/>
+                    <a:p>
+                      <a:pPr latinLnBrk="1"/>
+                      <a:endParaRPr lang="ko-KR" altLang="en-US" sz="1600" dirty="0"/>
+                    </a:p>
+                  </a:txBody>
+                  <a:tcPr>
+                    <a:solidFill>
+                      <a:schemeClr val="accent6"/>
+                    </a:solidFill>
+                  </a:tcPr>
+                </a:tc>
+                <a:extLst>
+                  <a:ext uri="{0D108BD9-81ED-4DB2-BD59-A6C34878D82A}">
+                    <a16:rowId xmlns:a16="http://schemas.microsoft.com/office/drawing/2014/main" val="468445199"/>
+                  </a:ext>
+                </a:extLst>
+              </a:tr>
+              <a:tr h="402487">
+                <a:tc>
+                  <a:txBody>
+                    <a:bodyPr/>
+                    <a:lstStyle/>
+                    <a:p>
+                      <a:r>
+                        <a:rPr lang="ko-KR" altLang="en-US" dirty="0" smtClean="0"/>
+                        <a:t>최종 통합</a:t>
+                      </a:r>
+                      <a:endParaRPr lang="ko-KR" altLang="en-US" dirty="0"/>
+                    </a:p>
+                  </a:txBody>
+                  <a:tcPr/>
+                </a:tc>
+                <a:tc>
+                  <a:txBody>
+                    <a:bodyPr/>
+                    <a:lstStyle/>
+                    <a:p>
+                      <a:pPr latinLnBrk="1"/>
+                      <a:endParaRPr lang="ko-KR" altLang="en-US" sz="1600" dirty="0"/>
+                    </a:p>
+                  </a:txBody>
+                  <a:tcPr>
+                    <a:solidFill>
+                      <a:srgbClr val="D2DEEF"/>
+                    </a:solidFill>
+                  </a:tcPr>
+                </a:tc>
+                <a:tc>
+                  <a:txBody>
+                    <a:bodyPr/>
+                    <a:lstStyle/>
+                    <a:p>
+                      <a:pPr latinLnBrk="1"/>
+                      <a:endParaRPr lang="ko-KR" altLang="en-US" sz="1600" dirty="0"/>
+                    </a:p>
+                  </a:txBody>
+                  <a:tcPr>
+                    <a:solidFill>
+                      <a:srgbClr val="D2DEEF"/>
+                    </a:solidFill>
+                  </a:tcPr>
+                </a:tc>
+                <a:tc>
+                  <a:txBody>
+                    <a:bodyPr/>
+                    <a:lstStyle/>
+                    <a:p>
+                      <a:pPr latinLnBrk="1"/>
+                      <a:endParaRPr lang="ko-KR" altLang="en-US" sz="1600" dirty="0"/>
+                    </a:p>
+                  </a:txBody>
+                  <a:tcPr>
+                    <a:solidFill>
+                      <a:srgbClr val="D2DEEF"/>
+                    </a:solidFill>
+                  </a:tcPr>
+                </a:tc>
+                <a:tc>
+                  <a:txBody>
+                    <a:bodyPr/>
+                    <a:lstStyle/>
+                    <a:p>
+                      <a:pPr latinLnBrk="1"/>
+                      <a:endParaRPr lang="ko-KR" altLang="en-US" sz="1600" dirty="0"/>
+                    </a:p>
+                  </a:txBody>
+                  <a:tcPr>
+                    <a:solidFill>
+                      <a:srgbClr val="D2DEEF"/>
+                    </a:solidFill>
+                  </a:tcPr>
+                </a:tc>
+                <a:tc>
+                  <a:txBody>
+                    <a:bodyPr/>
+                    <a:lstStyle/>
+                    <a:p>
+                      <a:pPr latinLnBrk="1"/>
+                      <a:endParaRPr lang="ko-KR" altLang="en-US" sz="1600" dirty="0"/>
+                    </a:p>
+                  </a:txBody>
+                  <a:tcPr>
+                    <a:solidFill>
+                      <a:srgbClr val="D2DEEF"/>
+                    </a:solidFill>
+                  </a:tcPr>
+                </a:tc>
+                <a:tc>
+                  <a:txBody>
+                    <a:bodyPr/>
+                    <a:lstStyle/>
+                    <a:p>
+                      <a:pPr latinLnBrk="1"/>
+                      <a:endParaRPr lang="ko-KR" altLang="en-US" sz="1600" dirty="0"/>
+                    </a:p>
+                  </a:txBody>
+                  <a:tcPr>
+                    <a:solidFill>
+                      <a:srgbClr val="D2DEEF"/>
+                    </a:solidFill>
+                  </a:tcPr>
+                </a:tc>
+                <a:tc>
+                  <a:txBody>
+                    <a:bodyPr/>
+                    <a:lstStyle/>
+                    <a:p>
+                      <a:pPr latinLnBrk="1"/>
+                      <a:endParaRPr lang="ko-KR" altLang="en-US" sz="1600" dirty="0"/>
+                    </a:p>
+                  </a:txBody>
+                  <a:tcPr>
+                    <a:solidFill>
+                      <a:srgbClr val="D2DEEF"/>
+                    </a:solidFill>
+                  </a:tcPr>
+                </a:tc>
+                <a:tc>
+                  <a:txBody>
+                    <a:bodyPr/>
+                    <a:lstStyle/>
+                    <a:p>
+                      <a:pPr latinLnBrk="1"/>
+                      <a:endParaRPr lang="ko-KR" altLang="en-US" sz="1600" dirty="0"/>
+                    </a:p>
+                  </a:txBody>
+                  <a:tcPr>
+                    <a:solidFill>
+                      <a:srgbClr val="D2DEEF"/>
+                    </a:solidFill>
+                  </a:tcPr>
+                </a:tc>
+                <a:tc>
+                  <a:txBody>
+                    <a:bodyPr/>
+                    <a:lstStyle/>
+                    <a:p>
+                      <a:pPr latinLnBrk="1"/>
+                      <a:endParaRPr lang="ko-KR" altLang="en-US" sz="1600" dirty="0"/>
+                    </a:p>
+                  </a:txBody>
+                  <a:tcPr>
+                    <a:solidFill>
+                      <a:schemeClr val="accent6"/>
+                    </a:solidFill>
+                  </a:tcPr>
+                </a:tc>
+                <a:tc>
+                  <a:txBody>
+                    <a:bodyPr/>
+                    <a:lstStyle/>
+                    <a:p>
+                      <a:pPr latinLnBrk="1"/>
+                      <a:endParaRPr lang="ko-KR" altLang="en-US" sz="1600" dirty="0"/>
+                    </a:p>
+                  </a:txBody>
+                  <a:tcPr>
+                    <a:solidFill>
+                      <a:schemeClr val="accent6"/>
+                    </a:solidFill>
+                  </a:tcPr>
+                </a:tc>
+                <a:extLst>
+                  <a:ext uri="{0D108BD9-81ED-4DB2-BD59-A6C34878D82A}">
+                    <a16:rowId xmlns:a16="http://schemas.microsoft.com/office/drawing/2014/main" val="2640656553"/>
+                  </a:ext>
+                </a:extLst>
+              </a:tr>
+            </a:tbl>
+          </a:graphicData>
+        </a:graphic>
+      </p:graphicFrame>
+      <p:sp>
+        <p:nvSpPr>
+          <p:cNvPr id="3" name="직사각형 2"/>
+          <p:cNvSpPr/>
+          <p:nvPr/>
+        </p:nvSpPr>
+        <p:spPr>
+          <a:xfrm>
+            <a:off x="10218821" y="36095"/>
+            <a:ext cx="745958" cy="216568"/>
+          </a:xfrm>
+          <a:prstGeom prst="rect">
+            <a:avLst/>
+          </a:prstGeom>
+          <a:solidFill>
+            <a:srgbClr val="5B9BD5"/>
+          </a:solidFill>
+        </p:spPr>
+        <p:style>
+          <a:lnRef idx="2">
+            <a:schemeClr val="accent1">
+              <a:shade val="50000"/>
+            </a:schemeClr>
+          </a:lnRef>
+          <a:fillRef idx="1">
+            <a:schemeClr val="accent1"/>
+          </a:fillRef>
+          <a:effectRef idx="0">
+            <a:schemeClr val="accent1"/>
+          </a:effectRef>
+          <a:fontRef idx="minor">
+            <a:schemeClr val="lt1"/>
+          </a:fontRef>
+        </p:style>
+        <p:txBody>
+          <a:bodyPr rtlCol="0" anchor="ctr"/>
           <a:lstStyle/>
           <a:p>
+            <a:pPr algn="ctr"/>
             <a:endParaRPr lang="ko-KR" altLang="en-US"/>
+          </a:p>
+        </p:txBody>
+      </p:sp>
+      <p:sp>
+        <p:nvSpPr>
+          <p:cNvPr id="7" name="직사각형 6"/>
+          <p:cNvSpPr/>
+          <p:nvPr/>
+        </p:nvSpPr>
+        <p:spPr>
+          <a:xfrm>
+            <a:off x="10218821" y="330940"/>
+            <a:ext cx="745958" cy="216568"/>
+          </a:xfrm>
+          <a:prstGeom prst="rect">
+            <a:avLst/>
+          </a:prstGeom>
+          <a:solidFill>
+            <a:schemeClr val="accent6"/>
+          </a:solidFill>
+        </p:spPr>
+        <p:style>
+          <a:lnRef idx="2">
+            <a:schemeClr val="accent1">
+              <a:shade val="50000"/>
+            </a:schemeClr>
+          </a:lnRef>
+          <a:fillRef idx="1">
+            <a:schemeClr val="accent1"/>
+          </a:fillRef>
+          <a:effectRef idx="0">
+            <a:schemeClr val="accent1"/>
+          </a:effectRef>
+          <a:fontRef idx="minor">
+            <a:schemeClr val="lt1"/>
+          </a:fontRef>
+        </p:style>
+        <p:txBody>
+          <a:bodyPr rtlCol="0" anchor="ctr"/>
+          <a:lstStyle/>
+          <a:p>
+            <a:pPr algn="ctr"/>
+            <a:endParaRPr lang="ko-KR" altLang="en-US"/>
+          </a:p>
+        </p:txBody>
+      </p:sp>
+      <p:sp>
+        <p:nvSpPr>
+          <p:cNvPr id="8" name="직사각형 7"/>
+          <p:cNvSpPr/>
+          <p:nvPr/>
+        </p:nvSpPr>
+        <p:spPr>
+          <a:xfrm>
+            <a:off x="10218821" y="625786"/>
+            <a:ext cx="745958" cy="216568"/>
+          </a:xfrm>
+          <a:prstGeom prst="rect">
+            <a:avLst/>
+          </a:prstGeom>
+          <a:solidFill>
+            <a:schemeClr val="tx1"/>
+          </a:solidFill>
+        </p:spPr>
+        <p:style>
+          <a:lnRef idx="2">
+            <a:schemeClr val="accent1">
+              <a:shade val="50000"/>
+            </a:schemeClr>
+          </a:lnRef>
+          <a:fillRef idx="1">
+            <a:schemeClr val="accent1"/>
+          </a:fillRef>
+          <a:effectRef idx="0">
+            <a:schemeClr val="accent1"/>
+          </a:effectRef>
+          <a:fontRef idx="minor">
+            <a:schemeClr val="lt1"/>
+          </a:fontRef>
+        </p:style>
+        <p:txBody>
+          <a:bodyPr rtlCol="0" anchor="ctr"/>
+          <a:lstStyle/>
+          <a:p>
+            <a:pPr algn="ctr"/>
+            <a:endParaRPr lang="ko-KR" altLang="en-US"/>
+          </a:p>
+        </p:txBody>
+      </p:sp>
+      <p:sp>
+        <p:nvSpPr>
+          <p:cNvPr id="10" name="TextBox 9"/>
+          <p:cNvSpPr txBox="1"/>
+          <p:nvPr/>
+        </p:nvSpPr>
+        <p:spPr>
+          <a:xfrm>
+            <a:off x="9336505" y="-40287"/>
+            <a:ext cx="1163052" cy="369332"/>
+          </a:xfrm>
+          <a:prstGeom prst="rect">
+            <a:avLst/>
+          </a:prstGeom>
+          <a:noFill/>
+        </p:spPr>
+        <p:txBody>
+          <a:bodyPr wrap="square" rtlCol="0">
+            <a:spAutoFit/>
+          </a:bodyPr>
+          <a:lstStyle/>
+          <a:p>
+            <a:r>
+              <a:rPr lang="ko-KR" altLang="en-US" dirty="0" smtClean="0"/>
+              <a:t>진행</a:t>
+            </a:r>
+            <a:endParaRPr lang="ko-KR" altLang="en-US" dirty="0"/>
+          </a:p>
+        </p:txBody>
+      </p:sp>
+      <p:sp>
+        <p:nvSpPr>
+          <p:cNvPr id="11" name="TextBox 10"/>
+          <p:cNvSpPr txBox="1"/>
+          <p:nvPr/>
+        </p:nvSpPr>
+        <p:spPr>
+          <a:xfrm>
+            <a:off x="9336505" y="241633"/>
+            <a:ext cx="1163052" cy="369332"/>
+          </a:xfrm>
+          <a:prstGeom prst="rect">
+            <a:avLst/>
+          </a:prstGeom>
+          <a:noFill/>
+        </p:spPr>
+        <p:txBody>
+          <a:bodyPr wrap="square" rtlCol="0">
+            <a:spAutoFit/>
+          </a:bodyPr>
+          <a:lstStyle/>
+          <a:p>
+            <a:r>
+              <a:rPr lang="ko-KR" altLang="en-US" dirty="0" smtClean="0"/>
+              <a:t>예정</a:t>
+            </a:r>
+            <a:endParaRPr lang="ko-KR" altLang="en-US" dirty="0"/>
+          </a:p>
+        </p:txBody>
+      </p:sp>
+      <p:sp>
+        <p:nvSpPr>
+          <p:cNvPr id="12" name="TextBox 11"/>
+          <p:cNvSpPr txBox="1"/>
+          <p:nvPr/>
+        </p:nvSpPr>
+        <p:spPr>
+          <a:xfrm>
+            <a:off x="9336505" y="526417"/>
+            <a:ext cx="1163052" cy="369332"/>
+          </a:xfrm>
+          <a:prstGeom prst="rect">
+            <a:avLst/>
+          </a:prstGeom>
+          <a:noFill/>
+        </p:spPr>
+        <p:txBody>
+          <a:bodyPr wrap="square" rtlCol="0">
+            <a:spAutoFit/>
+          </a:bodyPr>
+          <a:lstStyle/>
+          <a:p>
+            <a:r>
+              <a:rPr lang="ko-KR" altLang="en-US" dirty="0" smtClean="0"/>
+              <a:t>완성</a:t>
+            </a:r>
+            <a:endParaRPr lang="ko-KR" altLang="en-US" dirty="0"/>
           </a:p>
         </p:txBody>
       </p:sp>
@@ -3722,6 +10233,13 @@
   <p:clrMapOvr>
     <a:masterClrMapping/>
   </p:clrMapOvr>
+  <p:timing>
+    <p:tnLst>
+      <p:par>
+        <p:cTn id="1" dur="indefinite" restart="never" nodeType="tmRoot"/>
+      </p:par>
+    </p:tnLst>
+  </p:timing>
 </p:sld>
 </file>
 
@@ -3754,13 +10272,13 @@
         </p:nvSpPr>
         <p:spPr>
           <a:xfrm>
-            <a:off x="368967" y="665163"/>
-            <a:ext cx="4628149" cy="1027279"/>
+            <a:off x="0" y="1"/>
+            <a:ext cx="7086599" cy="816428"/>
           </a:xfrm>
         </p:spPr>
         <p:txBody>
           <a:bodyPr>
-            <a:normAutofit/>
+            <a:normAutofit fontScale="90000"/>
           </a:bodyPr>
           <a:lstStyle/>
           <a:p>
@@ -3772,26 +10290,359 @@
               <a:rPr lang="ko-KR" altLang="en-US" dirty="0" smtClean="0"/>
               <a:t>정의서</a:t>
             </a:r>
+            <a:r>
+              <a:rPr lang="en-US" altLang="ko-KR" dirty="0" smtClean="0"/>
+              <a:t>(</a:t>
+            </a:r>
+            <a:r>
+              <a:rPr lang="ko-KR" altLang="en-US" dirty="0" smtClean="0"/>
+              <a:t>로그인 기능</a:t>
+            </a:r>
+            <a:r>
+              <a:rPr lang="en-US" altLang="ko-KR" dirty="0" smtClean="0"/>
+              <a:t>)</a:t>
+            </a:r>
             <a:endParaRPr lang="ko-KR" altLang="en-US" dirty="0"/>
           </a:p>
         </p:txBody>
       </p:sp>
-      <p:sp>
-        <p:nvSpPr>
-          <p:cNvPr id="5" name="부제목 4"/>
-          <p:cNvSpPr>
-            <a:spLocks noGrp="1"/>
-          </p:cNvSpPr>
-          <p:nvPr>
-            <p:ph type="subTitle" idx="1"/>
-          </p:nvPr>
-        </p:nvSpPr>
-        <p:spPr/>
-        <p:txBody>
-          <a:bodyPr/>
+      <p:pic>
+        <p:nvPicPr>
+          <p:cNvPr id="6" name="그림 5"/>
+          <p:cNvPicPr>
+            <a:picLocks noChangeAspect="1"/>
+          </p:cNvPicPr>
+          <p:nvPr/>
+        </p:nvPicPr>
+        <p:blipFill>
+          <a:blip r:embed="rId2">
+            <a:extLst>
+              <a:ext uri="{28A0092B-C50C-407E-A947-70E740481C1C}">
+                <a14:useLocalDpi xmlns:a14="http://schemas.microsoft.com/office/drawing/2010/main" val="0"/>
+              </a:ext>
+            </a:extLst>
+          </a:blip>
+          <a:stretch>
+            <a:fillRect/>
+          </a:stretch>
+        </p:blipFill>
+        <p:spPr>
+          <a:xfrm>
+            <a:off x="0" y="2112141"/>
+            <a:ext cx="2915057" cy="2686425"/>
+          </a:xfrm>
+          <a:prstGeom prst="rect">
+            <a:avLst/>
+          </a:prstGeom>
+        </p:spPr>
+      </p:pic>
+      <p:pic>
+        <p:nvPicPr>
+          <p:cNvPr id="7" name="그림 6"/>
+          <p:cNvPicPr>
+            <a:picLocks noChangeAspect="1"/>
+          </p:cNvPicPr>
+          <p:nvPr/>
+        </p:nvPicPr>
+        <p:blipFill>
+          <a:blip r:embed="rId3">
+            <a:extLst>
+              <a:ext uri="{28A0092B-C50C-407E-A947-70E740481C1C}">
+                <a14:useLocalDpi xmlns:a14="http://schemas.microsoft.com/office/drawing/2010/main" val="0"/>
+              </a:ext>
+            </a:extLst>
+          </a:blip>
+          <a:stretch>
+            <a:fillRect/>
+          </a:stretch>
+        </p:blipFill>
+        <p:spPr>
+          <a:xfrm>
+            <a:off x="3253700" y="2220662"/>
+            <a:ext cx="3028813" cy="2577904"/>
+          </a:xfrm>
+          <a:prstGeom prst="rect">
+            <a:avLst/>
+          </a:prstGeom>
+        </p:spPr>
+      </p:pic>
+      <p:sp>
+        <p:nvSpPr>
+          <p:cNvPr id="8" name="오른쪽 화살표 7"/>
+          <p:cNvSpPr/>
+          <p:nvPr/>
+        </p:nvSpPr>
+        <p:spPr>
+          <a:xfrm>
+            <a:off x="2878367" y="3365235"/>
+            <a:ext cx="280737" cy="288758"/>
+          </a:xfrm>
+          <a:prstGeom prst="rightArrow">
+            <a:avLst/>
+          </a:prstGeom>
+        </p:spPr>
+        <p:style>
+          <a:lnRef idx="2">
+            <a:schemeClr val="accent1">
+              <a:shade val="50000"/>
+            </a:schemeClr>
+          </a:lnRef>
+          <a:fillRef idx="1">
+            <a:schemeClr val="accent1"/>
+          </a:fillRef>
+          <a:effectRef idx="0">
+            <a:schemeClr val="accent1"/>
+          </a:effectRef>
+          <a:fontRef idx="minor">
+            <a:schemeClr val="lt1"/>
+          </a:fontRef>
+        </p:style>
+        <p:txBody>
+          <a:bodyPr rtlCol="0" anchor="ctr"/>
           <a:lstStyle/>
           <a:p>
+            <a:pPr algn="ctr"/>
             <a:endParaRPr lang="ko-KR" altLang="en-US"/>
+          </a:p>
+        </p:txBody>
+      </p:sp>
+      <p:pic>
+        <p:nvPicPr>
+          <p:cNvPr id="9" name="그림 8"/>
+          <p:cNvPicPr>
+            <a:picLocks noChangeAspect="1"/>
+          </p:cNvPicPr>
+          <p:nvPr/>
+        </p:nvPicPr>
+        <p:blipFill>
+          <a:blip r:embed="rId4">
+            <a:extLst>
+              <a:ext uri="{28A0092B-C50C-407E-A947-70E740481C1C}">
+                <a14:useLocalDpi xmlns:a14="http://schemas.microsoft.com/office/drawing/2010/main" val="0"/>
+              </a:ext>
+            </a:extLst>
+          </a:blip>
+          <a:stretch>
+            <a:fillRect/>
+          </a:stretch>
+        </p:blipFill>
+        <p:spPr>
+          <a:xfrm>
+            <a:off x="7827838" y="4355433"/>
+            <a:ext cx="3289341" cy="2502568"/>
+          </a:xfrm>
+          <a:prstGeom prst="rect">
+            <a:avLst/>
+          </a:prstGeom>
+        </p:spPr>
+      </p:pic>
+      <p:pic>
+        <p:nvPicPr>
+          <p:cNvPr id="10" name="그림 9"/>
+          <p:cNvPicPr>
+            <a:picLocks noChangeAspect="1"/>
+          </p:cNvPicPr>
+          <p:nvPr/>
+        </p:nvPicPr>
+        <p:blipFill>
+          <a:blip r:embed="rId5">
+            <a:extLst>
+              <a:ext uri="{28A0092B-C50C-407E-A947-70E740481C1C}">
+                <a14:useLocalDpi xmlns:a14="http://schemas.microsoft.com/office/drawing/2010/main" val="0"/>
+              </a:ext>
+            </a:extLst>
+          </a:blip>
+          <a:stretch>
+            <a:fillRect/>
+          </a:stretch>
+        </p:blipFill>
+        <p:spPr>
+          <a:xfrm>
+            <a:off x="7692190" y="0"/>
+            <a:ext cx="3307274" cy="2834815"/>
+          </a:xfrm>
+          <a:prstGeom prst="rect">
+            <a:avLst/>
+          </a:prstGeom>
+        </p:spPr>
+      </p:pic>
+      <p:sp>
+        <p:nvSpPr>
+          <p:cNvPr id="14" name="위로 굽은 화살표 13"/>
+          <p:cNvSpPr/>
+          <p:nvPr/>
+        </p:nvSpPr>
+        <p:spPr>
+          <a:xfrm rot="5400000">
+            <a:off x="5674434" y="4290173"/>
+            <a:ext cx="1128991" cy="2633088"/>
+          </a:xfrm>
+          <a:prstGeom prst="bentUpArrow">
+            <a:avLst>
+              <a:gd name="adj1" fmla="val 25000"/>
+              <a:gd name="adj2" fmla="val 27381"/>
+              <a:gd name="adj3" fmla="val 25000"/>
+            </a:avLst>
+          </a:prstGeom>
+        </p:spPr>
+        <p:style>
+          <a:lnRef idx="2">
+            <a:schemeClr val="accent1">
+              <a:shade val="50000"/>
+            </a:schemeClr>
+          </a:lnRef>
+          <a:fillRef idx="1">
+            <a:schemeClr val="accent1"/>
+          </a:fillRef>
+          <a:effectRef idx="0">
+            <a:schemeClr val="accent1"/>
+          </a:effectRef>
+          <a:fontRef idx="minor">
+            <a:schemeClr val="lt1"/>
+          </a:fontRef>
+        </p:style>
+        <p:txBody>
+          <a:bodyPr rtlCol="0" anchor="ctr"/>
+          <a:lstStyle/>
+          <a:p>
+            <a:pPr algn="ctr"/>
+            <a:endParaRPr lang="ko-KR" altLang="en-US"/>
+          </a:p>
+        </p:txBody>
+      </p:sp>
+      <p:sp>
+        <p:nvSpPr>
+          <p:cNvPr id="15" name="위로 굽은 화살표 14"/>
+          <p:cNvSpPr/>
+          <p:nvPr/>
+        </p:nvSpPr>
+        <p:spPr>
+          <a:xfrm rot="5400000" flipH="1">
+            <a:off x="5702686" y="173750"/>
+            <a:ext cx="1128991" cy="2689589"/>
+          </a:xfrm>
+          <a:prstGeom prst="bentUpArrow">
+            <a:avLst>
+              <a:gd name="adj1" fmla="val 25000"/>
+              <a:gd name="adj2" fmla="val 24895"/>
+              <a:gd name="adj3" fmla="val 25000"/>
+            </a:avLst>
+          </a:prstGeom>
+        </p:spPr>
+        <p:style>
+          <a:lnRef idx="2">
+            <a:schemeClr val="accent1">
+              <a:shade val="50000"/>
+            </a:schemeClr>
+          </a:lnRef>
+          <a:fillRef idx="1">
+            <a:schemeClr val="accent1"/>
+          </a:fillRef>
+          <a:effectRef idx="0">
+            <a:schemeClr val="accent1"/>
+          </a:effectRef>
+          <a:fontRef idx="minor">
+            <a:schemeClr val="lt1"/>
+          </a:fontRef>
+        </p:style>
+        <p:txBody>
+          <a:bodyPr rtlCol="0" anchor="ctr"/>
+          <a:lstStyle/>
+          <a:p>
+            <a:pPr algn="ctr"/>
+            <a:endParaRPr lang="ko-KR" altLang="en-US"/>
+          </a:p>
+        </p:txBody>
+      </p:sp>
+      <p:sp>
+        <p:nvSpPr>
+          <p:cNvPr id="16" name="TextBox 15"/>
+          <p:cNvSpPr txBox="1"/>
+          <p:nvPr/>
+        </p:nvSpPr>
+        <p:spPr>
+          <a:xfrm>
+            <a:off x="5241756" y="1518544"/>
+            <a:ext cx="2205788" cy="369332"/>
+          </a:xfrm>
+          <a:prstGeom prst="rect">
+            <a:avLst/>
+          </a:prstGeom>
+          <a:noFill/>
+        </p:spPr>
+        <p:txBody>
+          <a:bodyPr wrap="square" rtlCol="0">
+            <a:spAutoFit/>
+          </a:bodyPr>
+          <a:lstStyle/>
+          <a:p>
+            <a:r>
+              <a:rPr lang="en-US" altLang="ko-KR" dirty="0" smtClean="0">
+                <a:solidFill>
+                  <a:schemeClr val="accent1"/>
+                </a:solidFill>
+              </a:rPr>
+              <a:t>Id &amp; Password</a:t>
+            </a:r>
+            <a:r>
+              <a:rPr lang="ko-KR" altLang="en-US" dirty="0" smtClean="0">
+                <a:solidFill>
+                  <a:schemeClr val="accent1"/>
+                </a:solidFill>
+              </a:rPr>
+              <a:t>일치</a:t>
+            </a:r>
+            <a:endParaRPr lang="ko-KR" altLang="en-US" dirty="0">
+              <a:solidFill>
+                <a:schemeClr val="accent1"/>
+              </a:solidFill>
+            </a:endParaRPr>
+          </a:p>
+        </p:txBody>
+      </p:sp>
+      <p:sp>
+        <p:nvSpPr>
+          <p:cNvPr id="17" name="TextBox 16"/>
+          <p:cNvSpPr txBox="1"/>
+          <p:nvPr/>
+        </p:nvSpPr>
+        <p:spPr>
+          <a:xfrm>
+            <a:off x="5190326" y="5237385"/>
+            <a:ext cx="2421650" cy="369332"/>
+          </a:xfrm>
+          <a:prstGeom prst="rect">
+            <a:avLst/>
+          </a:prstGeom>
+          <a:noFill/>
+        </p:spPr>
+        <p:txBody>
+          <a:bodyPr wrap="square" rtlCol="0">
+            <a:spAutoFit/>
+          </a:bodyPr>
+          <a:lstStyle/>
+          <a:p>
+            <a:r>
+              <a:rPr lang="en-US" altLang="ko-KR" dirty="0" smtClean="0">
+                <a:solidFill>
+                  <a:srgbClr val="FF0000"/>
+                </a:solidFill>
+              </a:rPr>
+              <a:t>Id &amp; Password</a:t>
+            </a:r>
+            <a:r>
+              <a:rPr lang="ko-KR" altLang="en-US" dirty="0" smtClean="0">
+                <a:solidFill>
+                  <a:srgbClr val="FF0000"/>
+                </a:solidFill>
+              </a:rPr>
+              <a:t>불일치</a:t>
+            </a:r>
+            <a:endParaRPr lang="ko-KR" altLang="en-US" dirty="0">
+              <a:solidFill>
+                <a:srgbClr val="FF0000"/>
+              </a:solidFill>
+            </a:endParaRPr>
           </a:p>
         </p:txBody>
       </p:sp>
@@ -3805,6 +10656,13 @@
   <p:clrMapOvr>
     <a:masterClrMapping/>
   </p:clrMapOvr>
+  <p:timing>
+    <p:tnLst>
+      <p:par>
+        <p:cTn id="1" dur="indefinite" restart="never" nodeType="tmRoot"/>
+      </p:par>
+    </p:tnLst>
+  </p:timing>
 </p:sld>
 </file>
 
@@ -3827,57 +10685,426 @@
       </p:grpSpPr>
       <p:sp>
         <p:nvSpPr>
-          <p:cNvPr id="2" name="제목 1"/>
-          <p:cNvSpPr>
-            <a:spLocks noGrp="1"/>
+          <p:cNvPr id="4" name="제목 1"/>
+          <p:cNvSpPr txBox="1">
+            <a:spLocks/>
           </p:cNvSpPr>
-          <p:nvPr>
-            <p:ph type="ctrTitle"/>
-          </p:nvPr>
+          <p:nvPr/>
         </p:nvSpPr>
         <p:spPr>
           <a:xfrm>
-            <a:off x="368967" y="665163"/>
-            <a:ext cx="4628149" cy="1027279"/>
-          </a:xfrm>
-        </p:spPr>
-        <p:txBody>
-          <a:bodyPr>
-            <a:normAutofit/>
+            <a:off x="0" y="1"/>
+            <a:ext cx="7086599" cy="816428"/>
+          </a:xfrm>
+          <a:prstGeom prst="rect">
+            <a:avLst/>
+          </a:prstGeom>
+        </p:spPr>
+        <p:txBody>
+          <a:bodyPr vert="horz" lIns="91440" tIns="45720" rIns="91440" bIns="45720" rtlCol="0" anchor="ctr">
+            <a:normAutofit fontScale="97500"/>
+          </a:bodyPr>
+          <a:lstStyle>
+            <a:lvl1pPr algn="l" defTabSz="914400" rtl="0" eaLnBrk="1" latinLnBrk="1" hangingPunct="1">
+              <a:lnSpc>
+                <a:spcPct val="90000"/>
+              </a:lnSpc>
+              <a:spcBef>
+                <a:spcPct val="0"/>
+              </a:spcBef>
+              <a:buNone/>
+              <a:defRPr sz="4400" kern="1200">
+                <a:solidFill>
+                  <a:schemeClr val="tx1"/>
+                </a:solidFill>
+                <a:latin typeface="+mj-lt"/>
+                <a:ea typeface="+mj-ea"/>
+                <a:cs typeface="+mj-cs"/>
+              </a:defRPr>
+            </a:lvl1pPr>
+          </a:lstStyle>
+          <a:p>
+            <a:r>
+              <a:rPr lang="en-US" altLang="ko-KR" dirty="0" smtClean="0"/>
+              <a:t>UI </a:t>
+            </a:r>
+            <a:r>
+              <a:rPr lang="ko-KR" altLang="en-US" dirty="0" smtClean="0"/>
+              <a:t>정의서</a:t>
+            </a:r>
+            <a:r>
+              <a:rPr lang="en-US" altLang="ko-KR" dirty="0" smtClean="0"/>
+              <a:t>(</a:t>
+            </a:r>
+            <a:r>
+              <a:rPr lang="ko-KR" altLang="en-US" dirty="0" smtClean="0"/>
+              <a:t>회원가입</a:t>
+            </a:r>
+            <a:r>
+              <a:rPr lang="en-US" altLang="ko-KR" dirty="0" smtClean="0"/>
+              <a:t>)</a:t>
+            </a:r>
+            <a:endParaRPr lang="ko-KR" altLang="en-US" dirty="0"/>
+          </a:p>
+        </p:txBody>
+      </p:sp>
+      <p:pic>
+        <p:nvPicPr>
+          <p:cNvPr id="5" name="그림 4"/>
+          <p:cNvPicPr>
+            <a:picLocks noChangeAspect="1"/>
+          </p:cNvPicPr>
+          <p:nvPr/>
+        </p:nvPicPr>
+        <p:blipFill>
+          <a:blip r:embed="rId2">
+            <a:extLst>
+              <a:ext uri="{28A0092B-C50C-407E-A947-70E740481C1C}">
+                <a14:useLocalDpi xmlns:a14="http://schemas.microsoft.com/office/drawing/2010/main" val="0"/>
+              </a:ext>
+            </a:extLst>
+          </a:blip>
+          <a:stretch>
+            <a:fillRect/>
+          </a:stretch>
+        </p:blipFill>
+        <p:spPr>
+          <a:xfrm>
+            <a:off x="216568" y="2055993"/>
+            <a:ext cx="2915057" cy="2686425"/>
+          </a:xfrm>
+          <a:prstGeom prst="rect">
+            <a:avLst/>
+          </a:prstGeom>
+        </p:spPr>
+      </p:pic>
+      <p:pic>
+        <p:nvPicPr>
+          <p:cNvPr id="6" name="그림 5"/>
+          <p:cNvPicPr>
+            <a:picLocks noChangeAspect="1"/>
+          </p:cNvPicPr>
+          <p:nvPr/>
+        </p:nvPicPr>
+        <p:blipFill>
+          <a:blip r:embed="rId3">
+            <a:extLst>
+              <a:ext uri="{28A0092B-C50C-407E-A947-70E740481C1C}">
+                <a14:useLocalDpi xmlns:a14="http://schemas.microsoft.com/office/drawing/2010/main" val="0"/>
+              </a:ext>
+            </a:extLst>
+          </a:blip>
+          <a:stretch>
+            <a:fillRect/>
+          </a:stretch>
+        </p:blipFill>
+        <p:spPr>
+          <a:xfrm>
+            <a:off x="8414579" y="221015"/>
+            <a:ext cx="2191056" cy="2734057"/>
+          </a:xfrm>
+          <a:prstGeom prst="rect">
+            <a:avLst/>
+          </a:prstGeom>
+        </p:spPr>
+      </p:pic>
+      <p:pic>
+        <p:nvPicPr>
+          <p:cNvPr id="7" name="그림 6"/>
+          <p:cNvPicPr>
+            <a:picLocks noChangeAspect="1"/>
+          </p:cNvPicPr>
+          <p:nvPr/>
+        </p:nvPicPr>
+        <p:blipFill>
+          <a:blip r:embed="rId4">
+            <a:extLst>
+              <a:ext uri="{28A0092B-C50C-407E-A947-70E740481C1C}">
+                <a14:useLocalDpi xmlns:a14="http://schemas.microsoft.com/office/drawing/2010/main" val="0"/>
+              </a:ext>
+            </a:extLst>
+          </a:blip>
+          <a:stretch>
+            <a:fillRect/>
+          </a:stretch>
+        </p:blipFill>
+        <p:spPr>
+          <a:xfrm>
+            <a:off x="4398893" y="2075045"/>
+            <a:ext cx="2191056" cy="2648320"/>
+          </a:xfrm>
+          <a:prstGeom prst="rect">
+            <a:avLst/>
+          </a:prstGeom>
+        </p:spPr>
+      </p:pic>
+      <p:pic>
+        <p:nvPicPr>
+          <p:cNvPr id="8" name="그림 7"/>
+          <p:cNvPicPr>
+            <a:picLocks noChangeAspect="1"/>
+          </p:cNvPicPr>
+          <p:nvPr/>
+        </p:nvPicPr>
+        <p:blipFill>
+          <a:blip r:embed="rId5">
+            <a:extLst>
+              <a:ext uri="{28A0092B-C50C-407E-A947-70E740481C1C}">
+                <a14:useLocalDpi xmlns:a14="http://schemas.microsoft.com/office/drawing/2010/main" val="0"/>
+              </a:ext>
+            </a:extLst>
+          </a:blip>
+          <a:stretch>
+            <a:fillRect/>
+          </a:stretch>
+        </p:blipFill>
+        <p:spPr>
+          <a:xfrm>
+            <a:off x="8462211" y="3856193"/>
+            <a:ext cx="2095792" cy="2562583"/>
+          </a:xfrm>
+          <a:prstGeom prst="rect">
+            <a:avLst/>
+          </a:prstGeom>
+        </p:spPr>
+      </p:pic>
+      <p:sp>
+        <p:nvSpPr>
+          <p:cNvPr id="9" name="오른쪽 화살표 8"/>
+          <p:cNvSpPr/>
+          <p:nvPr/>
+        </p:nvSpPr>
+        <p:spPr>
+          <a:xfrm>
+            <a:off x="3328737" y="3264568"/>
+            <a:ext cx="970547" cy="360948"/>
+          </a:xfrm>
+          <a:prstGeom prst="rightArrow">
+            <a:avLst/>
+          </a:prstGeom>
+        </p:spPr>
+        <p:style>
+          <a:lnRef idx="2">
+            <a:schemeClr val="accent1">
+              <a:shade val="50000"/>
+            </a:schemeClr>
+          </a:lnRef>
+          <a:fillRef idx="1">
+            <a:schemeClr val="accent1"/>
+          </a:fillRef>
+          <a:effectRef idx="0">
+            <a:schemeClr val="accent1"/>
+          </a:effectRef>
+          <a:fontRef idx="minor">
+            <a:schemeClr val="lt1"/>
+          </a:fontRef>
+        </p:style>
+        <p:txBody>
+          <a:bodyPr rtlCol="0" anchor="ctr"/>
+          <a:lstStyle/>
+          <a:p>
+            <a:pPr algn="ctr"/>
+            <a:endParaRPr lang="ko-KR" altLang="en-US"/>
+          </a:p>
+        </p:txBody>
+      </p:sp>
+      <p:sp>
+        <p:nvSpPr>
+          <p:cNvPr id="11" name="굽은 화살표 10"/>
+          <p:cNvSpPr/>
+          <p:nvPr/>
+        </p:nvSpPr>
+        <p:spPr>
+          <a:xfrm>
+            <a:off x="5157537" y="1090863"/>
+            <a:ext cx="3072063" cy="834190"/>
+          </a:xfrm>
+          <a:prstGeom prst="bentArrow">
+            <a:avLst/>
+          </a:prstGeom>
+        </p:spPr>
+        <p:style>
+          <a:lnRef idx="2">
+            <a:schemeClr val="accent1">
+              <a:shade val="50000"/>
+            </a:schemeClr>
+          </a:lnRef>
+          <a:fillRef idx="1">
+            <a:schemeClr val="accent1"/>
+          </a:fillRef>
+          <a:effectRef idx="0">
+            <a:schemeClr val="accent1"/>
+          </a:effectRef>
+          <a:fontRef idx="minor">
+            <a:schemeClr val="lt1"/>
+          </a:fontRef>
+        </p:style>
+        <p:txBody>
+          <a:bodyPr rtlCol="0" anchor="ctr"/>
+          <a:lstStyle/>
+          <a:p>
+            <a:pPr algn="ctr"/>
+            <a:endParaRPr lang="ko-KR" altLang="en-US">
+              <a:solidFill>
+                <a:schemeClr val="tx1"/>
+              </a:solidFill>
+            </a:endParaRPr>
+          </a:p>
+        </p:txBody>
+      </p:sp>
+      <p:sp>
+        <p:nvSpPr>
+          <p:cNvPr id="12" name="굽은 화살표 11"/>
+          <p:cNvSpPr/>
+          <p:nvPr/>
+        </p:nvSpPr>
+        <p:spPr>
+          <a:xfrm flipV="1">
+            <a:off x="5157536" y="4873357"/>
+            <a:ext cx="3072063" cy="834190"/>
+          </a:xfrm>
+          <a:prstGeom prst="bentArrow">
+            <a:avLst/>
+          </a:prstGeom>
+        </p:spPr>
+        <p:style>
+          <a:lnRef idx="2">
+            <a:schemeClr val="accent1">
+              <a:shade val="50000"/>
+            </a:schemeClr>
+          </a:lnRef>
+          <a:fillRef idx="1">
+            <a:schemeClr val="accent1"/>
+          </a:fillRef>
+          <a:effectRef idx="0">
+            <a:schemeClr val="accent1"/>
+          </a:effectRef>
+          <a:fontRef idx="minor">
+            <a:schemeClr val="lt1"/>
+          </a:fontRef>
+        </p:style>
+        <p:txBody>
+          <a:bodyPr rtlCol="0" anchor="ctr"/>
+          <a:lstStyle/>
+          <a:p>
+            <a:pPr algn="ctr"/>
+            <a:endParaRPr lang="ko-KR" altLang="en-US">
+              <a:solidFill>
+                <a:schemeClr val="tx1"/>
+              </a:solidFill>
+            </a:endParaRPr>
+          </a:p>
+        </p:txBody>
+      </p:sp>
+      <p:sp>
+        <p:nvSpPr>
+          <p:cNvPr id="13" name="TextBox 12"/>
+          <p:cNvSpPr txBox="1"/>
+          <p:nvPr/>
+        </p:nvSpPr>
+        <p:spPr>
+          <a:xfrm>
+            <a:off x="5494421" y="4873357"/>
+            <a:ext cx="2406316" cy="369332"/>
+          </a:xfrm>
+          <a:prstGeom prst="rect">
+            <a:avLst/>
+          </a:prstGeom>
+          <a:noFill/>
+        </p:spPr>
+        <p:txBody>
+          <a:bodyPr wrap="square" rtlCol="0">
+            <a:spAutoFit/>
           </a:bodyPr>
           <a:lstStyle/>
           <a:p>
             <a:r>
+              <a:rPr lang="ko-KR" altLang="en-US" dirty="0" smtClean="0"/>
+              <a:t>중복된 아이디일 경우</a:t>
+            </a:r>
+            <a:endParaRPr lang="ko-KR" altLang="en-US" dirty="0"/>
+          </a:p>
+        </p:txBody>
+      </p:sp>
+      <p:sp>
+        <p:nvSpPr>
+          <p:cNvPr id="14" name="TextBox 13"/>
+          <p:cNvSpPr txBox="1"/>
+          <p:nvPr/>
+        </p:nvSpPr>
+        <p:spPr>
+          <a:xfrm>
+            <a:off x="5346278" y="1555721"/>
+            <a:ext cx="2975811" cy="369332"/>
+          </a:xfrm>
+          <a:prstGeom prst="rect">
+            <a:avLst/>
+          </a:prstGeom>
+          <a:noFill/>
+        </p:spPr>
+        <p:txBody>
+          <a:bodyPr wrap="square" rtlCol="0">
+            <a:spAutoFit/>
+          </a:bodyPr>
+          <a:lstStyle/>
+          <a:p>
+            <a:r>
+              <a:rPr lang="ko-KR" altLang="en-US" smtClean="0"/>
+              <a:t>중복된 아이디가 없을 경우</a:t>
+            </a:r>
+            <a:endParaRPr lang="ko-KR" altLang="en-US" dirty="0"/>
+          </a:p>
+        </p:txBody>
+      </p:sp>
+      <p:sp>
+        <p:nvSpPr>
+          <p:cNvPr id="15" name="TextBox 14"/>
+          <p:cNvSpPr txBox="1"/>
+          <p:nvPr/>
+        </p:nvSpPr>
+        <p:spPr>
+          <a:xfrm>
+            <a:off x="2815306" y="3856193"/>
+            <a:ext cx="1899907" cy="646331"/>
+          </a:xfrm>
+          <a:prstGeom prst="rect">
+            <a:avLst/>
+          </a:prstGeom>
+          <a:noFill/>
+        </p:spPr>
+        <p:txBody>
+          <a:bodyPr wrap="square" rtlCol="0">
+            <a:spAutoFit/>
+          </a:bodyPr>
+          <a:lstStyle/>
+          <a:p>
+            <a:r>
+              <a:rPr lang="ko-KR" altLang="en-US" dirty="0" smtClean="0"/>
+              <a:t>회원가입 눌렀을        </a:t>
+            </a:r>
+            <a:endParaRPr lang="en-US" altLang="ko-KR" dirty="0" smtClean="0"/>
+          </a:p>
+          <a:p>
+            <a:r>
+              <a:rPr lang="en-US" altLang="ko-KR" dirty="0"/>
+              <a:t> </a:t>
+            </a:r>
+            <a:r>
               <a:rPr lang="en-US" altLang="ko-KR" dirty="0" smtClean="0"/>
-              <a:t>UML</a:t>
+              <a:t>       </a:t>
+            </a:r>
+            <a:r>
+              <a:rPr lang="ko-KR" altLang="en-US" dirty="0" smtClean="0"/>
+              <a:t>경우</a:t>
             </a:r>
             <a:endParaRPr lang="ko-KR" altLang="en-US" dirty="0"/>
-          </a:p>
-        </p:txBody>
-      </p:sp>
-      <p:sp>
-        <p:nvSpPr>
-          <p:cNvPr id="5" name="부제목 4"/>
-          <p:cNvSpPr>
-            <a:spLocks noGrp="1"/>
-          </p:cNvSpPr>
-          <p:nvPr>
-            <p:ph type="subTitle" idx="1"/>
-          </p:nvPr>
-        </p:nvSpPr>
-        <p:spPr/>
-        <p:txBody>
-          <a:bodyPr/>
-          <a:lstStyle/>
-          <a:p>
-            <a:endParaRPr lang="ko-KR" altLang="en-US"/>
           </a:p>
         </p:txBody>
       </p:sp>
     </p:spTree>
     <p:extLst>
       <p:ext uri="{BB962C8B-B14F-4D97-AF65-F5344CB8AC3E}">
-        <p14:creationId xmlns:p14="http://schemas.microsoft.com/office/powerpoint/2010/main" val="2094978925"/>
+        <p14:creationId xmlns:p14="http://schemas.microsoft.com/office/powerpoint/2010/main" val="1337433037"/>
       </p:ext>
     </p:extLst>
   </p:cSld>
@@ -3906,33 +11133,352 @@
       </p:grpSpPr>
       <p:sp>
         <p:nvSpPr>
-          <p:cNvPr id="2" name="제목 1"/>
-          <p:cNvSpPr>
-            <a:spLocks noGrp="1"/>
+          <p:cNvPr id="5" name="제목 1"/>
+          <p:cNvSpPr txBox="1">
+            <a:spLocks/>
           </p:cNvSpPr>
-          <p:nvPr>
-            <p:ph type="ctrTitle"/>
-          </p:nvPr>
+          <p:nvPr/>
         </p:nvSpPr>
         <p:spPr>
           <a:xfrm>
-            <a:off x="368967" y="665163"/>
-            <a:ext cx="4804612" cy="1027279"/>
-          </a:xfrm>
-        </p:spPr>
-        <p:txBody>
-          <a:bodyPr>
-            <a:normAutofit fontScale="90000"/>
+            <a:off x="0" y="1"/>
+            <a:ext cx="7086599" cy="816428"/>
+          </a:xfrm>
+          <a:prstGeom prst="rect">
+            <a:avLst/>
+          </a:prstGeom>
+        </p:spPr>
+        <p:txBody>
+          <a:bodyPr vert="horz" lIns="91440" tIns="45720" rIns="91440" bIns="45720" rtlCol="0" anchor="ctr">
+            <a:normAutofit fontScale="97500"/>
+          </a:bodyPr>
+          <a:lstStyle>
+            <a:lvl1pPr algn="l" defTabSz="914400" rtl="0" eaLnBrk="1" latinLnBrk="1" hangingPunct="1">
+              <a:lnSpc>
+                <a:spcPct val="90000"/>
+              </a:lnSpc>
+              <a:spcBef>
+                <a:spcPct val="0"/>
+              </a:spcBef>
+              <a:buNone/>
+              <a:defRPr sz="4400" kern="1200">
+                <a:solidFill>
+                  <a:schemeClr val="tx1"/>
+                </a:solidFill>
+                <a:latin typeface="+mj-lt"/>
+                <a:ea typeface="+mj-ea"/>
+                <a:cs typeface="+mj-cs"/>
+              </a:defRPr>
+            </a:lvl1pPr>
+          </a:lstStyle>
+          <a:p>
+            <a:r>
+              <a:rPr lang="en-US" altLang="ko-KR" dirty="0" smtClean="0"/>
+              <a:t>UI </a:t>
+            </a:r>
+            <a:r>
+              <a:rPr lang="ko-KR" altLang="en-US" dirty="0" smtClean="0"/>
+              <a:t>정의서</a:t>
+            </a:r>
+            <a:r>
+              <a:rPr lang="en-US" altLang="ko-KR" dirty="0" smtClean="0"/>
+              <a:t>(</a:t>
+            </a:r>
+            <a:r>
+              <a:rPr lang="ko-KR" altLang="en-US" dirty="0" smtClean="0"/>
+              <a:t>메인 메뉴</a:t>
+            </a:r>
+            <a:r>
+              <a:rPr lang="en-US" altLang="ko-KR" dirty="0" smtClean="0"/>
+              <a:t>)</a:t>
+            </a:r>
+            <a:endParaRPr lang="ko-KR" altLang="en-US" dirty="0"/>
+          </a:p>
+        </p:txBody>
+      </p:sp>
+      <p:pic>
+        <p:nvPicPr>
+          <p:cNvPr id="6" name="그림 5"/>
+          <p:cNvPicPr>
+            <a:picLocks noChangeAspect="1"/>
+          </p:cNvPicPr>
+          <p:nvPr/>
+        </p:nvPicPr>
+        <p:blipFill>
+          <a:blip r:embed="rId2">
+            <a:extLst>
+              <a:ext uri="{28A0092B-C50C-407E-A947-70E740481C1C}">
+                <a14:useLocalDpi xmlns:a14="http://schemas.microsoft.com/office/drawing/2010/main" val="0"/>
+              </a:ext>
+            </a:extLst>
+          </a:blip>
+          <a:stretch>
+            <a:fillRect/>
+          </a:stretch>
+        </p:blipFill>
+        <p:spPr>
+          <a:xfrm>
+            <a:off x="85503" y="1850572"/>
+            <a:ext cx="3628974" cy="3140040"/>
+          </a:xfrm>
+          <a:prstGeom prst="rect">
+            <a:avLst/>
+          </a:prstGeom>
+        </p:spPr>
+      </p:pic>
+      <p:pic>
+        <p:nvPicPr>
+          <p:cNvPr id="7" name="그림 6"/>
+          <p:cNvPicPr>
+            <a:picLocks noChangeAspect="1"/>
+          </p:cNvPicPr>
+          <p:nvPr/>
+        </p:nvPicPr>
+        <p:blipFill>
+          <a:blip r:embed="rId3">
+            <a:extLst>
+              <a:ext uri="{28A0092B-C50C-407E-A947-70E740481C1C}">
+                <a14:useLocalDpi xmlns:a14="http://schemas.microsoft.com/office/drawing/2010/main" val="0"/>
+              </a:ext>
+            </a:extLst>
+          </a:blip>
+          <a:stretch>
+            <a:fillRect/>
+          </a:stretch>
+        </p:blipFill>
+        <p:spPr>
+          <a:xfrm>
+            <a:off x="6368717" y="4501356"/>
+            <a:ext cx="3809998" cy="2356644"/>
+          </a:xfrm>
+          <a:prstGeom prst="rect">
+            <a:avLst/>
+          </a:prstGeom>
+        </p:spPr>
+      </p:pic>
+      <p:pic>
+        <p:nvPicPr>
+          <p:cNvPr id="8" name="그림 7"/>
+          <p:cNvPicPr>
+            <a:picLocks noChangeAspect="1"/>
+          </p:cNvPicPr>
+          <p:nvPr/>
+        </p:nvPicPr>
+        <p:blipFill>
+          <a:blip r:embed="rId4">
+            <a:extLst>
+              <a:ext uri="{28A0092B-C50C-407E-A947-70E740481C1C}">
+                <a14:useLocalDpi xmlns:a14="http://schemas.microsoft.com/office/drawing/2010/main" val="0"/>
+              </a:ext>
+            </a:extLst>
+          </a:blip>
+          <a:stretch>
+            <a:fillRect/>
+          </a:stretch>
+        </p:blipFill>
+        <p:spPr>
+          <a:xfrm>
+            <a:off x="6368716" y="2505851"/>
+            <a:ext cx="3809999" cy="2050235"/>
+          </a:xfrm>
+          <a:prstGeom prst="rect">
+            <a:avLst/>
+          </a:prstGeom>
+        </p:spPr>
+      </p:pic>
+      <p:sp>
+        <p:nvSpPr>
+          <p:cNvPr id="10" name="오른쪽 화살표 9"/>
+          <p:cNvSpPr/>
+          <p:nvPr/>
+        </p:nvSpPr>
+        <p:spPr>
+          <a:xfrm>
+            <a:off x="3890940" y="2919663"/>
+            <a:ext cx="1836091" cy="770021"/>
+          </a:xfrm>
+          <a:prstGeom prst="rightArrow">
+            <a:avLst/>
+          </a:prstGeom>
+        </p:spPr>
+        <p:style>
+          <a:lnRef idx="2">
+            <a:schemeClr val="accent1">
+              <a:shade val="50000"/>
+            </a:schemeClr>
+          </a:lnRef>
+          <a:fillRef idx="1">
+            <a:schemeClr val="accent1"/>
+          </a:fillRef>
+          <a:effectRef idx="0">
+            <a:schemeClr val="accent1"/>
+          </a:effectRef>
+          <a:fontRef idx="minor">
+            <a:schemeClr val="lt1"/>
+          </a:fontRef>
+        </p:style>
+        <p:txBody>
+          <a:bodyPr rtlCol="0" anchor="ctr"/>
+          <a:lstStyle/>
+          <a:p>
+            <a:pPr algn="ctr"/>
+            <a:endParaRPr lang="ko-KR" altLang="en-US"/>
+          </a:p>
+        </p:txBody>
+      </p:sp>
+      <p:sp>
+        <p:nvSpPr>
+          <p:cNvPr id="11" name="굽은 화살표 10"/>
+          <p:cNvSpPr/>
+          <p:nvPr/>
+        </p:nvSpPr>
+        <p:spPr>
+          <a:xfrm>
+            <a:off x="1520219" y="949674"/>
+            <a:ext cx="4741442" cy="952214"/>
+          </a:xfrm>
+          <a:prstGeom prst="bentArrow">
+            <a:avLst>
+              <a:gd name="adj1" fmla="val 25000"/>
+              <a:gd name="adj2" fmla="val 32160"/>
+              <a:gd name="adj3" fmla="val 25000"/>
+              <a:gd name="adj4" fmla="val 43750"/>
+            </a:avLst>
+          </a:prstGeom>
+        </p:spPr>
+        <p:style>
+          <a:lnRef idx="2">
+            <a:schemeClr val="accent1">
+              <a:shade val="50000"/>
+            </a:schemeClr>
+          </a:lnRef>
+          <a:fillRef idx="1">
+            <a:schemeClr val="accent1"/>
+          </a:fillRef>
+          <a:effectRef idx="0">
+            <a:schemeClr val="accent1"/>
+          </a:effectRef>
+          <a:fontRef idx="minor">
+            <a:schemeClr val="lt1"/>
+          </a:fontRef>
+        </p:style>
+        <p:txBody>
+          <a:bodyPr rtlCol="0" anchor="ctr"/>
+          <a:lstStyle/>
+          <a:p>
+            <a:pPr algn="ctr"/>
+            <a:endParaRPr lang="ko-KR" altLang="en-US">
+              <a:solidFill>
+                <a:schemeClr val="tx1"/>
+              </a:solidFill>
+            </a:endParaRPr>
+          </a:p>
+        </p:txBody>
+      </p:sp>
+      <p:sp>
+        <p:nvSpPr>
+          <p:cNvPr id="13" name="굽은 화살표 12"/>
+          <p:cNvSpPr/>
+          <p:nvPr/>
+        </p:nvSpPr>
+        <p:spPr>
+          <a:xfrm flipV="1">
+            <a:off x="1520219" y="5289063"/>
+            <a:ext cx="4741442" cy="952214"/>
+          </a:xfrm>
+          <a:prstGeom prst="bentArrow">
+            <a:avLst>
+              <a:gd name="adj1" fmla="val 25000"/>
+              <a:gd name="adj2" fmla="val 32160"/>
+              <a:gd name="adj3" fmla="val 25000"/>
+              <a:gd name="adj4" fmla="val 43750"/>
+            </a:avLst>
+          </a:prstGeom>
+        </p:spPr>
+        <p:style>
+          <a:lnRef idx="2">
+            <a:schemeClr val="accent1">
+              <a:shade val="50000"/>
+            </a:schemeClr>
+          </a:lnRef>
+          <a:fillRef idx="1">
+            <a:schemeClr val="accent1"/>
+          </a:fillRef>
+          <a:effectRef idx="0">
+            <a:schemeClr val="accent1"/>
+          </a:effectRef>
+          <a:fontRef idx="minor">
+            <a:schemeClr val="lt1"/>
+          </a:fontRef>
+        </p:style>
+        <p:txBody>
+          <a:bodyPr rtlCol="0" anchor="ctr"/>
+          <a:lstStyle/>
+          <a:p>
+            <a:pPr algn="ctr"/>
+            <a:endParaRPr lang="ko-KR" altLang="en-US">
+              <a:solidFill>
+                <a:schemeClr val="tx1"/>
+              </a:solidFill>
+            </a:endParaRPr>
+          </a:p>
+        </p:txBody>
+      </p:sp>
+      <p:sp>
+        <p:nvSpPr>
+          <p:cNvPr id="14" name="TextBox 13"/>
+          <p:cNvSpPr txBox="1"/>
+          <p:nvPr/>
+        </p:nvSpPr>
+        <p:spPr>
+          <a:xfrm>
+            <a:off x="2077130" y="1502540"/>
+            <a:ext cx="3705726" cy="369332"/>
+          </a:xfrm>
+          <a:prstGeom prst="rect">
+            <a:avLst/>
+          </a:prstGeom>
+          <a:noFill/>
+        </p:spPr>
+        <p:txBody>
+          <a:bodyPr wrap="square" rtlCol="0">
+            <a:spAutoFit/>
           </a:bodyPr>
           <a:lstStyle/>
           <a:p>
             <a:r>
-              <a:rPr lang="en-US" altLang="ko-KR" dirty="0" smtClean="0"/>
-              <a:t>DB </a:t>
-            </a:r>
-            <a:r>
-              <a:rPr lang="en-US" altLang="ko-KR" dirty="0" err="1" smtClean="0"/>
-              <a:t>ERDiagram</a:t>
+              <a:rPr lang="ko-KR" altLang="en-US" dirty="0" smtClean="0"/>
+              <a:t>동물 상태 버튼 눌렀을 경우</a:t>
+            </a:r>
+            <a:endParaRPr lang="en-US" altLang="ko-KR" dirty="0" smtClean="0"/>
+          </a:p>
+        </p:txBody>
+      </p:sp>
+      <p:sp>
+        <p:nvSpPr>
+          <p:cNvPr id="15" name="TextBox 14"/>
+          <p:cNvSpPr txBox="1"/>
+          <p:nvPr/>
+        </p:nvSpPr>
+        <p:spPr>
+          <a:xfrm>
+            <a:off x="3331722" y="3703751"/>
+            <a:ext cx="3312695" cy="369332"/>
+          </a:xfrm>
+          <a:prstGeom prst="rect">
+            <a:avLst/>
+          </a:prstGeom>
+          <a:noFill/>
+        </p:spPr>
+        <p:txBody>
+          <a:bodyPr wrap="square" rtlCol="0">
+            <a:spAutoFit/>
+          </a:bodyPr>
+          <a:lstStyle/>
+          <a:p>
+            <a:r>
+              <a:rPr lang="ko-KR" altLang="en-US" dirty="0" smtClean="0"/>
+              <a:t>온도 체크 버튼을 눌렀을 경우</a:t>
             </a:r>
             <a:endParaRPr lang="ko-KR" altLang="en-US" dirty="0"/>
           </a:p>
@@ -3940,33 +11486,81 @@
       </p:sp>
       <p:sp>
         <p:nvSpPr>
-          <p:cNvPr id="5" name="부제목 4"/>
-          <p:cNvSpPr>
-            <a:spLocks noGrp="1"/>
-          </p:cNvSpPr>
-          <p:nvPr>
-            <p:ph type="subTitle" idx="1"/>
-          </p:nvPr>
-        </p:nvSpPr>
-        <p:spPr/>
-        <p:txBody>
-          <a:bodyPr/>
+          <p:cNvPr id="16" name="TextBox 15"/>
+          <p:cNvSpPr txBox="1"/>
+          <p:nvPr/>
+        </p:nvSpPr>
+        <p:spPr>
+          <a:xfrm>
+            <a:off x="2161715" y="5264710"/>
+            <a:ext cx="3705726" cy="369332"/>
+          </a:xfrm>
+          <a:prstGeom prst="rect">
+            <a:avLst/>
+          </a:prstGeom>
+          <a:noFill/>
+        </p:spPr>
+        <p:txBody>
+          <a:bodyPr wrap="square" rtlCol="0">
+            <a:spAutoFit/>
+          </a:bodyPr>
           <a:lstStyle/>
           <a:p>
-            <a:endParaRPr lang="ko-KR" altLang="en-US"/>
-          </a:p>
-        </p:txBody>
-      </p:sp>
+            <a:r>
+              <a:rPr lang="ko-KR" altLang="en-US" dirty="0" smtClean="0"/>
+              <a:t>일정 버튼 눌렀을 경우</a:t>
+            </a:r>
+            <a:endParaRPr lang="en-US" altLang="ko-KR" dirty="0" smtClean="0"/>
+          </a:p>
+        </p:txBody>
+      </p:sp>
+      <p:pic>
+        <p:nvPicPr>
+          <p:cNvPr id="2" name="그림 1"/>
+          <p:cNvPicPr>
+            <a:picLocks noChangeAspect="1"/>
+          </p:cNvPicPr>
+          <p:nvPr/>
+        </p:nvPicPr>
+        <p:blipFill>
+          <a:blip r:embed="rId5">
+            <a:extLst>
+              <a:ext uri="{28A0092B-C50C-407E-A947-70E740481C1C}">
+                <a14:useLocalDpi xmlns:a14="http://schemas.microsoft.com/office/drawing/2010/main" val="0"/>
+              </a:ext>
+            </a:extLst>
+          </a:blip>
+          <a:stretch>
+            <a:fillRect/>
+          </a:stretch>
+        </p:blipFill>
+        <p:spPr>
+          <a:xfrm>
+            <a:off x="6547481" y="120316"/>
+            <a:ext cx="3198098" cy="2367455"/>
+          </a:xfrm>
+          <a:prstGeom prst="rect">
+            <a:avLst/>
+          </a:prstGeom>
+        </p:spPr>
+      </p:pic>
     </p:spTree>
     <p:extLst>
       <p:ext uri="{BB962C8B-B14F-4D97-AF65-F5344CB8AC3E}">
-        <p14:creationId xmlns:p14="http://schemas.microsoft.com/office/powerpoint/2010/main" val="106342684"/>
+        <p14:creationId xmlns:p14="http://schemas.microsoft.com/office/powerpoint/2010/main" val="3707485484"/>
       </p:ext>
     </p:extLst>
   </p:cSld>
   <p:clrMapOvr>
     <a:masterClrMapping/>
   </p:clrMapOvr>
+  <p:timing>
+    <p:tnLst>
+      <p:par>
+        <p:cTn id="1" dur="indefinite" restart="never" nodeType="tmRoot"/>
+      </p:par>
+    </p:tnLst>
+  </p:timing>
 </p:sld>
 </file>
 
@@ -3989,33 +11583,342 @@
       </p:grpSpPr>
       <p:sp>
         <p:nvSpPr>
-          <p:cNvPr id="2" name="제목 1"/>
-          <p:cNvSpPr>
-            <a:spLocks noGrp="1"/>
+          <p:cNvPr id="6" name="제목 1"/>
+          <p:cNvSpPr txBox="1">
+            <a:spLocks/>
           </p:cNvSpPr>
-          <p:nvPr>
-            <p:ph type="ctrTitle"/>
-          </p:nvPr>
+          <p:nvPr/>
         </p:nvSpPr>
         <p:spPr>
           <a:xfrm>
-            <a:off x="368967" y="665163"/>
-            <a:ext cx="5935580" cy="1027279"/>
-          </a:xfrm>
-        </p:spPr>
-        <p:txBody>
-          <a:bodyPr>
-            <a:normAutofit fontScale="90000"/>
+            <a:off x="0" y="1"/>
+            <a:ext cx="7086599" cy="816428"/>
+          </a:xfrm>
+          <a:prstGeom prst="rect">
+            <a:avLst/>
+          </a:prstGeom>
+        </p:spPr>
+        <p:txBody>
+          <a:bodyPr vert="horz" lIns="91440" tIns="45720" rIns="91440" bIns="45720" rtlCol="0" anchor="ctr">
+            <a:normAutofit fontScale="97500"/>
+          </a:bodyPr>
+          <a:lstStyle>
+            <a:lvl1pPr algn="l" defTabSz="914400" rtl="0" eaLnBrk="1" latinLnBrk="1" hangingPunct="1">
+              <a:lnSpc>
+                <a:spcPct val="90000"/>
+              </a:lnSpc>
+              <a:spcBef>
+                <a:spcPct val="0"/>
+              </a:spcBef>
+              <a:buNone/>
+              <a:defRPr sz="4400" kern="1200">
+                <a:solidFill>
+                  <a:schemeClr val="tx1"/>
+                </a:solidFill>
+                <a:latin typeface="+mj-lt"/>
+                <a:ea typeface="+mj-ea"/>
+                <a:cs typeface="+mj-cs"/>
+              </a:defRPr>
+            </a:lvl1pPr>
+          </a:lstStyle>
+          <a:p>
+            <a:r>
+              <a:rPr lang="en-US" altLang="ko-KR" dirty="0" smtClean="0"/>
+              <a:t>UI </a:t>
+            </a:r>
+            <a:r>
+              <a:rPr lang="ko-KR" altLang="en-US" dirty="0" smtClean="0"/>
+              <a:t>정의서</a:t>
+            </a:r>
+            <a:r>
+              <a:rPr lang="en-US" altLang="ko-KR" dirty="0" smtClean="0"/>
+              <a:t>(</a:t>
+            </a:r>
+            <a:r>
+              <a:rPr lang="ko-KR" altLang="en-US" dirty="0" smtClean="0"/>
+              <a:t>동물 검색</a:t>
+            </a:r>
+            <a:r>
+              <a:rPr lang="en-US" altLang="ko-KR" dirty="0" smtClean="0"/>
+              <a:t>)</a:t>
+            </a:r>
+            <a:endParaRPr lang="ko-KR" altLang="en-US" dirty="0"/>
+          </a:p>
+        </p:txBody>
+      </p:sp>
+      <p:pic>
+        <p:nvPicPr>
+          <p:cNvPr id="8" name="그림 7"/>
+          <p:cNvPicPr>
+            <a:picLocks noChangeAspect="1"/>
+          </p:cNvPicPr>
+          <p:nvPr/>
+        </p:nvPicPr>
+        <p:blipFill>
+          <a:blip r:embed="rId2">
+            <a:extLst>
+              <a:ext uri="{28A0092B-C50C-407E-A947-70E740481C1C}">
+                <a14:useLocalDpi xmlns:a14="http://schemas.microsoft.com/office/drawing/2010/main" val="0"/>
+              </a:ext>
+            </a:extLst>
+          </a:blip>
+          <a:stretch>
+            <a:fillRect/>
+          </a:stretch>
+        </p:blipFill>
+        <p:spPr>
+          <a:xfrm>
+            <a:off x="120900" y="1862522"/>
+            <a:ext cx="4135415" cy="3797555"/>
+          </a:xfrm>
+          <a:prstGeom prst="rect">
+            <a:avLst/>
+          </a:prstGeom>
+        </p:spPr>
+      </p:pic>
+      <p:pic>
+        <p:nvPicPr>
+          <p:cNvPr id="9" name="그림 8"/>
+          <p:cNvPicPr>
+            <a:picLocks noChangeAspect="1"/>
+          </p:cNvPicPr>
+          <p:nvPr/>
+        </p:nvPicPr>
+        <p:blipFill>
+          <a:blip r:embed="rId3">
+            <a:extLst>
+              <a:ext uri="{28A0092B-C50C-407E-A947-70E740481C1C}">
+                <a14:useLocalDpi xmlns:a14="http://schemas.microsoft.com/office/drawing/2010/main" val="0"/>
+              </a:ext>
+            </a:extLst>
+          </a:blip>
+          <a:stretch>
+            <a:fillRect/>
+          </a:stretch>
+        </p:blipFill>
+        <p:spPr>
+          <a:xfrm>
+            <a:off x="5598694" y="1"/>
+            <a:ext cx="3146995" cy="2536987"/>
+          </a:xfrm>
+          <a:prstGeom prst="rect">
+            <a:avLst/>
+          </a:prstGeom>
+        </p:spPr>
+      </p:pic>
+      <p:pic>
+        <p:nvPicPr>
+          <p:cNvPr id="10" name="그림 9"/>
+          <p:cNvPicPr>
+            <a:picLocks noChangeAspect="1"/>
+          </p:cNvPicPr>
+          <p:nvPr/>
+        </p:nvPicPr>
+        <p:blipFill>
+          <a:blip r:embed="rId4">
+            <a:extLst>
+              <a:ext uri="{28A0092B-C50C-407E-A947-70E740481C1C}">
+                <a14:useLocalDpi xmlns:a14="http://schemas.microsoft.com/office/drawing/2010/main" val="0"/>
+              </a:ext>
+            </a:extLst>
+          </a:blip>
+          <a:stretch>
+            <a:fillRect/>
+          </a:stretch>
+        </p:blipFill>
+        <p:spPr>
+          <a:xfrm>
+            <a:off x="5598694" y="4090161"/>
+            <a:ext cx="3146995" cy="2767838"/>
+          </a:xfrm>
+          <a:prstGeom prst="rect">
+            <a:avLst/>
+          </a:prstGeom>
+        </p:spPr>
+      </p:pic>
+      <p:pic>
+        <p:nvPicPr>
+          <p:cNvPr id="11" name="그림 10"/>
+          <p:cNvPicPr>
+            <a:picLocks noChangeAspect="1"/>
+          </p:cNvPicPr>
+          <p:nvPr/>
+        </p:nvPicPr>
+        <p:blipFill>
+          <a:blip r:embed="rId5">
+            <a:extLst>
+              <a:ext uri="{28A0092B-C50C-407E-A947-70E740481C1C}">
+                <a14:useLocalDpi xmlns:a14="http://schemas.microsoft.com/office/drawing/2010/main" val="0"/>
+              </a:ext>
+            </a:extLst>
+          </a:blip>
+          <a:stretch>
+            <a:fillRect/>
+          </a:stretch>
+        </p:blipFill>
+        <p:spPr>
+          <a:xfrm>
+            <a:off x="9954159" y="4823952"/>
+            <a:ext cx="2105319" cy="1457528"/>
+          </a:xfrm>
+          <a:prstGeom prst="rect">
+            <a:avLst/>
+          </a:prstGeom>
+        </p:spPr>
+      </p:pic>
+      <p:sp>
+        <p:nvSpPr>
+          <p:cNvPr id="12" name="굽은 화살표 11"/>
+          <p:cNvSpPr/>
+          <p:nvPr/>
+        </p:nvSpPr>
+        <p:spPr>
+          <a:xfrm>
+            <a:off x="1860884" y="1010653"/>
+            <a:ext cx="3737811" cy="633663"/>
+          </a:xfrm>
+          <a:prstGeom prst="bentArrow">
+            <a:avLst/>
+          </a:prstGeom>
+        </p:spPr>
+        <p:style>
+          <a:lnRef idx="2">
+            <a:schemeClr val="accent1">
+              <a:shade val="50000"/>
+            </a:schemeClr>
+          </a:lnRef>
+          <a:fillRef idx="1">
+            <a:schemeClr val="accent1"/>
+          </a:fillRef>
+          <a:effectRef idx="0">
+            <a:schemeClr val="accent1"/>
+          </a:effectRef>
+          <a:fontRef idx="minor">
+            <a:schemeClr val="lt1"/>
+          </a:fontRef>
+        </p:style>
+        <p:txBody>
+          <a:bodyPr rtlCol="0" anchor="ctr"/>
+          <a:lstStyle/>
+          <a:p>
+            <a:pPr algn="ctr"/>
+            <a:endParaRPr lang="ko-KR" altLang="en-US">
+              <a:solidFill>
+                <a:schemeClr val="tx1"/>
+              </a:solidFill>
+            </a:endParaRPr>
+          </a:p>
+        </p:txBody>
+      </p:sp>
+      <p:sp>
+        <p:nvSpPr>
+          <p:cNvPr id="13" name="굽은 화살표 12"/>
+          <p:cNvSpPr/>
+          <p:nvPr/>
+        </p:nvSpPr>
+        <p:spPr>
+          <a:xfrm flipV="1">
+            <a:off x="1860883" y="5660077"/>
+            <a:ext cx="3737811" cy="633663"/>
+          </a:xfrm>
+          <a:prstGeom prst="bentArrow">
+            <a:avLst/>
+          </a:prstGeom>
+        </p:spPr>
+        <p:style>
+          <a:lnRef idx="2">
+            <a:schemeClr val="accent1">
+              <a:shade val="50000"/>
+            </a:schemeClr>
+          </a:lnRef>
+          <a:fillRef idx="1">
+            <a:schemeClr val="accent1"/>
+          </a:fillRef>
+          <a:effectRef idx="0">
+            <a:schemeClr val="accent1"/>
+          </a:effectRef>
+          <a:fontRef idx="minor">
+            <a:schemeClr val="lt1"/>
+          </a:fontRef>
+        </p:style>
+        <p:txBody>
+          <a:bodyPr rtlCol="0" anchor="ctr"/>
+          <a:lstStyle/>
+          <a:p>
+            <a:pPr algn="ctr"/>
+            <a:endParaRPr lang="ko-KR" altLang="en-US">
+              <a:solidFill>
+                <a:schemeClr val="tx1"/>
+              </a:solidFill>
+            </a:endParaRPr>
+          </a:p>
+        </p:txBody>
+      </p:sp>
+      <p:sp>
+        <p:nvSpPr>
+          <p:cNvPr id="14" name="오른쪽 화살표 13"/>
+          <p:cNvSpPr/>
+          <p:nvPr/>
+        </p:nvSpPr>
+        <p:spPr>
+          <a:xfrm>
+            <a:off x="8871284" y="5220948"/>
+            <a:ext cx="898358" cy="526603"/>
+          </a:xfrm>
+          <a:prstGeom prst="rightArrow">
+            <a:avLst/>
+          </a:prstGeom>
+        </p:spPr>
+        <p:style>
+          <a:lnRef idx="2">
+            <a:schemeClr val="accent1">
+              <a:shade val="50000"/>
+            </a:schemeClr>
+          </a:lnRef>
+          <a:fillRef idx="1">
+            <a:schemeClr val="accent1"/>
+          </a:fillRef>
+          <a:effectRef idx="0">
+            <a:schemeClr val="accent1"/>
+          </a:effectRef>
+          <a:fontRef idx="minor">
+            <a:schemeClr val="lt1"/>
+          </a:fontRef>
+        </p:style>
+        <p:txBody>
+          <a:bodyPr rtlCol="0" anchor="ctr"/>
+          <a:lstStyle/>
+          <a:p>
+            <a:pPr algn="ctr"/>
+            <a:endParaRPr lang="ko-KR" altLang="en-US"/>
+          </a:p>
+        </p:txBody>
+      </p:sp>
+      <p:sp>
+        <p:nvSpPr>
+          <p:cNvPr id="15" name="TextBox 14"/>
+          <p:cNvSpPr txBox="1"/>
+          <p:nvPr/>
+        </p:nvSpPr>
+        <p:spPr>
+          <a:xfrm>
+            <a:off x="2269958" y="1327484"/>
+            <a:ext cx="3064042" cy="369332"/>
+          </a:xfrm>
+          <a:prstGeom prst="rect">
+            <a:avLst/>
+          </a:prstGeom>
+          <a:noFill/>
+        </p:spPr>
+        <p:txBody>
+          <a:bodyPr wrap="square" rtlCol="0">
+            <a:spAutoFit/>
           </a:bodyPr>
           <a:lstStyle/>
           <a:p>
             <a:r>
-              <a:rPr lang="en-US" altLang="ko-KR" dirty="0" err="1" smtClean="0"/>
-              <a:t>Github</a:t>
-            </a:r>
-            <a:r>
-              <a:rPr lang="en-US" altLang="ko-KR" dirty="0" smtClean="0"/>
-              <a:t> repository</a:t>
+              <a:rPr lang="ko-KR" altLang="en-US" dirty="0" smtClean="0"/>
+              <a:t>추가하기 버튼 눌렀을 때</a:t>
             </a:r>
             <a:endParaRPr lang="ko-KR" altLang="en-US" dirty="0"/>
           </a:p>
@@ -4023,33 +11926,81 @@
       </p:sp>
       <p:sp>
         <p:nvSpPr>
-          <p:cNvPr id="5" name="부제목 4"/>
-          <p:cNvSpPr>
-            <a:spLocks noGrp="1"/>
-          </p:cNvSpPr>
-          <p:nvPr>
-            <p:ph type="subTitle" idx="1"/>
-          </p:nvPr>
-        </p:nvSpPr>
-        <p:spPr/>
-        <p:txBody>
-          <a:bodyPr/>
+          <p:cNvPr id="16" name="TextBox 15"/>
+          <p:cNvSpPr txBox="1"/>
+          <p:nvPr/>
+        </p:nvSpPr>
+        <p:spPr>
+          <a:xfrm>
+            <a:off x="2269958" y="5552716"/>
+            <a:ext cx="3064042" cy="369332"/>
+          </a:xfrm>
+          <a:prstGeom prst="rect">
+            <a:avLst/>
+          </a:prstGeom>
+          <a:noFill/>
+        </p:spPr>
+        <p:txBody>
+          <a:bodyPr wrap="square" rtlCol="0">
+            <a:spAutoFit/>
+          </a:bodyPr>
           <a:lstStyle/>
           <a:p>
-            <a:endParaRPr lang="ko-KR" altLang="en-US"/>
+            <a:r>
+              <a:rPr lang="ko-KR" altLang="en-US" dirty="0" smtClean="0"/>
+              <a:t>동물 검색을 했을 경우</a:t>
+            </a:r>
+            <a:endParaRPr lang="ko-KR" altLang="en-US" dirty="0"/>
+          </a:p>
+        </p:txBody>
+      </p:sp>
+      <p:sp>
+        <p:nvSpPr>
+          <p:cNvPr id="17" name="TextBox 16"/>
+          <p:cNvSpPr txBox="1"/>
+          <p:nvPr/>
+        </p:nvSpPr>
+        <p:spPr>
+          <a:xfrm>
+            <a:off x="8529121" y="4959338"/>
+            <a:ext cx="1558947" cy="261610"/>
+          </a:xfrm>
+          <a:prstGeom prst="rect">
+            <a:avLst/>
+          </a:prstGeom>
+          <a:noFill/>
+        </p:spPr>
+        <p:txBody>
+          <a:bodyPr wrap="square" rtlCol="0">
+            <a:spAutoFit/>
+          </a:bodyPr>
+          <a:lstStyle/>
+          <a:p>
+            <a:r>
+              <a:rPr lang="ko-KR" altLang="en-US" sz="1100" dirty="0" smtClean="0"/>
+              <a:t>삭제하기 눌렀을 경우</a:t>
+            </a:r>
+            <a:endParaRPr lang="ko-KR" altLang="en-US" sz="1100" dirty="0"/>
           </a:p>
         </p:txBody>
       </p:sp>
     </p:spTree>
     <p:extLst>
       <p:ext uri="{BB962C8B-B14F-4D97-AF65-F5344CB8AC3E}">
-        <p14:creationId xmlns:p14="http://schemas.microsoft.com/office/powerpoint/2010/main" val="3122835207"/>
+        <p14:creationId xmlns:p14="http://schemas.microsoft.com/office/powerpoint/2010/main" val="3889126240"/>
       </p:ext>
     </p:extLst>
   </p:cSld>
   <p:clrMapOvr>
     <a:masterClrMapping/>
   </p:clrMapOvr>
+  <p:timing>
+    <p:tnLst>
+      <p:par>
+        <p:cTn id="1" dur="indefinite" restart="never" nodeType="tmRoot"/>
+      </p:par>
+    </p:tnLst>
+  </p:timing>
 </p:sld>
 </file>
 
